--- a/Lok Sabha Analysis.pptx
+++ b/Lok Sabha Analysis.pptx
@@ -13,25 +13,25 @@
     <p:sldId id="256" r:id="rId4"/>
     <p:sldId id="270" r:id="rId5"/>
     <p:sldId id="271" r:id="rId6"/>
-    <p:sldId id="264" r:id="rId7"/>
-    <p:sldId id="259" r:id="rId8"/>
-    <p:sldId id="272" r:id="rId9"/>
-    <p:sldId id="273" r:id="rId10"/>
-    <p:sldId id="274" r:id="rId11"/>
-    <p:sldId id="275" r:id="rId12"/>
-    <p:sldId id="262" r:id="rId13"/>
-    <p:sldId id="276" r:id="rId14"/>
-    <p:sldId id="257" r:id="rId15"/>
-    <p:sldId id="280" r:id="rId16"/>
-    <p:sldId id="277" r:id="rId17"/>
-    <p:sldId id="266" r:id="rId18"/>
-    <p:sldId id="281" r:id="rId19"/>
-    <p:sldId id="278" r:id="rId20"/>
-    <p:sldId id="279" r:id="rId21"/>
+    <p:sldId id="259" r:id="rId7"/>
+    <p:sldId id="272" r:id="rId8"/>
+    <p:sldId id="273" r:id="rId9"/>
+    <p:sldId id="274" r:id="rId10"/>
+    <p:sldId id="275" r:id="rId11"/>
+    <p:sldId id="262" r:id="rId12"/>
+    <p:sldId id="276" r:id="rId13"/>
+    <p:sldId id="257" r:id="rId14"/>
+    <p:sldId id="277" r:id="rId15"/>
+    <p:sldId id="281" r:id="rId16"/>
+    <p:sldId id="278" r:id="rId17"/>
+    <p:sldId id="279" r:id="rId18"/>
+    <p:sldId id="266" r:id="rId19"/>
+    <p:sldId id="264" r:id="rId20"/>
+    <p:sldId id="280" r:id="rId21"/>
     <p:sldId id="265" r:id="rId22"/>
-    <p:sldId id="263" r:id="rId23"/>
-    <p:sldId id="268" r:id="rId24"/>
-    <p:sldId id="269" r:id="rId25"/>
+    <p:sldId id="268" r:id="rId23"/>
+    <p:sldId id="269" r:id="rId24"/>
+    <p:sldId id="263" r:id="rId25"/>
     <p:sldId id="267" r:id="rId26"/>
     <p:sldId id="261" r:id="rId27"/>
   </p:sldIdLst>
@@ -132,6 +132,11 @@
       </a:defRPr>
     </a:lvl9pPr>
   </p:defaultTextStyle>
+  <p:extLst>
+    <p:ext uri="{EFAFB233-063F-42B5-8137-9DF3F51BA10A}">
+      <p15:sldGuideLst xmlns:p15="http://schemas.microsoft.com/office/powerpoint/2012/main"/>
+    </p:ext>
+  </p:extLst>
 </p:presentation>
 </file>
 
@@ -217,7 +222,7 @@
           <a:p>
             <a:fld id="{A63DE89E-B788-45B3-A7B3-57E1438D893C}" type="datetimeFigureOut">
               <a:rPr lang="en-IN" smtClean="0"/>
-              <a:t>10-06-2024</a:t>
+              <a:t>11-06-2024</a:t>
             </a:fld>
             <a:endParaRPr lang="en-IN"/>
           </a:p>
@@ -718,7 +723,7 @@
           <a:p>
             <a:fld id="{23657AC1-C6EB-4E64-AD35-A1299BB83A19}" type="datetimeFigureOut">
               <a:rPr lang="en-IN" smtClean="0"/>
-              <a:t>07-06-2024</a:t>
+              <a:t>11-06-2024</a:t>
             </a:fld>
             <a:endParaRPr lang="en-IN"/>
           </a:p>
@@ -918,7 +923,7 @@
           <a:p>
             <a:fld id="{23657AC1-C6EB-4E64-AD35-A1299BB83A19}" type="datetimeFigureOut">
               <a:rPr lang="en-IN" smtClean="0"/>
-              <a:t>07-06-2024</a:t>
+              <a:t>11-06-2024</a:t>
             </a:fld>
             <a:endParaRPr lang="en-IN"/>
           </a:p>
@@ -1128,7 +1133,7 @@
           <a:p>
             <a:fld id="{23657AC1-C6EB-4E64-AD35-A1299BB83A19}" type="datetimeFigureOut">
               <a:rPr lang="en-IN" smtClean="0"/>
-              <a:t>07-06-2024</a:t>
+              <a:t>11-06-2024</a:t>
             </a:fld>
             <a:endParaRPr lang="en-IN"/>
           </a:p>
@@ -1328,7 +1333,7 @@
           <a:p>
             <a:fld id="{23657AC1-C6EB-4E64-AD35-A1299BB83A19}" type="datetimeFigureOut">
               <a:rPr lang="en-IN" smtClean="0"/>
-              <a:t>07-06-2024</a:t>
+              <a:t>11-06-2024</a:t>
             </a:fld>
             <a:endParaRPr lang="en-IN"/>
           </a:p>
@@ -1604,7 +1609,7 @@
           <a:p>
             <a:fld id="{23657AC1-C6EB-4E64-AD35-A1299BB83A19}" type="datetimeFigureOut">
               <a:rPr lang="en-IN" smtClean="0"/>
-              <a:t>07-06-2024</a:t>
+              <a:t>11-06-2024</a:t>
             </a:fld>
             <a:endParaRPr lang="en-IN"/>
           </a:p>
@@ -1872,7 +1877,7 @@
           <a:p>
             <a:fld id="{23657AC1-C6EB-4E64-AD35-A1299BB83A19}" type="datetimeFigureOut">
               <a:rPr lang="en-IN" smtClean="0"/>
-              <a:t>07-06-2024</a:t>
+              <a:t>11-06-2024</a:t>
             </a:fld>
             <a:endParaRPr lang="en-IN"/>
           </a:p>
@@ -2287,7 +2292,7 @@
           <a:p>
             <a:fld id="{23657AC1-C6EB-4E64-AD35-A1299BB83A19}" type="datetimeFigureOut">
               <a:rPr lang="en-IN" smtClean="0"/>
-              <a:t>07-06-2024</a:t>
+              <a:t>11-06-2024</a:t>
             </a:fld>
             <a:endParaRPr lang="en-IN"/>
           </a:p>
@@ -2429,7 +2434,7 @@
           <a:p>
             <a:fld id="{23657AC1-C6EB-4E64-AD35-A1299BB83A19}" type="datetimeFigureOut">
               <a:rPr lang="en-IN" smtClean="0"/>
-              <a:t>07-06-2024</a:t>
+              <a:t>11-06-2024</a:t>
             </a:fld>
             <a:endParaRPr lang="en-IN"/>
           </a:p>
@@ -2542,7 +2547,7 @@
           <a:p>
             <a:fld id="{23657AC1-C6EB-4E64-AD35-A1299BB83A19}" type="datetimeFigureOut">
               <a:rPr lang="en-IN" smtClean="0"/>
-              <a:t>07-06-2024</a:t>
+              <a:t>11-06-2024</a:t>
             </a:fld>
             <a:endParaRPr lang="en-IN"/>
           </a:p>
@@ -2855,7 +2860,7 @@
           <a:p>
             <a:fld id="{23657AC1-C6EB-4E64-AD35-A1299BB83A19}" type="datetimeFigureOut">
               <a:rPr lang="en-IN" smtClean="0"/>
-              <a:t>07-06-2024</a:t>
+              <a:t>11-06-2024</a:t>
             </a:fld>
             <a:endParaRPr lang="en-IN"/>
           </a:p>
@@ -3144,7 +3149,7 @@
           <a:p>
             <a:fld id="{23657AC1-C6EB-4E64-AD35-A1299BB83A19}" type="datetimeFigureOut">
               <a:rPr lang="en-IN" smtClean="0"/>
-              <a:t>07-06-2024</a:t>
+              <a:t>11-06-2024</a:t>
             </a:fld>
             <a:endParaRPr lang="en-IN"/>
           </a:p>
@@ -3387,7 +3392,7 @@
           <a:p>
             <a:fld id="{23657AC1-C6EB-4E64-AD35-A1299BB83A19}" type="datetimeFigureOut">
               <a:rPr lang="en-IN" smtClean="0"/>
-              <a:t>07-06-2024</a:t>
+              <a:t>11-06-2024</a:t>
             </a:fld>
             <a:endParaRPr lang="en-IN"/>
           </a:p>
@@ -3989,7 +3994,7 @@
                   <a:schemeClr val="bg1"/>
                 </a:solidFill>
               </a:rPr>
-              <a:t>6.  % split of votes of parties between 2014, 2019 at national level</a:t>
+              <a:t>7.  % split of votes of parties between 2014, 2019 at state level</a:t>
             </a:r>
             <a:endParaRPr lang="en-IN" sz="3200" dirty="0">
               <a:solidFill>
@@ -4080,185 +4085,12 @@
           </a:p>
         </p:txBody>
       </p:sp>
-      <p:sp>
-        <p:nvSpPr>
-          <p:cNvPr id="5" name="TextBox 4">
-            <a:extLst>
-              <a:ext uri="{FF2B5EF4-FFF2-40B4-BE49-F238E27FC236}">
-                <a16:creationId xmlns:a16="http://schemas.microsoft.com/office/drawing/2014/main" id="{8539D763-A1F2-9F73-78EA-CB42C7C10499}"/>
-              </a:ext>
-            </a:extLst>
-          </p:cNvPr>
-          <p:cNvSpPr txBox="1"/>
-          <p:nvPr/>
-        </p:nvSpPr>
-        <p:spPr>
-          <a:xfrm>
-            <a:off x="450334" y="909034"/>
-            <a:ext cx="1706880" cy="461665"/>
-          </a:xfrm>
-          <a:prstGeom prst="rect">
-            <a:avLst/>
-          </a:prstGeom>
-          <a:noFill/>
-        </p:spPr>
-        <p:txBody>
-          <a:bodyPr wrap="square" rtlCol="0">
-            <a:spAutoFit/>
-          </a:bodyPr>
-          <a:lstStyle/>
-          <a:p>
-            <a:r>
-              <a:rPr lang="en-IN" sz="2400" dirty="0">
-                <a:solidFill>
-                  <a:schemeClr val="bg1"/>
-                </a:solidFill>
-              </a:rPr>
-              <a:t>For 2014,</a:t>
-            </a:r>
-            <a:endParaRPr lang="en-IN" sz="2400" dirty="0"/>
-          </a:p>
-        </p:txBody>
-      </p:sp>
-      <p:sp>
-        <p:nvSpPr>
-          <p:cNvPr id="6" name="TextBox 5">
-            <a:extLst>
-              <a:ext uri="{FF2B5EF4-FFF2-40B4-BE49-F238E27FC236}">
-                <a16:creationId xmlns:a16="http://schemas.microsoft.com/office/drawing/2014/main" id="{C585130E-3C23-4858-DF4C-FF24C82D30F4}"/>
-              </a:ext>
-            </a:extLst>
-          </p:cNvPr>
-          <p:cNvSpPr txBox="1"/>
-          <p:nvPr/>
-        </p:nvSpPr>
-        <p:spPr>
-          <a:xfrm>
-            <a:off x="6321167" y="909033"/>
-            <a:ext cx="1706880" cy="461665"/>
-          </a:xfrm>
-          <a:prstGeom prst="rect">
-            <a:avLst/>
-          </a:prstGeom>
-          <a:noFill/>
-        </p:spPr>
-        <p:txBody>
-          <a:bodyPr wrap="square" rtlCol="0">
-            <a:spAutoFit/>
-          </a:bodyPr>
-          <a:lstStyle/>
-          <a:p>
-            <a:r>
-              <a:rPr lang="en-IN" sz="2400" dirty="0">
-                <a:solidFill>
-                  <a:schemeClr val="bg1"/>
-                </a:solidFill>
-              </a:rPr>
-              <a:t>For 2019,</a:t>
-            </a:r>
-            <a:endParaRPr lang="en-IN" sz="2400" dirty="0"/>
-          </a:p>
-        </p:txBody>
-      </p:sp>
-      <p:sp>
-        <p:nvSpPr>
-          <p:cNvPr id="15" name="TextBox 14">
-            <a:extLst>
-              <a:ext uri="{FF2B5EF4-FFF2-40B4-BE49-F238E27FC236}">
-                <a16:creationId xmlns:a16="http://schemas.microsoft.com/office/drawing/2014/main" id="{9DDB7654-7356-F5D5-F347-378DD86D5F82}"/>
-              </a:ext>
-            </a:extLst>
-          </p:cNvPr>
-          <p:cNvSpPr txBox="1"/>
-          <p:nvPr/>
-        </p:nvSpPr>
-        <p:spPr>
-          <a:xfrm>
-            <a:off x="309880" y="4097196"/>
-            <a:ext cx="11592560" cy="1938992"/>
-          </a:xfrm>
-          <a:prstGeom prst="rect">
-            <a:avLst/>
-          </a:prstGeom>
-          <a:noFill/>
-        </p:spPr>
-        <p:txBody>
-          <a:bodyPr wrap="square" rtlCol="0">
-            <a:spAutoFit/>
-          </a:bodyPr>
-          <a:lstStyle/>
-          <a:p>
-            <a:pPr marL="285750" indent="-285750">
-              <a:buFont typeface="Arial" panose="020B0604020202020204" pitchFamily="34" charset="0"/>
-              <a:buChar char="•"/>
-            </a:pPr>
-            <a:r>
-              <a:rPr lang="en-IN" sz="2000" dirty="0">
-                <a:solidFill>
-                  <a:schemeClr val="bg1"/>
-                </a:solidFill>
-              </a:rPr>
-              <a:t>BJP, INC have remained the major national parties in India in both the elections.</a:t>
-            </a:r>
-          </a:p>
-          <a:p>
-            <a:pPr marL="285750" indent="-285750">
-              <a:buFont typeface="Arial" panose="020B0604020202020204" pitchFamily="34" charset="0"/>
-              <a:buChar char="•"/>
-            </a:pPr>
-            <a:endParaRPr lang="en-IN" sz="2000" dirty="0">
-              <a:solidFill>
-                <a:schemeClr val="bg1"/>
-              </a:solidFill>
-            </a:endParaRPr>
-          </a:p>
-          <a:p>
-            <a:pPr marL="285750" indent="-285750">
-              <a:buFont typeface="Arial" panose="020B0604020202020204" pitchFamily="34" charset="0"/>
-              <a:buChar char="•"/>
-            </a:pPr>
-            <a:r>
-              <a:rPr lang="en-IN" sz="2000" dirty="0">
-                <a:solidFill>
-                  <a:schemeClr val="bg1"/>
-                </a:solidFill>
-              </a:rPr>
-              <a:t>BJP has gained its vote share by nearly 6.3% in 2019 while INC has gained nearly 0.8% vote share at national level.</a:t>
-            </a:r>
-          </a:p>
-          <a:p>
-            <a:pPr marL="285750" indent="-285750">
-              <a:buFont typeface="Arial" panose="020B0604020202020204" pitchFamily="34" charset="0"/>
-              <a:buChar char="•"/>
-            </a:pPr>
-            <a:endParaRPr lang="en-IN" sz="2000" dirty="0">
-              <a:solidFill>
-                <a:schemeClr val="bg1"/>
-              </a:solidFill>
-            </a:endParaRPr>
-          </a:p>
-          <a:p>
-            <a:pPr marL="285750" indent="-285750">
-              <a:buFont typeface="Arial" panose="020B0604020202020204" pitchFamily="34" charset="0"/>
-              <a:buChar char="•"/>
-            </a:pPr>
-            <a:r>
-              <a:rPr lang="en-IN" sz="2000" dirty="0">
-                <a:solidFill>
-                  <a:schemeClr val="bg1"/>
-                </a:solidFill>
-              </a:rPr>
-              <a:t>Together they contributed to more than 50% vote share in both the elections.</a:t>
-            </a:r>
-          </a:p>
-        </p:txBody>
-      </p:sp>
       <p:pic>
         <p:nvPicPr>
-          <p:cNvPr id="21" name="Picture 20" descr="A blue circle with numbers and text">
-            <a:extLst>
-              <a:ext uri="{FF2B5EF4-FFF2-40B4-BE49-F238E27FC236}">
-                <a16:creationId xmlns:a16="http://schemas.microsoft.com/office/drawing/2014/main" id="{5480E80C-DDAF-92A5-C67E-0CE8583D3FF0}"/>
+          <p:cNvPr id="5" name="Picture 4" descr="A graph of a party&#10;&#10;Description automatically generated with medium confidence">
+            <a:extLst>
+              <a:ext uri="{FF2B5EF4-FFF2-40B4-BE49-F238E27FC236}">
+                <a16:creationId xmlns:a16="http://schemas.microsoft.com/office/drawing/2014/main" id="{B7F43DFF-ABD5-2E91-1D74-9E8C0BF309DC}"/>
               </a:ext>
             </a:extLst>
           </p:cNvPr>
@@ -4281,8 +4113,8 @@
         </p:blipFill>
         <p:spPr>
           <a:xfrm>
-            <a:off x="6290608" y="1253492"/>
-            <a:ext cx="4732992" cy="2818493"/>
+            <a:off x="7603648" y="4378569"/>
+            <a:ext cx="3419952" cy="2195474"/>
           </a:xfrm>
           <a:prstGeom prst="rect">
             <a:avLst/>
@@ -4291,10 +4123,10 @@
       </p:pic>
       <p:pic>
         <p:nvPicPr>
-          <p:cNvPr id="23" name="Picture 22" descr="A blue circle with numbers and a number of numbers">
-            <a:extLst>
-              <a:ext uri="{FF2B5EF4-FFF2-40B4-BE49-F238E27FC236}">
-                <a16:creationId xmlns:a16="http://schemas.microsoft.com/office/drawing/2014/main" id="{16EDA394-CB85-EF53-FBE3-6EBAC92714AC}"/>
+          <p:cNvPr id="8" name="Picture 7" descr="A blue circle with numbers and text&#10;&#10;Description automatically generated">
+            <a:extLst>
+              <a:ext uri="{FF2B5EF4-FFF2-40B4-BE49-F238E27FC236}">
+                <a16:creationId xmlns:a16="http://schemas.microsoft.com/office/drawing/2014/main" id="{65F2FE58-874F-AB77-B883-C8EDC29EDEAB}"/>
               </a:ext>
             </a:extLst>
           </p:cNvPr>
@@ -4317,18 +4149,324 @@
         </p:blipFill>
         <p:spPr>
           <a:xfrm>
-            <a:off x="1105620" y="1253492"/>
-            <a:ext cx="4554559" cy="2705980"/>
+            <a:off x="2515551" y="4404594"/>
+            <a:ext cx="3661729" cy="2143424"/>
           </a:xfrm>
           <a:prstGeom prst="rect">
             <a:avLst/>
           </a:prstGeom>
         </p:spPr>
       </p:pic>
+      <p:pic>
+        <p:nvPicPr>
+          <p:cNvPr id="10" name="Picture 9" descr="A blue circle with text and numbers&#10;&#10;Description automatically generated">
+            <a:extLst>
+              <a:ext uri="{FF2B5EF4-FFF2-40B4-BE49-F238E27FC236}">
+                <a16:creationId xmlns:a16="http://schemas.microsoft.com/office/drawing/2014/main" id="{150FB3A0-A3F0-4E1E-3E56-38129A135556}"/>
+              </a:ext>
+            </a:extLst>
+          </p:cNvPr>
+          <p:cNvPicPr>
+            <a:picLocks noChangeAspect="1"/>
+          </p:cNvPicPr>
+          <p:nvPr/>
+        </p:nvPicPr>
+        <p:blipFill>
+          <a:blip r:embed="rId5">
+            <a:extLst>
+              <a:ext uri="{28A0092B-C50C-407E-A947-70E740481C1C}">
+                <a14:useLocalDpi xmlns:a14="http://schemas.microsoft.com/office/drawing/2010/main" val="0"/>
+              </a:ext>
+            </a:extLst>
+          </a:blip>
+          <a:stretch>
+            <a:fillRect/>
+          </a:stretch>
+        </p:blipFill>
+        <p:spPr>
+          <a:xfrm>
+            <a:off x="7484203" y="1412174"/>
+            <a:ext cx="3343742" cy="2210108"/>
+          </a:xfrm>
+          <a:prstGeom prst="rect">
+            <a:avLst/>
+          </a:prstGeom>
+        </p:spPr>
+      </p:pic>
+      <p:pic>
+        <p:nvPicPr>
+          <p:cNvPr id="12" name="Picture 11" descr="A blue circle with numbers and text">
+            <a:extLst>
+              <a:ext uri="{FF2B5EF4-FFF2-40B4-BE49-F238E27FC236}">
+                <a16:creationId xmlns:a16="http://schemas.microsoft.com/office/drawing/2014/main" id="{89F3020F-8193-74B6-377F-111BDB94E4F8}"/>
+              </a:ext>
+            </a:extLst>
+          </p:cNvPr>
+          <p:cNvPicPr>
+            <a:picLocks noChangeAspect="1"/>
+          </p:cNvPicPr>
+          <p:nvPr/>
+        </p:nvPicPr>
+        <p:blipFill>
+          <a:blip r:embed="rId6">
+            <a:extLst>
+              <a:ext uri="{28A0092B-C50C-407E-A947-70E740481C1C}">
+                <a14:useLocalDpi xmlns:a14="http://schemas.microsoft.com/office/drawing/2010/main" val="0"/>
+              </a:ext>
+            </a:extLst>
+          </a:blip>
+          <a:stretch>
+            <a:fillRect/>
+          </a:stretch>
+        </p:blipFill>
+        <p:spPr>
+          <a:xfrm>
+            <a:off x="2363151" y="1381694"/>
+            <a:ext cx="3732849" cy="2286319"/>
+          </a:xfrm>
+          <a:prstGeom prst="rect">
+            <a:avLst/>
+          </a:prstGeom>
+        </p:spPr>
+      </p:pic>
+      <p:sp>
+        <p:nvSpPr>
+          <p:cNvPr id="13" name="TextBox 12">
+            <a:extLst>
+              <a:ext uri="{FF2B5EF4-FFF2-40B4-BE49-F238E27FC236}">
+                <a16:creationId xmlns:a16="http://schemas.microsoft.com/office/drawing/2014/main" id="{E5C6F4F4-7C92-063F-4401-4F9493C6CDE0}"/>
+              </a:ext>
+            </a:extLst>
+          </p:cNvPr>
+          <p:cNvSpPr txBox="1"/>
+          <p:nvPr/>
+        </p:nvSpPr>
+        <p:spPr>
+          <a:xfrm>
+            <a:off x="193040" y="2082800"/>
+            <a:ext cx="1351280" cy="646331"/>
+          </a:xfrm>
+          <a:prstGeom prst="rect">
+            <a:avLst/>
+          </a:prstGeom>
+          <a:noFill/>
+        </p:spPr>
+        <p:txBody>
+          <a:bodyPr wrap="square" rtlCol="0">
+            <a:spAutoFit/>
+          </a:bodyPr>
+          <a:lstStyle/>
+          <a:p>
+            <a:r>
+              <a:rPr lang="en-IN" dirty="0">
+                <a:solidFill>
+                  <a:schemeClr val="bg1"/>
+                </a:solidFill>
+              </a:rPr>
+              <a:t>Uttar Pradesh</a:t>
+            </a:r>
+          </a:p>
+        </p:txBody>
+      </p:sp>
+      <p:sp>
+        <p:nvSpPr>
+          <p:cNvPr id="14" name="TextBox 13">
+            <a:extLst>
+              <a:ext uri="{FF2B5EF4-FFF2-40B4-BE49-F238E27FC236}">
+                <a16:creationId xmlns:a16="http://schemas.microsoft.com/office/drawing/2014/main" id="{1AF2C6B9-89DF-A12A-68E7-9D2A1FF670A4}"/>
+              </a:ext>
+            </a:extLst>
+          </p:cNvPr>
+          <p:cNvSpPr txBox="1"/>
+          <p:nvPr/>
+        </p:nvSpPr>
+        <p:spPr>
+          <a:xfrm>
+            <a:off x="276383" y="5008215"/>
+            <a:ext cx="1625600" cy="369332"/>
+          </a:xfrm>
+          <a:prstGeom prst="rect">
+            <a:avLst/>
+          </a:prstGeom>
+          <a:noFill/>
+        </p:spPr>
+        <p:txBody>
+          <a:bodyPr wrap="square" rtlCol="0">
+            <a:spAutoFit/>
+          </a:bodyPr>
+          <a:lstStyle/>
+          <a:p>
+            <a:r>
+              <a:rPr lang="en-IN" dirty="0">
+                <a:solidFill>
+                  <a:schemeClr val="bg1"/>
+                </a:solidFill>
+              </a:rPr>
+              <a:t>Maharashtra</a:t>
+            </a:r>
+          </a:p>
+        </p:txBody>
+      </p:sp>
+      <p:sp>
+        <p:nvSpPr>
+          <p:cNvPr id="15" name="TextBox 14">
+            <a:extLst>
+              <a:ext uri="{FF2B5EF4-FFF2-40B4-BE49-F238E27FC236}">
+                <a16:creationId xmlns:a16="http://schemas.microsoft.com/office/drawing/2014/main" id="{2EC79295-BECC-87B1-34A8-AE2CEB192796}"/>
+              </a:ext>
+            </a:extLst>
+          </p:cNvPr>
+          <p:cNvSpPr txBox="1"/>
+          <p:nvPr/>
+        </p:nvSpPr>
+        <p:spPr>
+          <a:xfrm>
+            <a:off x="3533615" y="965121"/>
+            <a:ext cx="1625600" cy="369332"/>
+          </a:xfrm>
+          <a:prstGeom prst="rect">
+            <a:avLst/>
+          </a:prstGeom>
+          <a:noFill/>
+        </p:spPr>
+        <p:txBody>
+          <a:bodyPr wrap="square" rtlCol="0">
+            <a:spAutoFit/>
+          </a:bodyPr>
+          <a:lstStyle/>
+          <a:p>
+            <a:r>
+              <a:rPr lang="en-IN" dirty="0">
+                <a:solidFill>
+                  <a:schemeClr val="bg1"/>
+                </a:solidFill>
+              </a:rPr>
+              <a:t>2014</a:t>
+            </a:r>
+          </a:p>
+        </p:txBody>
+      </p:sp>
+      <p:sp>
+        <p:nvSpPr>
+          <p:cNvPr id="17" name="TextBox 16">
+            <a:extLst>
+              <a:ext uri="{FF2B5EF4-FFF2-40B4-BE49-F238E27FC236}">
+                <a16:creationId xmlns:a16="http://schemas.microsoft.com/office/drawing/2014/main" id="{7A2E9FAA-692F-5697-B3F7-25A9E09B701B}"/>
+              </a:ext>
+            </a:extLst>
+          </p:cNvPr>
+          <p:cNvSpPr txBox="1"/>
+          <p:nvPr/>
+        </p:nvSpPr>
+        <p:spPr>
+          <a:xfrm>
+            <a:off x="8343274" y="981832"/>
+            <a:ext cx="1625600" cy="369332"/>
+          </a:xfrm>
+          <a:prstGeom prst="rect">
+            <a:avLst/>
+          </a:prstGeom>
+          <a:noFill/>
+        </p:spPr>
+        <p:txBody>
+          <a:bodyPr wrap="square" rtlCol="0">
+            <a:spAutoFit/>
+          </a:bodyPr>
+          <a:lstStyle/>
+          <a:p>
+            <a:r>
+              <a:rPr lang="en-IN" dirty="0">
+                <a:solidFill>
+                  <a:schemeClr val="bg1"/>
+                </a:solidFill>
+              </a:rPr>
+              <a:t>2019</a:t>
+            </a:r>
+          </a:p>
+        </p:txBody>
+      </p:sp>
+      <p:sp>
+        <p:nvSpPr>
+          <p:cNvPr id="18" name="TextBox 17">
+            <a:extLst>
+              <a:ext uri="{FF2B5EF4-FFF2-40B4-BE49-F238E27FC236}">
+                <a16:creationId xmlns:a16="http://schemas.microsoft.com/office/drawing/2014/main" id="{AB9A83BC-DF0B-A340-E4CF-5B9A638FF15D}"/>
+              </a:ext>
+            </a:extLst>
+          </p:cNvPr>
+          <p:cNvSpPr txBox="1"/>
+          <p:nvPr/>
+        </p:nvSpPr>
+        <p:spPr>
+          <a:xfrm>
+            <a:off x="3416775" y="3942863"/>
+            <a:ext cx="1625600" cy="369332"/>
+          </a:xfrm>
+          <a:prstGeom prst="rect">
+            <a:avLst/>
+          </a:prstGeom>
+          <a:noFill/>
+        </p:spPr>
+        <p:txBody>
+          <a:bodyPr wrap="square" rtlCol="0">
+            <a:spAutoFit/>
+          </a:bodyPr>
+          <a:lstStyle/>
+          <a:p>
+            <a:r>
+              <a:rPr lang="en-IN" dirty="0">
+                <a:solidFill>
+                  <a:schemeClr val="bg1"/>
+                </a:solidFill>
+              </a:rPr>
+              <a:t>2014</a:t>
+            </a:r>
+          </a:p>
+        </p:txBody>
+      </p:sp>
+      <p:sp>
+        <p:nvSpPr>
+          <p:cNvPr id="19" name="TextBox 18">
+            <a:extLst>
+              <a:ext uri="{FF2B5EF4-FFF2-40B4-BE49-F238E27FC236}">
+                <a16:creationId xmlns:a16="http://schemas.microsoft.com/office/drawing/2014/main" id="{726272A9-63BA-574C-3358-089BE9A9D102}"/>
+              </a:ext>
+            </a:extLst>
+          </p:cNvPr>
+          <p:cNvSpPr txBox="1"/>
+          <p:nvPr/>
+        </p:nvSpPr>
+        <p:spPr>
+          <a:xfrm>
+            <a:off x="8497725" y="3894908"/>
+            <a:ext cx="1625600" cy="369332"/>
+          </a:xfrm>
+          <a:prstGeom prst="rect">
+            <a:avLst/>
+          </a:prstGeom>
+          <a:noFill/>
+        </p:spPr>
+        <p:txBody>
+          <a:bodyPr wrap="square" rtlCol="0">
+            <a:spAutoFit/>
+          </a:bodyPr>
+          <a:lstStyle/>
+          <a:p>
+            <a:r>
+              <a:rPr lang="en-IN" dirty="0">
+                <a:solidFill>
+                  <a:schemeClr val="bg1"/>
+                </a:solidFill>
+              </a:rPr>
+              <a:t>2019</a:t>
+            </a:r>
+          </a:p>
+        </p:txBody>
+      </p:sp>
     </p:spTree>
     <p:extLst>
       <p:ext uri="{BB962C8B-B14F-4D97-AF65-F5344CB8AC3E}">
-        <p14:creationId xmlns:p14="http://schemas.microsoft.com/office/powerpoint/2010/main" val="807998175"/>
+        <p14:creationId xmlns:p14="http://schemas.microsoft.com/office/powerpoint/2010/main" val="804884177"/>
       </p:ext>
     </p:extLst>
   </p:cSld>
@@ -4396,7 +4534,7 @@
           <p:cNvPr id="2" name="TextBox 1">
             <a:extLst>
               <a:ext uri="{FF2B5EF4-FFF2-40B4-BE49-F238E27FC236}">
-                <a16:creationId xmlns:a16="http://schemas.microsoft.com/office/drawing/2014/main" id="{7E0A5A16-71AC-E975-0982-10F12A040964}"/>
+                <a16:creationId xmlns:a16="http://schemas.microsoft.com/office/drawing/2014/main" id="{CC4A2E72-FE91-A031-C29D-6588B806F3A3}"/>
               </a:ext>
             </a:extLst>
           </p:cNvPr>
@@ -4406,7 +4544,7 @@
         <p:spPr>
           <a:xfrm>
             <a:off x="294640" y="369054"/>
-            <a:ext cx="10728960" cy="461665"/>
+            <a:ext cx="10728960" cy="830997"/>
           </a:xfrm>
           <a:prstGeom prst="rect">
             <a:avLst/>
@@ -4425,90 +4563,9 @@
                   <a:schemeClr val="bg1"/>
                 </a:solidFill>
               </a:rPr>
-              <a:t>7.  % split of votes of parties between 2014, 2019 at state level</a:t>
+              <a:t>8.  List top 5 constituencies for two major national parties where they have gained vote share in 2019 compared to 2014</a:t>
             </a:r>
             <a:endParaRPr lang="en-IN" sz="3200" dirty="0">
-              <a:solidFill>
-                <a:schemeClr val="bg1"/>
-              </a:solidFill>
-            </a:endParaRPr>
-          </a:p>
-        </p:txBody>
-      </p:sp>
-      <p:sp>
-        <p:nvSpPr>
-          <p:cNvPr id="3" name="TextBox 2">
-            <a:extLst>
-              <a:ext uri="{FF2B5EF4-FFF2-40B4-BE49-F238E27FC236}">
-                <a16:creationId xmlns:a16="http://schemas.microsoft.com/office/drawing/2014/main" id="{F32012AF-9C42-DD74-7F94-01FFDCD41C93}"/>
-              </a:ext>
-            </a:extLst>
-          </p:cNvPr>
-          <p:cNvSpPr txBox="1"/>
-          <p:nvPr/>
-        </p:nvSpPr>
-        <p:spPr>
-          <a:xfrm>
-            <a:off x="121920" y="1656544"/>
-            <a:ext cx="11968480" cy="2031325"/>
-          </a:xfrm>
-          <a:prstGeom prst="rect">
-            <a:avLst/>
-          </a:prstGeom>
-          <a:noFill/>
-        </p:spPr>
-        <p:txBody>
-          <a:bodyPr wrap="square" rtlCol="0">
-            <a:spAutoFit/>
-          </a:bodyPr>
-          <a:lstStyle/>
-          <a:p>
-            <a:r>
-              <a:rPr lang="en-IN" dirty="0">
-                <a:solidFill>
-                  <a:schemeClr val="bg1"/>
-                </a:solidFill>
-              </a:rPr>
-              <a:t>  </a:t>
-            </a:r>
-          </a:p>
-          <a:p>
-            <a:endParaRPr lang="en-IN" dirty="0">
-              <a:solidFill>
-                <a:schemeClr val="bg1"/>
-              </a:solidFill>
-            </a:endParaRPr>
-          </a:p>
-          <a:p>
-            <a:endParaRPr lang="en-IN" dirty="0">
-              <a:solidFill>
-                <a:schemeClr val="bg1"/>
-              </a:solidFill>
-            </a:endParaRPr>
-          </a:p>
-          <a:p>
-            <a:endParaRPr lang="en-IN" dirty="0">
-              <a:solidFill>
-                <a:schemeClr val="bg1"/>
-              </a:solidFill>
-            </a:endParaRPr>
-          </a:p>
-          <a:p>
-            <a:endParaRPr lang="en-IN" dirty="0">
-              <a:solidFill>
-                <a:schemeClr val="bg1"/>
-              </a:solidFill>
-            </a:endParaRPr>
-          </a:p>
-          <a:p>
-            <a:endParaRPr lang="en-IN" dirty="0">
-              <a:solidFill>
-                <a:schemeClr val="bg1"/>
-              </a:solidFill>
-            </a:endParaRPr>
-          </a:p>
-          <a:p>
-            <a:endParaRPr lang="en-IN" dirty="0">
               <a:solidFill>
                 <a:schemeClr val="bg1"/>
               </a:solidFill>
@@ -4518,10 +4575,10 @@
       </p:sp>
       <p:pic>
         <p:nvPicPr>
-          <p:cNvPr id="5" name="Picture 4" descr="A graph of a party&#10;&#10;Description automatically generated with medium confidence">
-            <a:extLst>
-              <a:ext uri="{FF2B5EF4-FFF2-40B4-BE49-F238E27FC236}">
-                <a16:creationId xmlns:a16="http://schemas.microsoft.com/office/drawing/2014/main" id="{B7F43DFF-ABD5-2E91-1D74-9E8C0BF309DC}"/>
+          <p:cNvPr id="4" name="Picture 3" descr="A screenshot of a graph&#10;&#10;Description automatically generated">
+            <a:extLst>
+              <a:ext uri="{FF2B5EF4-FFF2-40B4-BE49-F238E27FC236}">
+                <a16:creationId xmlns:a16="http://schemas.microsoft.com/office/drawing/2014/main" id="{C43C2EDB-CA7A-7FFE-9F1E-0F608702211E}"/>
               </a:ext>
             </a:extLst>
           </p:cNvPr>
@@ -4544,8 +4601,8 @@
         </p:blipFill>
         <p:spPr>
           <a:xfrm>
-            <a:off x="7603648" y="4378569"/>
-            <a:ext cx="3419952" cy="2195474"/>
+            <a:off x="141961" y="1838361"/>
+            <a:ext cx="5696745" cy="2114845"/>
           </a:xfrm>
           <a:prstGeom prst="rect">
             <a:avLst/>
@@ -4554,10 +4611,10 @@
       </p:pic>
       <p:pic>
         <p:nvPicPr>
-          <p:cNvPr id="8" name="Picture 7" descr="A blue circle with numbers and text&#10;&#10;Description automatically generated">
-            <a:extLst>
-              <a:ext uri="{FF2B5EF4-FFF2-40B4-BE49-F238E27FC236}">
-                <a16:creationId xmlns:a16="http://schemas.microsoft.com/office/drawing/2014/main" id="{65F2FE58-874F-AB77-B883-C8EDC29EDEAB}"/>
+          <p:cNvPr id="6" name="Picture 5" descr="A screenshot of a graph">
+            <a:extLst>
+              <a:ext uri="{FF2B5EF4-FFF2-40B4-BE49-F238E27FC236}">
+                <a16:creationId xmlns:a16="http://schemas.microsoft.com/office/drawing/2014/main" id="{F2BBF912-7A78-B1F7-77BF-2DD31DB62288}"/>
               </a:ext>
             </a:extLst>
           </p:cNvPr>
@@ -4580,92 +4637,20 @@
         </p:blipFill>
         <p:spPr>
           <a:xfrm>
-            <a:off x="2515551" y="4404594"/>
-            <a:ext cx="3661729" cy="2143424"/>
+            <a:off x="6096000" y="1838361"/>
+            <a:ext cx="5668166" cy="2105319"/>
           </a:xfrm>
           <a:prstGeom prst="rect">
             <a:avLst/>
           </a:prstGeom>
         </p:spPr>
       </p:pic>
-      <p:pic>
-        <p:nvPicPr>
-          <p:cNvPr id="10" name="Picture 9" descr="A blue circle with text and numbers&#10;&#10;Description automatically generated">
-            <a:extLst>
-              <a:ext uri="{FF2B5EF4-FFF2-40B4-BE49-F238E27FC236}">
-                <a16:creationId xmlns:a16="http://schemas.microsoft.com/office/drawing/2014/main" id="{150FB3A0-A3F0-4E1E-3E56-38129A135556}"/>
-              </a:ext>
-            </a:extLst>
-          </p:cNvPr>
-          <p:cNvPicPr>
-            <a:picLocks noChangeAspect="1"/>
-          </p:cNvPicPr>
-          <p:nvPr/>
-        </p:nvPicPr>
-        <p:blipFill>
-          <a:blip r:embed="rId5">
-            <a:extLst>
-              <a:ext uri="{28A0092B-C50C-407E-A947-70E740481C1C}">
-                <a14:useLocalDpi xmlns:a14="http://schemas.microsoft.com/office/drawing/2010/main" val="0"/>
-              </a:ext>
-            </a:extLst>
-          </a:blip>
-          <a:stretch>
-            <a:fillRect/>
-          </a:stretch>
-        </p:blipFill>
-        <p:spPr>
-          <a:xfrm>
-            <a:off x="7484203" y="1412174"/>
-            <a:ext cx="3343742" cy="2210108"/>
-          </a:xfrm>
-          <a:prstGeom prst="rect">
-            <a:avLst/>
-          </a:prstGeom>
-        </p:spPr>
-      </p:pic>
-      <p:pic>
-        <p:nvPicPr>
-          <p:cNvPr id="12" name="Picture 11" descr="A blue circle with numbers and text">
-            <a:extLst>
-              <a:ext uri="{FF2B5EF4-FFF2-40B4-BE49-F238E27FC236}">
-                <a16:creationId xmlns:a16="http://schemas.microsoft.com/office/drawing/2014/main" id="{89F3020F-8193-74B6-377F-111BDB94E4F8}"/>
-              </a:ext>
-            </a:extLst>
-          </p:cNvPr>
-          <p:cNvPicPr>
-            <a:picLocks noChangeAspect="1"/>
-          </p:cNvPicPr>
-          <p:nvPr/>
-        </p:nvPicPr>
-        <p:blipFill>
-          <a:blip r:embed="rId6">
-            <a:extLst>
-              <a:ext uri="{28A0092B-C50C-407E-A947-70E740481C1C}">
-                <a14:useLocalDpi xmlns:a14="http://schemas.microsoft.com/office/drawing/2010/main" val="0"/>
-              </a:ext>
-            </a:extLst>
-          </a:blip>
-          <a:stretch>
-            <a:fillRect/>
-          </a:stretch>
-        </p:blipFill>
-        <p:spPr>
-          <a:xfrm>
-            <a:off x="2363151" y="1381694"/>
-            <a:ext cx="3732849" cy="2286319"/>
-          </a:xfrm>
-          <a:prstGeom prst="rect">
-            <a:avLst/>
-          </a:prstGeom>
-        </p:spPr>
-      </p:pic>
-      <p:sp>
-        <p:nvSpPr>
-          <p:cNvPr id="13" name="TextBox 12">
-            <a:extLst>
-              <a:ext uri="{FF2B5EF4-FFF2-40B4-BE49-F238E27FC236}">
-                <a16:creationId xmlns:a16="http://schemas.microsoft.com/office/drawing/2014/main" id="{E5C6F4F4-7C92-063F-4401-4F9493C6CDE0}"/>
+      <p:sp>
+        <p:nvSpPr>
+          <p:cNvPr id="8" name="TextBox 7">
+            <a:extLst>
+              <a:ext uri="{FF2B5EF4-FFF2-40B4-BE49-F238E27FC236}">
+                <a16:creationId xmlns:a16="http://schemas.microsoft.com/office/drawing/2014/main" id="{F6A8BE89-E24E-6DA2-47D2-71405515B774}"/>
               </a:ext>
             </a:extLst>
           </p:cNvPr>
@@ -4674,8 +4659,8 @@
         </p:nvSpPr>
         <p:spPr>
           <a:xfrm>
-            <a:off x="193040" y="2082800"/>
-            <a:ext cx="1351280" cy="646331"/>
+            <a:off x="938014" y="1338272"/>
+            <a:ext cx="1706880" cy="461665"/>
           </a:xfrm>
           <a:prstGeom prst="rect">
             <a:avLst/>
@@ -4689,22 +4674,23 @@
           <a:lstStyle/>
           <a:p>
             <a:r>
-              <a:rPr lang="en-IN" dirty="0">
+              <a:rPr lang="en-IN" sz="2400" dirty="0">
                 <a:solidFill>
                   <a:schemeClr val="bg1"/>
                 </a:solidFill>
               </a:rPr>
-              <a:t>Uttar Pradesh</a:t>
-            </a:r>
-          </a:p>
-        </p:txBody>
-      </p:sp>
-      <p:sp>
-        <p:nvSpPr>
-          <p:cNvPr id="14" name="TextBox 13">
-            <a:extLst>
-              <a:ext uri="{FF2B5EF4-FFF2-40B4-BE49-F238E27FC236}">
-                <a16:creationId xmlns:a16="http://schemas.microsoft.com/office/drawing/2014/main" id="{1AF2C6B9-89DF-A12A-68E7-9D2A1FF670A4}"/>
+              <a:t>For BJP </a:t>
+            </a:r>
+            <a:endParaRPr lang="en-IN" sz="2400" dirty="0"/>
+          </a:p>
+        </p:txBody>
+      </p:sp>
+      <p:sp>
+        <p:nvSpPr>
+          <p:cNvPr id="9" name="TextBox 8">
+            <a:extLst>
+              <a:ext uri="{FF2B5EF4-FFF2-40B4-BE49-F238E27FC236}">
+                <a16:creationId xmlns:a16="http://schemas.microsoft.com/office/drawing/2014/main" id="{77996092-9261-FA37-F4AE-2148BA61735F}"/>
               </a:ext>
             </a:extLst>
           </p:cNvPr>
@@ -4713,8 +4699,8 @@
         </p:nvSpPr>
         <p:spPr>
           <a:xfrm>
-            <a:off x="276383" y="5008215"/>
-            <a:ext cx="1625600" cy="369332"/>
+            <a:off x="7694414" y="1267249"/>
+            <a:ext cx="1706880" cy="461665"/>
           </a:xfrm>
           <a:prstGeom prst="rect">
             <a:avLst/>
@@ -4728,22 +4714,23 @@
           <a:lstStyle/>
           <a:p>
             <a:r>
-              <a:rPr lang="en-IN" dirty="0">
+              <a:rPr lang="en-IN" sz="2400" dirty="0">
                 <a:solidFill>
                   <a:schemeClr val="bg1"/>
                 </a:solidFill>
               </a:rPr>
-              <a:t>Maharashtra</a:t>
-            </a:r>
-          </a:p>
-        </p:txBody>
-      </p:sp>
-      <p:sp>
-        <p:nvSpPr>
-          <p:cNvPr id="15" name="TextBox 14">
-            <a:extLst>
-              <a:ext uri="{FF2B5EF4-FFF2-40B4-BE49-F238E27FC236}">
-                <a16:creationId xmlns:a16="http://schemas.microsoft.com/office/drawing/2014/main" id="{2EC79295-BECC-87B1-34A8-AE2CEB192796}"/>
+              <a:t>For INC</a:t>
+            </a:r>
+            <a:endParaRPr lang="en-IN" sz="2400" dirty="0"/>
+          </a:p>
+        </p:txBody>
+      </p:sp>
+      <p:sp>
+        <p:nvSpPr>
+          <p:cNvPr id="10" name="TextBox 9">
+            <a:extLst>
+              <a:ext uri="{FF2B5EF4-FFF2-40B4-BE49-F238E27FC236}">
+                <a16:creationId xmlns:a16="http://schemas.microsoft.com/office/drawing/2014/main" id="{1ADBA967-6567-1603-38A6-7D8A87B3BAF1}"/>
               </a:ext>
             </a:extLst>
           </p:cNvPr>
@@ -4752,8 +4739,8 @@
         </p:nvSpPr>
         <p:spPr>
           <a:xfrm>
-            <a:off x="3533615" y="965121"/>
-            <a:ext cx="1625600" cy="369332"/>
+            <a:off x="309880" y="4097196"/>
+            <a:ext cx="11592560" cy="707886"/>
           </a:xfrm>
           <a:prstGeom prst="rect">
             <a:avLst/>
@@ -4766,23 +4753,35 @@
           </a:bodyPr>
           <a:lstStyle/>
           <a:p>
-            <a:r>
-              <a:rPr lang="en-IN" dirty="0">
-                <a:solidFill>
-                  <a:schemeClr val="bg1"/>
-                </a:solidFill>
-              </a:rPr>
-              <a:t>2014</a:t>
-            </a:r>
-          </a:p>
-        </p:txBody>
-      </p:sp>
-      <p:sp>
-        <p:nvSpPr>
-          <p:cNvPr id="17" name="TextBox 16">
-            <a:extLst>
-              <a:ext uri="{FF2B5EF4-FFF2-40B4-BE49-F238E27FC236}">
-                <a16:creationId xmlns:a16="http://schemas.microsoft.com/office/drawing/2014/main" id="{7A2E9FAA-692F-5697-B3F7-25A9E09B701B}"/>
+            <a:pPr marL="285750" indent="-285750">
+              <a:buFont typeface="Arial" panose="020B0604020202020204" pitchFamily="34" charset="0"/>
+              <a:buChar char="•"/>
+            </a:pPr>
+            <a:endParaRPr lang="en-IN" sz="2000" dirty="0">
+              <a:solidFill>
+                <a:schemeClr val="bg1"/>
+              </a:solidFill>
+            </a:endParaRPr>
+          </a:p>
+          <a:p>
+            <a:pPr marL="285750" indent="-285750">
+              <a:buFont typeface="Arial" panose="020B0604020202020204" pitchFamily="34" charset="0"/>
+              <a:buChar char="•"/>
+            </a:pPr>
+            <a:endParaRPr lang="en-IN" sz="2000" dirty="0">
+              <a:solidFill>
+                <a:schemeClr val="bg1"/>
+              </a:solidFill>
+            </a:endParaRPr>
+          </a:p>
+        </p:txBody>
+      </p:sp>
+      <p:sp>
+        <p:nvSpPr>
+          <p:cNvPr id="11" name="TextBox 10">
+            <a:extLst>
+              <a:ext uri="{FF2B5EF4-FFF2-40B4-BE49-F238E27FC236}">
+                <a16:creationId xmlns:a16="http://schemas.microsoft.com/office/drawing/2014/main" id="{AE4B5537-B4F9-E157-0D27-6450C2B07176}"/>
               </a:ext>
             </a:extLst>
           </p:cNvPr>
@@ -4791,8 +4790,8 @@
         </p:nvSpPr>
         <p:spPr>
           <a:xfrm>
-            <a:off x="8343274" y="981832"/>
-            <a:ext cx="1625600" cy="369332"/>
+            <a:off x="309880" y="4097196"/>
+            <a:ext cx="11592560" cy="1323439"/>
           </a:xfrm>
           <a:prstGeom prst="rect">
             <a:avLst/>
@@ -4805,91 +4804,52 @@
           </a:bodyPr>
           <a:lstStyle/>
           <a:p>
-            <a:r>
-              <a:rPr lang="en-IN" dirty="0">
+            <a:pPr marL="285750" indent="-285750">
+              <a:buFont typeface="Arial" panose="020B0604020202020204" pitchFamily="34" charset="0"/>
+              <a:buChar char="•"/>
+            </a:pPr>
+            <a:r>
+              <a:rPr lang="en-IN" sz="2000" dirty="0">
                 <a:solidFill>
                   <a:schemeClr val="bg1"/>
                 </a:solidFill>
               </a:rPr>
-              <a:t>2019</a:t>
-            </a:r>
-          </a:p>
-        </p:txBody>
-      </p:sp>
-      <p:sp>
-        <p:nvSpPr>
-          <p:cNvPr id="18" name="TextBox 17">
-            <a:extLst>
-              <a:ext uri="{FF2B5EF4-FFF2-40B4-BE49-F238E27FC236}">
-                <a16:creationId xmlns:a16="http://schemas.microsoft.com/office/drawing/2014/main" id="{AB9A83BC-DF0B-A340-E4CF-5B9A638FF15D}"/>
-              </a:ext>
-            </a:extLst>
-          </p:cNvPr>
-          <p:cNvSpPr txBox="1"/>
-          <p:nvPr/>
-        </p:nvSpPr>
-        <p:spPr>
-          <a:xfrm>
-            <a:off x="3416775" y="3942863"/>
-            <a:ext cx="1625600" cy="369332"/>
-          </a:xfrm>
-          <a:prstGeom prst="rect">
-            <a:avLst/>
-          </a:prstGeom>
-          <a:noFill/>
-        </p:spPr>
-        <p:txBody>
-          <a:bodyPr wrap="square" rtlCol="0">
-            <a:spAutoFit/>
-          </a:bodyPr>
-          <a:lstStyle/>
-          <a:p>
-            <a:r>
-              <a:rPr lang="en-IN" dirty="0">
+              <a:t>BJP has gained its vote share majorly in the North-eastern regions of India like Tripura and West Bengal</a:t>
+            </a:r>
+          </a:p>
+          <a:p>
+            <a:r>
+              <a:rPr lang="en-IN" sz="2000" dirty="0">
                 <a:solidFill>
                   <a:schemeClr val="bg1"/>
                 </a:solidFill>
               </a:rPr>
-              <a:t>2014</a:t>
-            </a:r>
-          </a:p>
-        </p:txBody>
-      </p:sp>
-      <p:sp>
-        <p:nvSpPr>
-          <p:cNvPr id="19" name="TextBox 18">
-            <a:extLst>
-              <a:ext uri="{FF2B5EF4-FFF2-40B4-BE49-F238E27FC236}">
-                <a16:creationId xmlns:a16="http://schemas.microsoft.com/office/drawing/2014/main" id="{726272A9-63BA-574C-3358-089BE9A9D102}"/>
-              </a:ext>
-            </a:extLst>
-          </p:cNvPr>
-          <p:cNvSpPr txBox="1"/>
-          <p:nvPr/>
-        </p:nvSpPr>
-        <p:spPr>
-          <a:xfrm>
-            <a:off x="8497725" y="3894908"/>
-            <a:ext cx="1625600" cy="369332"/>
-          </a:xfrm>
-          <a:prstGeom prst="rect">
-            <a:avLst/>
-          </a:prstGeom>
-          <a:noFill/>
-        </p:spPr>
-        <p:txBody>
-          <a:bodyPr wrap="square" rtlCol="0">
-            <a:spAutoFit/>
-          </a:bodyPr>
-          <a:lstStyle/>
-          <a:p>
-            <a:r>
-              <a:rPr lang="en-IN" dirty="0">
+              <a:t>      in the 2019 elections.</a:t>
+            </a:r>
+          </a:p>
+          <a:p>
+            <a:pPr marL="285750" indent="-285750">
+              <a:buFont typeface="Arial" panose="020B0604020202020204" pitchFamily="34" charset="0"/>
+              <a:buChar char="•"/>
+            </a:pPr>
+            <a:endParaRPr lang="en-IN" sz="2000" dirty="0">
+              <a:solidFill>
+                <a:schemeClr val="bg1"/>
+              </a:solidFill>
+            </a:endParaRPr>
+          </a:p>
+          <a:p>
+            <a:pPr marL="285750" indent="-285750">
+              <a:buFont typeface="Arial" panose="020B0604020202020204" pitchFamily="34" charset="0"/>
+              <a:buChar char="•"/>
+            </a:pPr>
+            <a:r>
+              <a:rPr lang="en-IN" sz="2000" dirty="0">
                 <a:solidFill>
                   <a:schemeClr val="bg1"/>
                 </a:solidFill>
               </a:rPr>
-              <a:t>2019</a:t>
+              <a:t>While INC has gained its vote share in the regions of Tamil Nadu.</a:t>
             </a:r>
           </a:p>
         </p:txBody>
@@ -4897,7 +4857,7 @@
     </p:spTree>
     <p:extLst>
       <p:ext uri="{BB962C8B-B14F-4D97-AF65-F5344CB8AC3E}">
-        <p14:creationId xmlns:p14="http://schemas.microsoft.com/office/powerpoint/2010/main" val="804884177"/>
+        <p14:creationId xmlns:p14="http://schemas.microsoft.com/office/powerpoint/2010/main" val="3489313277"/>
       </p:ext>
     </p:extLst>
   </p:cSld>
@@ -4994,7 +4954,7 @@
                   <a:schemeClr val="bg1"/>
                 </a:solidFill>
               </a:rPr>
-              <a:t>8.  List top 5 constituencies for two major national parties where they have gained vote share in 2019 compared to 2014</a:t>
+              <a:t>9.  List top 5 constituencies for two major national parties where they have lost vote share in 2019 compared to 2014</a:t>
             </a:r>
             <a:endParaRPr lang="en-IN" sz="3200" dirty="0">
               <a:solidFill>
@@ -5006,7 +4966,7 @@
       </p:sp>
       <p:pic>
         <p:nvPicPr>
-          <p:cNvPr id="4" name="Picture 3" descr="A screenshot of a graph&#10;&#10;Description automatically generated">
+          <p:cNvPr id="4" name="Picture 3">
             <a:extLst>
               <a:ext uri="{FF2B5EF4-FFF2-40B4-BE49-F238E27FC236}">
                 <a16:creationId xmlns:a16="http://schemas.microsoft.com/office/drawing/2014/main" id="{C43C2EDB-CA7A-7FFE-9F1E-0F608702211E}"/>
@@ -5026,14 +4986,13 @@
               </a:ext>
             </a:extLst>
           </a:blip>
-          <a:stretch>
-            <a:fillRect/>
-          </a:stretch>
+          <a:srcRect/>
+          <a:stretch/>
         </p:blipFill>
         <p:spPr>
           <a:xfrm>
-            <a:off x="141961" y="1838361"/>
-            <a:ext cx="5696745" cy="2114845"/>
+            <a:off x="294640" y="2075269"/>
+            <a:ext cx="5696745" cy="1978290"/>
           </a:xfrm>
           <a:prstGeom prst="rect">
             <a:avLst/>
@@ -5042,7 +5001,7 @@
       </p:pic>
       <p:pic>
         <p:nvPicPr>
-          <p:cNvPr id="6" name="Picture 5" descr="A screenshot of a graph">
+          <p:cNvPr id="6" name="Picture 5">
             <a:extLst>
               <a:ext uri="{FF2B5EF4-FFF2-40B4-BE49-F238E27FC236}">
                 <a16:creationId xmlns:a16="http://schemas.microsoft.com/office/drawing/2014/main" id="{F2BBF912-7A78-B1F7-77BF-2DD31DB62288}"/>
@@ -5062,14 +5021,13 @@
               </a:ext>
             </a:extLst>
           </a:blip>
-          <a:stretch>
-            <a:fillRect/>
-          </a:stretch>
+          <a:srcRect/>
+          <a:stretch/>
         </p:blipFill>
         <p:spPr>
           <a:xfrm>
-            <a:off x="6096000" y="1838361"/>
-            <a:ext cx="5668166" cy="2105319"/>
+            <a:off x="6286025" y="2075268"/>
+            <a:ext cx="5696745" cy="2044093"/>
           </a:xfrm>
           <a:prstGeom prst="rect">
             <a:avLst/>
@@ -5090,7 +5048,7 @@
         </p:nvSpPr>
         <p:spPr>
           <a:xfrm>
-            <a:off x="938014" y="1338272"/>
+            <a:off x="826254" y="1483221"/>
             <a:ext cx="1706880" cy="461665"/>
           </a:xfrm>
           <a:prstGeom prst="rect">
@@ -5130,7 +5088,7 @@
         </p:nvSpPr>
         <p:spPr>
           <a:xfrm>
-            <a:off x="7694414" y="1267249"/>
+            <a:off x="7724894" y="1406827"/>
             <a:ext cx="1706880" cy="461665"/>
           </a:xfrm>
           <a:prstGeom prst="rect">
@@ -5158,10 +5116,10 @@
       </p:sp>
       <p:sp>
         <p:nvSpPr>
-          <p:cNvPr id="10" name="TextBox 9">
-            <a:extLst>
-              <a:ext uri="{FF2B5EF4-FFF2-40B4-BE49-F238E27FC236}">
-                <a16:creationId xmlns:a16="http://schemas.microsoft.com/office/drawing/2014/main" id="{1ADBA967-6567-1603-38A6-7D8A87B3BAF1}"/>
+          <p:cNvPr id="3" name="TextBox 2">
+            <a:extLst>
+              <a:ext uri="{FF2B5EF4-FFF2-40B4-BE49-F238E27FC236}">
+                <a16:creationId xmlns:a16="http://schemas.microsoft.com/office/drawing/2014/main" id="{FCC99314-B32E-AF51-1A19-50FC3185A457}"/>
               </a:ext>
             </a:extLst>
           </p:cNvPr>
@@ -5170,8 +5128,8 @@
         </p:nvSpPr>
         <p:spPr>
           <a:xfrm>
-            <a:off x="309880" y="4097196"/>
-            <a:ext cx="11592560" cy="707886"/>
+            <a:off x="195105" y="4326137"/>
+            <a:ext cx="11592560" cy="1631216"/>
           </a:xfrm>
           <a:prstGeom prst="rect">
             <a:avLst/>
@@ -5188,6 +5146,20 @@
               <a:buFont typeface="Arial" panose="020B0604020202020204" pitchFamily="34" charset="0"/>
               <a:buChar char="•"/>
             </a:pPr>
+            <a:r>
+              <a:rPr lang="en-IN" sz="2000" dirty="0">
+                <a:solidFill>
+                  <a:schemeClr val="bg1"/>
+                </a:solidFill>
+              </a:rPr>
+              <a:t>BJP has lost its vote share majorly in Andhra Pradesh which might be due to the influence of regional political parties like TDP and YSRCP.</a:t>
+            </a:r>
+          </a:p>
+          <a:p>
+            <a:pPr marL="285750" indent="-285750">
+              <a:buFont typeface="Arial" panose="020B0604020202020204" pitchFamily="34" charset="0"/>
+              <a:buChar char="•"/>
+            </a:pPr>
             <a:endParaRPr lang="en-IN" sz="2000" dirty="0">
               <a:solidFill>
                 <a:schemeClr val="bg1"/>
@@ -5199,88 +5171,13 @@
               <a:buFont typeface="Arial" panose="020B0604020202020204" pitchFamily="34" charset="0"/>
               <a:buChar char="•"/>
             </a:pPr>
-            <a:endParaRPr lang="en-IN" sz="2000" dirty="0">
-              <a:solidFill>
-                <a:schemeClr val="bg1"/>
-              </a:solidFill>
-            </a:endParaRPr>
-          </a:p>
-        </p:txBody>
-      </p:sp>
-      <p:sp>
-        <p:nvSpPr>
-          <p:cNvPr id="11" name="TextBox 10">
-            <a:extLst>
-              <a:ext uri="{FF2B5EF4-FFF2-40B4-BE49-F238E27FC236}">
-                <a16:creationId xmlns:a16="http://schemas.microsoft.com/office/drawing/2014/main" id="{AE4B5537-B4F9-E157-0D27-6450C2B07176}"/>
-              </a:ext>
-            </a:extLst>
-          </p:cNvPr>
-          <p:cNvSpPr txBox="1"/>
-          <p:nvPr/>
-        </p:nvSpPr>
-        <p:spPr>
-          <a:xfrm>
-            <a:off x="309880" y="4097196"/>
-            <a:ext cx="11592560" cy="1323439"/>
-          </a:xfrm>
-          <a:prstGeom prst="rect">
-            <a:avLst/>
-          </a:prstGeom>
-          <a:noFill/>
-        </p:spPr>
-        <p:txBody>
-          <a:bodyPr wrap="square" rtlCol="0">
-            <a:spAutoFit/>
-          </a:bodyPr>
-          <a:lstStyle/>
-          <a:p>
-            <a:pPr marL="285750" indent="-285750">
-              <a:buFont typeface="Arial" panose="020B0604020202020204" pitchFamily="34" charset="0"/>
-              <a:buChar char="•"/>
-            </a:pPr>
             <a:r>
               <a:rPr lang="en-IN" sz="2000" dirty="0">
                 <a:solidFill>
                   <a:schemeClr val="bg1"/>
                 </a:solidFill>
               </a:rPr>
-              <a:t>BJP has gained its vote share majorly in the North-eastern regions of India like Tripura and West Bengal</a:t>
-            </a:r>
-          </a:p>
-          <a:p>
-            <a:r>
-              <a:rPr lang="en-IN" sz="2000" dirty="0">
-                <a:solidFill>
-                  <a:schemeClr val="bg1"/>
-                </a:solidFill>
-              </a:rPr>
-              <a:t>      in the 2019 elections.</a:t>
-            </a:r>
-          </a:p>
-          <a:p>
-            <a:pPr marL="285750" indent="-285750">
-              <a:buFont typeface="Arial" panose="020B0604020202020204" pitchFamily="34" charset="0"/>
-              <a:buChar char="•"/>
-            </a:pPr>
-            <a:endParaRPr lang="en-IN" sz="2000" dirty="0">
-              <a:solidFill>
-                <a:schemeClr val="bg1"/>
-              </a:solidFill>
-            </a:endParaRPr>
-          </a:p>
-          <a:p>
-            <a:pPr marL="285750" indent="-285750">
-              <a:buFont typeface="Arial" panose="020B0604020202020204" pitchFamily="34" charset="0"/>
-              <a:buChar char="•"/>
-            </a:pPr>
-            <a:r>
-              <a:rPr lang="en-IN" sz="2000" dirty="0">
-                <a:solidFill>
-                  <a:schemeClr val="bg1"/>
-                </a:solidFill>
-              </a:rPr>
-              <a:t>While INC has gained its vote share in the regions of Tamil Nadu.</a:t>
+              <a:t>While INC has lost its vote share in various constituencies due to the rise of BJP and other regional parties.</a:t>
             </a:r>
           </a:p>
         </p:txBody>
@@ -5288,7 +5185,7 @@
     </p:spTree>
     <p:extLst>
       <p:ext uri="{BB962C8B-B14F-4D97-AF65-F5344CB8AC3E}">
-        <p14:creationId xmlns:p14="http://schemas.microsoft.com/office/powerpoint/2010/main" val="3489313277"/>
+        <p14:creationId xmlns:p14="http://schemas.microsoft.com/office/powerpoint/2010/main" val="3007701919"/>
       </p:ext>
     </p:extLst>
   </p:cSld>
@@ -5356,7 +5253,7 @@
           <p:cNvPr id="2" name="TextBox 1">
             <a:extLst>
               <a:ext uri="{FF2B5EF4-FFF2-40B4-BE49-F238E27FC236}">
-                <a16:creationId xmlns:a16="http://schemas.microsoft.com/office/drawing/2014/main" id="{CC4A2E72-FE91-A031-C29D-6588B806F3A3}"/>
+                <a16:creationId xmlns:a16="http://schemas.microsoft.com/office/drawing/2014/main" id="{07BA625D-E7D3-2029-CACD-620A7BC26340}"/>
               </a:ext>
             </a:extLst>
           </p:cNvPr>
@@ -5366,7 +5263,7 @@
         <p:spPr>
           <a:xfrm>
             <a:off x="294640" y="369054"/>
-            <a:ext cx="10728960" cy="830997"/>
+            <a:ext cx="10728960" cy="461665"/>
           </a:xfrm>
           <a:prstGeom prst="rect">
             <a:avLst/>
@@ -5385,7 +5282,7 @@
                   <a:schemeClr val="bg1"/>
                 </a:solidFill>
               </a:rPr>
-              <a:t>9.  List top 5 constituencies for two major national parties where they have lost vote share in 2019 compared to 2014</a:t>
+              <a:t>10.  Which constituency has voted the most for NOTA</a:t>
             </a:r>
             <a:endParaRPr lang="en-IN" sz="3200" dirty="0">
               <a:solidFill>
@@ -5395,82 +5292,12 @@
           </a:p>
         </p:txBody>
       </p:sp>
-      <p:pic>
-        <p:nvPicPr>
-          <p:cNvPr id="4" name="Picture 3">
-            <a:extLst>
-              <a:ext uri="{FF2B5EF4-FFF2-40B4-BE49-F238E27FC236}">
-                <a16:creationId xmlns:a16="http://schemas.microsoft.com/office/drawing/2014/main" id="{C43C2EDB-CA7A-7FFE-9F1E-0F608702211E}"/>
-              </a:ext>
-            </a:extLst>
-          </p:cNvPr>
-          <p:cNvPicPr>
-            <a:picLocks noChangeAspect="1"/>
-          </p:cNvPicPr>
-          <p:nvPr/>
-        </p:nvPicPr>
-        <p:blipFill>
-          <a:blip r:embed="rId3">
-            <a:extLst>
-              <a:ext uri="{28A0092B-C50C-407E-A947-70E740481C1C}">
-                <a14:useLocalDpi xmlns:a14="http://schemas.microsoft.com/office/drawing/2010/main" val="0"/>
-              </a:ext>
-            </a:extLst>
-          </a:blip>
-          <a:srcRect/>
-          <a:stretch/>
-        </p:blipFill>
-        <p:spPr>
-          <a:xfrm>
-            <a:off x="294640" y="2075269"/>
-            <a:ext cx="5696745" cy="1978290"/>
-          </a:xfrm>
-          <a:prstGeom prst="rect">
-            <a:avLst/>
-          </a:prstGeom>
-        </p:spPr>
-      </p:pic>
-      <p:pic>
-        <p:nvPicPr>
-          <p:cNvPr id="6" name="Picture 5">
-            <a:extLst>
-              <a:ext uri="{FF2B5EF4-FFF2-40B4-BE49-F238E27FC236}">
-                <a16:creationId xmlns:a16="http://schemas.microsoft.com/office/drawing/2014/main" id="{F2BBF912-7A78-B1F7-77BF-2DD31DB62288}"/>
-              </a:ext>
-            </a:extLst>
-          </p:cNvPr>
-          <p:cNvPicPr>
-            <a:picLocks noChangeAspect="1"/>
-          </p:cNvPicPr>
-          <p:nvPr/>
-        </p:nvPicPr>
-        <p:blipFill>
-          <a:blip r:embed="rId4">
-            <a:extLst>
-              <a:ext uri="{28A0092B-C50C-407E-A947-70E740481C1C}">
-                <a14:useLocalDpi xmlns:a14="http://schemas.microsoft.com/office/drawing/2010/main" val="0"/>
-              </a:ext>
-            </a:extLst>
-          </a:blip>
-          <a:srcRect/>
-          <a:stretch/>
-        </p:blipFill>
-        <p:spPr>
-          <a:xfrm>
-            <a:off x="6286025" y="2075268"/>
-            <a:ext cx="5696745" cy="2044093"/>
-          </a:xfrm>
-          <a:prstGeom prst="rect">
-            <a:avLst/>
-          </a:prstGeom>
-        </p:spPr>
-      </p:pic>
-      <p:sp>
-        <p:nvSpPr>
-          <p:cNvPr id="8" name="TextBox 7">
-            <a:extLst>
-              <a:ext uri="{FF2B5EF4-FFF2-40B4-BE49-F238E27FC236}">
-                <a16:creationId xmlns:a16="http://schemas.microsoft.com/office/drawing/2014/main" id="{F6A8BE89-E24E-6DA2-47D2-71405515B774}"/>
+      <p:sp>
+        <p:nvSpPr>
+          <p:cNvPr id="3" name="TextBox 2">
+            <a:extLst>
+              <a:ext uri="{FF2B5EF4-FFF2-40B4-BE49-F238E27FC236}">
+                <a16:creationId xmlns:a16="http://schemas.microsoft.com/office/drawing/2014/main" id="{F0E63AA9-F0F6-BEC5-A792-17DFC837DC9C}"/>
               </a:ext>
             </a:extLst>
           </p:cNvPr>
@@ -5479,7 +5306,7 @@
         </p:nvSpPr>
         <p:spPr>
           <a:xfrm>
-            <a:off x="826254" y="1483221"/>
+            <a:off x="501134" y="1199773"/>
             <a:ext cx="1706880" cy="461665"/>
           </a:xfrm>
           <a:prstGeom prst="rect">
@@ -5499,7 +5326,7 @@
                   <a:schemeClr val="bg1"/>
                 </a:solidFill>
               </a:rPr>
-              <a:t>For BJP </a:t>
+              <a:t>For 2014,</a:t>
             </a:r>
             <a:endParaRPr lang="en-IN" sz="2400" dirty="0"/>
           </a:p>
@@ -5507,10 +5334,10 @@
       </p:sp>
       <p:sp>
         <p:nvSpPr>
-          <p:cNvPr id="9" name="TextBox 8">
-            <a:extLst>
-              <a:ext uri="{FF2B5EF4-FFF2-40B4-BE49-F238E27FC236}">
-                <a16:creationId xmlns:a16="http://schemas.microsoft.com/office/drawing/2014/main" id="{77996092-9261-FA37-F4AE-2148BA61735F}"/>
+          <p:cNvPr id="4" name="TextBox 3">
+            <a:extLst>
+              <a:ext uri="{FF2B5EF4-FFF2-40B4-BE49-F238E27FC236}">
+                <a16:creationId xmlns:a16="http://schemas.microsoft.com/office/drawing/2014/main" id="{C4EEF955-0D83-C23B-8FAF-7385050514EF}"/>
               </a:ext>
             </a:extLst>
           </p:cNvPr>
@@ -5519,7 +5346,7 @@
         </p:nvSpPr>
         <p:spPr>
           <a:xfrm>
-            <a:off x="7724894" y="1406827"/>
+            <a:off x="501134" y="3911600"/>
             <a:ext cx="1706880" cy="461665"/>
           </a:xfrm>
           <a:prstGeom prst="rect">
@@ -5539,84 +5366,160 @@
                   <a:schemeClr val="bg1"/>
                 </a:solidFill>
               </a:rPr>
-              <a:t>For INC</a:t>
+              <a:t>For 2019,</a:t>
             </a:r>
             <a:endParaRPr lang="en-IN" sz="2400" dirty="0"/>
           </a:p>
         </p:txBody>
       </p:sp>
-      <p:sp>
-        <p:nvSpPr>
-          <p:cNvPr id="3" name="TextBox 2">
-            <a:extLst>
-              <a:ext uri="{FF2B5EF4-FFF2-40B4-BE49-F238E27FC236}">
-                <a16:creationId xmlns:a16="http://schemas.microsoft.com/office/drawing/2014/main" id="{FCC99314-B32E-AF51-1A19-50FC3185A457}"/>
-              </a:ext>
-            </a:extLst>
-          </p:cNvPr>
-          <p:cNvSpPr txBox="1"/>
-          <p:nvPr/>
-        </p:nvSpPr>
-        <p:spPr>
-          <a:xfrm>
-            <a:off x="195105" y="4326137"/>
-            <a:ext cx="11592560" cy="1631216"/>
-          </a:xfrm>
-          <a:prstGeom prst="rect">
-            <a:avLst/>
-          </a:prstGeom>
-          <a:noFill/>
-        </p:spPr>
-        <p:txBody>
-          <a:bodyPr wrap="square" rtlCol="0">
-            <a:spAutoFit/>
-          </a:bodyPr>
-          <a:lstStyle/>
-          <a:p>
-            <a:pPr marL="285750" indent="-285750">
-              <a:buFont typeface="Arial" panose="020B0604020202020204" pitchFamily="34" charset="0"/>
-              <a:buChar char="•"/>
-            </a:pPr>
-            <a:r>
-              <a:rPr lang="en-IN" sz="2000" dirty="0">
-                <a:solidFill>
-                  <a:schemeClr val="bg1"/>
-                </a:solidFill>
-              </a:rPr>
-              <a:t>BJP has lost its vote share majorly in Andhra Pradesh which might be due to the influence of regional political parties like TDP and YSRCP.</a:t>
-            </a:r>
-          </a:p>
-          <a:p>
-            <a:pPr marL="285750" indent="-285750">
-              <a:buFont typeface="Arial" panose="020B0604020202020204" pitchFamily="34" charset="0"/>
-              <a:buChar char="•"/>
-            </a:pPr>
-            <a:endParaRPr lang="en-IN" sz="2000" dirty="0">
-              <a:solidFill>
-                <a:schemeClr val="bg1"/>
-              </a:solidFill>
-            </a:endParaRPr>
-          </a:p>
-          <a:p>
-            <a:pPr marL="285750" indent="-285750">
-              <a:buFont typeface="Arial" panose="020B0604020202020204" pitchFamily="34" charset="0"/>
-              <a:buChar char="•"/>
-            </a:pPr>
-            <a:r>
-              <a:rPr lang="en-IN" sz="2000" dirty="0">
-                <a:solidFill>
-                  <a:schemeClr val="bg1"/>
-                </a:solidFill>
-              </a:rPr>
-              <a:t>While INC has lost its vote share in various constituencies due to the rise of BJP and other regional parties.</a:t>
-            </a:r>
-          </a:p>
-        </p:txBody>
-      </p:sp>
+      <p:pic>
+        <p:nvPicPr>
+          <p:cNvPr id="6" name="Picture 5" descr="A screenshot of a graph">
+            <a:extLst>
+              <a:ext uri="{FF2B5EF4-FFF2-40B4-BE49-F238E27FC236}">
+                <a16:creationId xmlns:a16="http://schemas.microsoft.com/office/drawing/2014/main" id="{C688306D-D527-298A-617A-9142B59DFF86}"/>
+              </a:ext>
+            </a:extLst>
+          </p:cNvPr>
+          <p:cNvPicPr>
+            <a:picLocks noChangeAspect="1"/>
+          </p:cNvPicPr>
+          <p:nvPr/>
+        </p:nvPicPr>
+        <p:blipFill>
+          <a:blip r:embed="rId3">
+            <a:extLst>
+              <a:ext uri="{28A0092B-C50C-407E-A947-70E740481C1C}">
+                <a14:useLocalDpi xmlns:a14="http://schemas.microsoft.com/office/drawing/2010/main" val="0"/>
+              </a:ext>
+            </a:extLst>
+          </a:blip>
+          <a:stretch>
+            <a:fillRect/>
+          </a:stretch>
+        </p:blipFill>
+        <p:spPr>
+          <a:xfrm>
+            <a:off x="1354574" y="1839656"/>
+            <a:ext cx="5182323" cy="1838582"/>
+          </a:xfrm>
+          <a:prstGeom prst="rect">
+            <a:avLst/>
+          </a:prstGeom>
+        </p:spPr>
+      </p:pic>
+      <p:pic>
+        <p:nvPicPr>
+          <p:cNvPr id="9" name="Picture 8" descr="A blue squares with text">
+            <a:extLst>
+              <a:ext uri="{FF2B5EF4-FFF2-40B4-BE49-F238E27FC236}">
+                <a16:creationId xmlns:a16="http://schemas.microsoft.com/office/drawing/2014/main" id="{4909DC4D-81F0-687A-7D25-0CCE1941D35B}"/>
+              </a:ext>
+            </a:extLst>
+          </p:cNvPr>
+          <p:cNvPicPr>
+            <a:picLocks noChangeAspect="1"/>
+          </p:cNvPicPr>
+          <p:nvPr/>
+        </p:nvPicPr>
+        <p:blipFill>
+          <a:blip r:embed="rId4">
+            <a:extLst>
+              <a:ext uri="{28A0092B-C50C-407E-A947-70E740481C1C}">
+                <a14:useLocalDpi xmlns:a14="http://schemas.microsoft.com/office/drawing/2010/main" val="0"/>
+              </a:ext>
+            </a:extLst>
+          </a:blip>
+          <a:stretch>
+            <a:fillRect/>
+          </a:stretch>
+        </p:blipFill>
+        <p:spPr>
+          <a:xfrm>
+            <a:off x="1584427" y="4606627"/>
+            <a:ext cx="5096586" cy="1724266"/>
+          </a:xfrm>
+          <a:prstGeom prst="rect">
+            <a:avLst/>
+          </a:prstGeom>
+        </p:spPr>
+      </p:pic>
+      <p:pic>
+        <p:nvPicPr>
+          <p:cNvPr id="11" name="Picture 10" descr="A screenshot of a computer&#10;&#10;Description automatically generated">
+            <a:extLst>
+              <a:ext uri="{FF2B5EF4-FFF2-40B4-BE49-F238E27FC236}">
+                <a16:creationId xmlns:a16="http://schemas.microsoft.com/office/drawing/2014/main" id="{D89A23E2-2BB1-D966-816D-A30B55363005}"/>
+              </a:ext>
+            </a:extLst>
+          </p:cNvPr>
+          <p:cNvPicPr>
+            <a:picLocks noChangeAspect="1"/>
+          </p:cNvPicPr>
+          <p:nvPr/>
+        </p:nvPicPr>
+        <p:blipFill>
+          <a:blip r:embed="rId5">
+            <a:extLst>
+              <a:ext uri="{28A0092B-C50C-407E-A947-70E740481C1C}">
+                <a14:useLocalDpi xmlns:a14="http://schemas.microsoft.com/office/drawing/2010/main" val="0"/>
+              </a:ext>
+            </a:extLst>
+          </a:blip>
+          <a:stretch>
+            <a:fillRect/>
+          </a:stretch>
+        </p:blipFill>
+        <p:spPr>
+          <a:xfrm>
+            <a:off x="6787576" y="1839656"/>
+            <a:ext cx="5153744" cy="1905266"/>
+          </a:xfrm>
+          <a:prstGeom prst="rect">
+            <a:avLst/>
+          </a:prstGeom>
+        </p:spPr>
+      </p:pic>
+      <p:pic>
+        <p:nvPicPr>
+          <p:cNvPr id="13" name="Picture 12" descr="A blue squares with black text">
+            <a:extLst>
+              <a:ext uri="{FF2B5EF4-FFF2-40B4-BE49-F238E27FC236}">
+                <a16:creationId xmlns:a16="http://schemas.microsoft.com/office/drawing/2014/main" id="{AA4FE4D5-1A8E-A335-9A11-27E789A0F091}"/>
+              </a:ext>
+            </a:extLst>
+          </p:cNvPr>
+          <p:cNvPicPr>
+            <a:picLocks noChangeAspect="1"/>
+          </p:cNvPicPr>
+          <p:nvPr/>
+        </p:nvPicPr>
+        <p:blipFill>
+          <a:blip r:embed="rId6">
+            <a:extLst>
+              <a:ext uri="{28A0092B-C50C-407E-A947-70E740481C1C}">
+                <a14:useLocalDpi xmlns:a14="http://schemas.microsoft.com/office/drawing/2010/main" val="0"/>
+              </a:ext>
+            </a:extLst>
+          </a:blip>
+          <a:stretch>
+            <a:fillRect/>
+          </a:stretch>
+        </p:blipFill>
+        <p:spPr>
+          <a:xfrm>
+            <a:off x="6787576" y="4578048"/>
+            <a:ext cx="5134692" cy="1781424"/>
+          </a:xfrm>
+          <a:prstGeom prst="rect">
+            <a:avLst/>
+          </a:prstGeom>
+        </p:spPr>
+      </p:pic>
     </p:spTree>
     <p:extLst>
       <p:ext uri="{BB962C8B-B14F-4D97-AF65-F5344CB8AC3E}">
-        <p14:creationId xmlns:p14="http://schemas.microsoft.com/office/powerpoint/2010/main" val="3007701919"/>
+        <p14:creationId xmlns:p14="http://schemas.microsoft.com/office/powerpoint/2010/main" val="2950414751"/>
       </p:ext>
     </p:extLst>
   </p:cSld>
@@ -5693,8 +5596,8 @@
         </p:nvSpPr>
         <p:spPr>
           <a:xfrm>
-            <a:off x="294640" y="369054"/>
-            <a:ext cx="10728960" cy="461665"/>
+            <a:off x="172720" y="426301"/>
+            <a:ext cx="10728960" cy="830997"/>
           </a:xfrm>
           <a:prstGeom prst="rect">
             <a:avLst/>
@@ -5713,102 +5616,22 @@
                   <a:schemeClr val="bg1"/>
                 </a:solidFill>
               </a:rPr>
-              <a:t>10.  Which constituency has voted the most for NOTA</a:t>
+              <a:t>11.  Which constituencies have elected candidates whose party has less than 10% vote share at state level in 2019</a:t>
             </a:r>
             <a:endParaRPr lang="en-IN" sz="3200" dirty="0">
               <a:solidFill>
                 <a:schemeClr val="bg1"/>
               </a:solidFill>
             </a:endParaRPr>
-          </a:p>
-        </p:txBody>
-      </p:sp>
-      <p:sp>
-        <p:nvSpPr>
-          <p:cNvPr id="3" name="TextBox 2">
-            <a:extLst>
-              <a:ext uri="{FF2B5EF4-FFF2-40B4-BE49-F238E27FC236}">
-                <a16:creationId xmlns:a16="http://schemas.microsoft.com/office/drawing/2014/main" id="{F0E63AA9-F0F6-BEC5-A792-17DFC837DC9C}"/>
-              </a:ext>
-            </a:extLst>
-          </p:cNvPr>
-          <p:cNvSpPr txBox="1"/>
-          <p:nvPr/>
-        </p:nvSpPr>
-        <p:spPr>
-          <a:xfrm>
-            <a:off x="501134" y="1199773"/>
-            <a:ext cx="1706880" cy="461665"/>
-          </a:xfrm>
-          <a:prstGeom prst="rect">
-            <a:avLst/>
-          </a:prstGeom>
-          <a:noFill/>
-        </p:spPr>
-        <p:txBody>
-          <a:bodyPr wrap="square" rtlCol="0">
-            <a:spAutoFit/>
-          </a:bodyPr>
-          <a:lstStyle/>
-          <a:p>
-            <a:r>
-              <a:rPr lang="en-IN" sz="2400" dirty="0">
-                <a:solidFill>
-                  <a:schemeClr val="bg1"/>
-                </a:solidFill>
-              </a:rPr>
-              <a:t>For 2014,</a:t>
-            </a:r>
-            <a:endParaRPr lang="en-IN" sz="2400" dirty="0"/>
-          </a:p>
-        </p:txBody>
-      </p:sp>
-      <p:sp>
-        <p:nvSpPr>
-          <p:cNvPr id="4" name="TextBox 3">
-            <a:extLst>
-              <a:ext uri="{FF2B5EF4-FFF2-40B4-BE49-F238E27FC236}">
-                <a16:creationId xmlns:a16="http://schemas.microsoft.com/office/drawing/2014/main" id="{C4EEF955-0D83-C23B-8FAF-7385050514EF}"/>
-              </a:ext>
-            </a:extLst>
-          </p:cNvPr>
-          <p:cNvSpPr txBox="1"/>
-          <p:nvPr/>
-        </p:nvSpPr>
-        <p:spPr>
-          <a:xfrm>
-            <a:off x="501134" y="3911600"/>
-            <a:ext cx="1706880" cy="461665"/>
-          </a:xfrm>
-          <a:prstGeom prst="rect">
-            <a:avLst/>
-          </a:prstGeom>
-          <a:noFill/>
-        </p:spPr>
-        <p:txBody>
-          <a:bodyPr wrap="square" rtlCol="0">
-            <a:spAutoFit/>
-          </a:bodyPr>
-          <a:lstStyle/>
-          <a:p>
-            <a:r>
-              <a:rPr lang="en-IN" sz="2400" dirty="0">
-                <a:solidFill>
-                  <a:schemeClr val="bg1"/>
-                </a:solidFill>
-              </a:rPr>
-              <a:t>For 2019,</a:t>
-            </a:r>
-            <a:endParaRPr lang="en-IN" sz="2400" dirty="0"/>
           </a:p>
         </p:txBody>
       </p:sp>
       <p:pic>
         <p:nvPicPr>
-          <p:cNvPr id="6" name="Picture 5" descr="A screenshot of a graph">
-            <a:extLst>
-              <a:ext uri="{FF2B5EF4-FFF2-40B4-BE49-F238E27FC236}">
-                <a16:creationId xmlns:a16="http://schemas.microsoft.com/office/drawing/2014/main" id="{C688306D-D527-298A-617A-9142B59DFF86}"/>
+          <p:cNvPr id="9" name="Picture 8" descr="A screenshot of a computer&#10;&#10;Description automatically generated">
+            <a:extLst>
+              <a:ext uri="{FF2B5EF4-FFF2-40B4-BE49-F238E27FC236}">
+                <a16:creationId xmlns:a16="http://schemas.microsoft.com/office/drawing/2014/main" id="{A636B67F-818A-86E8-E1BD-FC3325A8136C}"/>
               </a:ext>
             </a:extLst>
           </p:cNvPr>
@@ -5831,8 +5654,8 @@
         </p:blipFill>
         <p:spPr>
           <a:xfrm>
-            <a:off x="1354574" y="1839656"/>
-            <a:ext cx="5182323" cy="1838582"/>
+            <a:off x="172720" y="1449919"/>
+            <a:ext cx="5557867" cy="4533445"/>
           </a:xfrm>
           <a:prstGeom prst="rect">
             <a:avLst/>
@@ -5841,10 +5664,10 @@
       </p:pic>
       <p:pic>
         <p:nvPicPr>
-          <p:cNvPr id="9" name="Picture 8" descr="A blue squares with text">
-            <a:extLst>
-              <a:ext uri="{FF2B5EF4-FFF2-40B4-BE49-F238E27FC236}">
-                <a16:creationId xmlns:a16="http://schemas.microsoft.com/office/drawing/2014/main" id="{4909DC4D-81F0-687A-7D25-0CCE1941D35B}"/>
+          <p:cNvPr id="11" name="Picture 10" descr="A screenshot of a computer screen">
+            <a:extLst>
+              <a:ext uri="{FF2B5EF4-FFF2-40B4-BE49-F238E27FC236}">
+                <a16:creationId xmlns:a16="http://schemas.microsoft.com/office/drawing/2014/main" id="{858C1889-C61A-023C-333F-FA91497F3606}"/>
               </a:ext>
             </a:extLst>
           </p:cNvPr>
@@ -5867,80 +5690,8 @@
         </p:blipFill>
         <p:spPr>
           <a:xfrm>
-            <a:off x="1584427" y="4606627"/>
-            <a:ext cx="5096586" cy="1724266"/>
-          </a:xfrm>
-          <a:prstGeom prst="rect">
-            <a:avLst/>
-          </a:prstGeom>
-        </p:spPr>
-      </p:pic>
-      <p:pic>
-        <p:nvPicPr>
-          <p:cNvPr id="11" name="Picture 10" descr="A screenshot of a computer&#10;&#10;Description automatically generated">
-            <a:extLst>
-              <a:ext uri="{FF2B5EF4-FFF2-40B4-BE49-F238E27FC236}">
-                <a16:creationId xmlns:a16="http://schemas.microsoft.com/office/drawing/2014/main" id="{D89A23E2-2BB1-D966-816D-A30B55363005}"/>
-              </a:ext>
-            </a:extLst>
-          </p:cNvPr>
-          <p:cNvPicPr>
-            <a:picLocks noChangeAspect="1"/>
-          </p:cNvPicPr>
-          <p:nvPr/>
-        </p:nvPicPr>
-        <p:blipFill>
-          <a:blip r:embed="rId5">
-            <a:extLst>
-              <a:ext uri="{28A0092B-C50C-407E-A947-70E740481C1C}">
-                <a14:useLocalDpi xmlns:a14="http://schemas.microsoft.com/office/drawing/2010/main" val="0"/>
-              </a:ext>
-            </a:extLst>
-          </a:blip>
-          <a:stretch>
-            <a:fillRect/>
-          </a:stretch>
-        </p:blipFill>
-        <p:spPr>
-          <a:xfrm>
-            <a:off x="6787576" y="1839656"/>
-            <a:ext cx="5153744" cy="1905266"/>
-          </a:xfrm>
-          <a:prstGeom prst="rect">
-            <a:avLst/>
-          </a:prstGeom>
-        </p:spPr>
-      </p:pic>
-      <p:pic>
-        <p:nvPicPr>
-          <p:cNvPr id="13" name="Picture 12" descr="A blue squares with black text">
-            <a:extLst>
-              <a:ext uri="{FF2B5EF4-FFF2-40B4-BE49-F238E27FC236}">
-                <a16:creationId xmlns:a16="http://schemas.microsoft.com/office/drawing/2014/main" id="{AA4FE4D5-1A8E-A335-9A11-27E789A0F091}"/>
-              </a:ext>
-            </a:extLst>
-          </p:cNvPr>
-          <p:cNvPicPr>
-            <a:picLocks noChangeAspect="1"/>
-          </p:cNvPicPr>
-          <p:nvPr/>
-        </p:nvPicPr>
-        <p:blipFill>
-          <a:blip r:embed="rId6">
-            <a:extLst>
-              <a:ext uri="{28A0092B-C50C-407E-A947-70E740481C1C}">
-                <a14:useLocalDpi xmlns:a14="http://schemas.microsoft.com/office/drawing/2010/main" val="0"/>
-              </a:ext>
-            </a:extLst>
-          </a:blip>
-          <a:stretch>
-            <a:fillRect/>
-          </a:stretch>
-        </p:blipFill>
-        <p:spPr>
-          <a:xfrm>
-            <a:off x="6787576" y="4578048"/>
-            <a:ext cx="5134692" cy="1781424"/>
+            <a:off x="6018206" y="3331973"/>
+            <a:ext cx="5886174" cy="2620450"/>
           </a:xfrm>
           <a:prstGeom prst="rect">
             <a:avLst/>
@@ -5950,7 +5701,7 @@
     </p:spTree>
     <p:extLst>
       <p:ext uri="{BB962C8B-B14F-4D97-AF65-F5344CB8AC3E}">
-        <p14:creationId xmlns:p14="http://schemas.microsoft.com/office/powerpoint/2010/main" val="2950414751"/>
+        <p14:creationId xmlns:p14="http://schemas.microsoft.com/office/powerpoint/2010/main" val="3316225842"/>
       </p:ext>
     </p:extLst>
   </p:cSld>
@@ -6015,10 +5766,10 @@
       </p:pic>
       <p:sp>
         <p:nvSpPr>
-          <p:cNvPr id="5" name="TextBox 4">
-            <a:extLst>
-              <a:ext uri="{FF2B5EF4-FFF2-40B4-BE49-F238E27FC236}">
-                <a16:creationId xmlns:a16="http://schemas.microsoft.com/office/drawing/2014/main" id="{E6114500-1593-C8BE-36BD-7131F27926D4}"/>
+          <p:cNvPr id="2" name="TextBox 1">
+            <a:extLst>
+              <a:ext uri="{FF2B5EF4-FFF2-40B4-BE49-F238E27FC236}">
+                <a16:creationId xmlns:a16="http://schemas.microsoft.com/office/drawing/2014/main" id="{B088960D-C4F6-6C36-9A37-5235E419ECB7}"/>
               </a:ext>
             </a:extLst>
           </p:cNvPr>
@@ -6027,8 +5778,8 @@
         </p:nvSpPr>
         <p:spPr>
           <a:xfrm>
-            <a:off x="213360" y="176014"/>
-            <a:ext cx="6156960" cy="584775"/>
+            <a:off x="142240" y="934301"/>
+            <a:ext cx="10728960" cy="461665"/>
           </a:xfrm>
           <a:prstGeom prst="rect">
             <a:avLst/>
@@ -6042,12 +5793,12 @@
           <a:lstStyle/>
           <a:p>
             <a:r>
-              <a:rPr lang="en-IN" sz="3200" b="1" dirty="0">
+              <a:rPr lang="en-IN" sz="2400" b="1" dirty="0">
                 <a:solidFill>
                   <a:schemeClr val="bg1"/>
                 </a:solidFill>
               </a:rPr>
-              <a:t>Vote Share of NOTA</a:t>
+              <a:t>1. Is there any correlation between postal votes % and Voter Turnout %</a:t>
             </a:r>
             <a:endParaRPr lang="en-IN" sz="3200" dirty="0">
               <a:solidFill>
@@ -6059,10 +5810,10 @@
       </p:sp>
       <p:sp>
         <p:nvSpPr>
-          <p:cNvPr id="6" name="TextBox 5">
-            <a:extLst>
-              <a:ext uri="{FF2B5EF4-FFF2-40B4-BE49-F238E27FC236}">
-                <a16:creationId xmlns:a16="http://schemas.microsoft.com/office/drawing/2014/main" id="{A6B1D2D3-5B9F-6378-93EB-0839BFC7F145}"/>
+          <p:cNvPr id="3" name="TextBox 2">
+            <a:extLst>
+              <a:ext uri="{FF2B5EF4-FFF2-40B4-BE49-F238E27FC236}">
+                <a16:creationId xmlns:a16="http://schemas.microsoft.com/office/drawing/2014/main" id="{DBDC4501-0B42-B56E-992E-BD8F6E90D887}"/>
               </a:ext>
             </a:extLst>
           </p:cNvPr>
@@ -6071,8 +5822,8 @@
         </p:nvSpPr>
         <p:spPr>
           <a:xfrm>
-            <a:off x="0" y="936803"/>
-            <a:ext cx="11612880" cy="10002738"/>
+            <a:off x="142240" y="279596"/>
+            <a:ext cx="10728960" cy="523220"/>
           </a:xfrm>
           <a:prstGeom prst="rect">
             <a:avLst/>
@@ -6085,300 +5836,250 @@
           </a:bodyPr>
           <a:lstStyle/>
           <a:p>
-            <a:pPr marL="285750" indent="-285750">
-              <a:buFont typeface="Arial" panose="020B0604020202020204" pitchFamily="34" charset="0"/>
-              <a:buChar char="•"/>
-            </a:pPr>
-            <a:endParaRPr lang="en-IN" sz="1600" b="1" dirty="0">
-              <a:solidFill>
-                <a:schemeClr val="bg1"/>
-              </a:solidFill>
-            </a:endParaRPr>
-          </a:p>
-          <a:p>
-            <a:pPr marL="457200" indent="-457200">
-              <a:buFont typeface="Arial" panose="020B0604020202020204" pitchFamily="34" charset="0"/>
-              <a:buChar char="•"/>
-            </a:pPr>
-            <a:r>
-              <a:rPr lang="en-IN" sz="2000" b="1" dirty="0">
+            <a:r>
+              <a:rPr lang="en-IN" sz="2800" b="1" dirty="0">
                 <a:solidFill>
                   <a:schemeClr val="bg1"/>
                 </a:solidFill>
               </a:rPr>
-              <a:t>NOTA stands for None of the Above – People opt for NOTA when they do not have any preference of the candidates contesting in their constituency</a:t>
-            </a:r>
-          </a:p>
-          <a:p>
-            <a:pPr marL="457200" indent="-457200">
-              <a:buFont typeface="Arial" panose="020B0604020202020204" pitchFamily="34" charset="0"/>
-              <a:buChar char="•"/>
-            </a:pPr>
-            <a:endParaRPr lang="en-IN" sz="2000" b="1" dirty="0">
-              <a:solidFill>
-                <a:schemeClr val="bg1"/>
-              </a:solidFill>
-            </a:endParaRPr>
-          </a:p>
-          <a:p>
-            <a:pPr marL="457200" indent="-457200">
-              <a:buFont typeface="Arial" panose="020B0604020202020204" pitchFamily="34" charset="0"/>
-              <a:buChar char="•"/>
-            </a:pPr>
-            <a:r>
-              <a:rPr lang="en-IN" sz="2000" b="1" dirty="0">
+              <a:t>Secondary Analysis</a:t>
+            </a:r>
+            <a:endParaRPr lang="en-IN" sz="2800" dirty="0">
+              <a:solidFill>
+                <a:schemeClr val="bg1"/>
+              </a:solidFill>
+            </a:endParaRPr>
+          </a:p>
+        </p:txBody>
+      </p:sp>
+      <p:sp>
+        <p:nvSpPr>
+          <p:cNvPr id="15" name="TextBox 14">
+            <a:extLst>
+              <a:ext uri="{FF2B5EF4-FFF2-40B4-BE49-F238E27FC236}">
+                <a16:creationId xmlns:a16="http://schemas.microsoft.com/office/drawing/2014/main" id="{07C8DDB3-F82B-2DF6-A2FD-A41707ABD9EE}"/>
+              </a:ext>
+            </a:extLst>
+          </p:cNvPr>
+          <p:cNvSpPr txBox="1"/>
+          <p:nvPr/>
+        </p:nvSpPr>
+        <p:spPr>
+          <a:xfrm>
+            <a:off x="2396247" y="1496442"/>
+            <a:ext cx="1706880" cy="461665"/>
+          </a:xfrm>
+          <a:prstGeom prst="rect">
+            <a:avLst/>
+          </a:prstGeom>
+          <a:noFill/>
+        </p:spPr>
+        <p:txBody>
+          <a:bodyPr wrap="square" rtlCol="0">
+            <a:spAutoFit/>
+          </a:bodyPr>
+          <a:lstStyle/>
+          <a:p>
+            <a:r>
+              <a:rPr lang="en-IN" sz="2400" dirty="0">
                 <a:solidFill>
                   <a:schemeClr val="bg1"/>
                 </a:solidFill>
               </a:rPr>
-              <a:t>People express their dissatisfaction with the current politicians which can lead to a higher number of votes for NOTA.</a:t>
-            </a:r>
-          </a:p>
-          <a:p>
-            <a:pPr marL="457200" indent="-457200">
-              <a:buFont typeface="Arial" panose="020B0604020202020204" pitchFamily="34" charset="0"/>
-              <a:buChar char="•"/>
-            </a:pPr>
-            <a:endParaRPr lang="en-IN" sz="2000" b="1" dirty="0">
-              <a:solidFill>
-                <a:schemeClr val="bg1"/>
-              </a:solidFill>
-            </a:endParaRPr>
-          </a:p>
-          <a:p>
-            <a:pPr marL="457200" indent="-457200">
-              <a:buFont typeface="Arial" panose="020B0604020202020204" pitchFamily="34" charset="0"/>
-              <a:buChar char="•"/>
-            </a:pPr>
-            <a:r>
-              <a:rPr lang="en-IN" sz="2000" b="1" dirty="0">
+              <a:t>For 2014</a:t>
+            </a:r>
+            <a:endParaRPr lang="en-IN" sz="2400" dirty="0"/>
+          </a:p>
+        </p:txBody>
+      </p:sp>
+      <p:sp>
+        <p:nvSpPr>
+          <p:cNvPr id="16" name="TextBox 15">
+            <a:extLst>
+              <a:ext uri="{FF2B5EF4-FFF2-40B4-BE49-F238E27FC236}">
+                <a16:creationId xmlns:a16="http://schemas.microsoft.com/office/drawing/2014/main" id="{FC24405C-1EB8-2D24-8534-688552B97C15}"/>
+              </a:ext>
+            </a:extLst>
+          </p:cNvPr>
+          <p:cNvSpPr txBox="1"/>
+          <p:nvPr/>
+        </p:nvSpPr>
+        <p:spPr>
+          <a:xfrm>
+            <a:off x="7719993" y="1496442"/>
+            <a:ext cx="1706880" cy="461665"/>
+          </a:xfrm>
+          <a:prstGeom prst="rect">
+            <a:avLst/>
+          </a:prstGeom>
+          <a:noFill/>
+        </p:spPr>
+        <p:txBody>
+          <a:bodyPr wrap="square" rtlCol="0">
+            <a:spAutoFit/>
+          </a:bodyPr>
+          <a:lstStyle/>
+          <a:p>
+            <a:r>
+              <a:rPr lang="en-IN" sz="2400" dirty="0">
                 <a:solidFill>
                   <a:schemeClr val="bg1"/>
                 </a:solidFill>
               </a:rPr>
-              <a:t>If NOTA gets the most number of votes in a constituency, the next candidate with the second most number of votes is declared the winner</a:t>
-            </a:r>
-          </a:p>
-          <a:p>
-            <a:pPr marL="457200" indent="-457200">
-              <a:buFont typeface="Arial" panose="020B0604020202020204" pitchFamily="34" charset="0"/>
-              <a:buChar char="•"/>
-            </a:pPr>
-            <a:endParaRPr lang="en-IN" sz="2000" b="1" dirty="0">
-              <a:solidFill>
-                <a:schemeClr val="bg1"/>
-              </a:solidFill>
-            </a:endParaRPr>
-          </a:p>
-          <a:p>
-            <a:pPr marL="457200" indent="-457200">
-              <a:buFont typeface="Arial" panose="020B0604020202020204" pitchFamily="34" charset="0"/>
-              <a:buChar char="•"/>
-            </a:pPr>
-            <a:r>
-              <a:rPr lang="en-IN" sz="2000" b="1" dirty="0">
-                <a:solidFill>
-                  <a:schemeClr val="bg1"/>
-                </a:solidFill>
-              </a:rPr>
-              <a:t>In 2014 and 2019 elections, we can see that most of the constituencies with tribal population has the highest vote share for NOTA like </a:t>
-            </a:r>
-            <a:r>
-              <a:rPr lang="en-IN" sz="2000" b="1" dirty="0" err="1">
-                <a:solidFill>
-                  <a:schemeClr val="bg1"/>
-                </a:solidFill>
-              </a:rPr>
-              <a:t>Aruku</a:t>
-            </a:r>
-            <a:r>
-              <a:rPr lang="en-IN" sz="2000" b="1" dirty="0">
-                <a:solidFill>
-                  <a:schemeClr val="bg1"/>
-                </a:solidFill>
-              </a:rPr>
-              <a:t>, Dahod, Tura, </a:t>
-            </a:r>
-            <a:r>
-              <a:rPr lang="en-IN" sz="2000" b="1" dirty="0" err="1">
-                <a:solidFill>
-                  <a:schemeClr val="bg1"/>
-                </a:solidFill>
-              </a:rPr>
-              <a:t>Singhbum</a:t>
-            </a:r>
-            <a:r>
-              <a:rPr lang="en-IN" sz="2000" b="1" dirty="0">
-                <a:solidFill>
-                  <a:schemeClr val="bg1"/>
-                </a:solidFill>
-              </a:rPr>
-              <a:t> etc.</a:t>
-            </a:r>
-          </a:p>
-          <a:p>
-            <a:pPr marL="457200" indent="-457200">
-              <a:buFont typeface="Arial" panose="020B0604020202020204" pitchFamily="34" charset="0"/>
-              <a:buChar char="•"/>
-            </a:pPr>
-            <a:endParaRPr lang="en-IN" sz="2000" b="1" dirty="0">
-              <a:solidFill>
-                <a:schemeClr val="bg1"/>
-              </a:solidFill>
-            </a:endParaRPr>
-          </a:p>
-          <a:p>
-            <a:pPr marL="457200" indent="-457200">
-              <a:buFont typeface="Arial" panose="020B0604020202020204" pitchFamily="34" charset="0"/>
-              <a:buChar char="•"/>
-            </a:pPr>
-            <a:r>
-              <a:rPr lang="en-IN" sz="2000" b="1" dirty="0">
-                <a:solidFill>
-                  <a:schemeClr val="bg1"/>
-                </a:solidFill>
-              </a:rPr>
-              <a:t>This may be due to the issues related to tribal welfare and development, displacement of tribal population for infrastructure development, mining etc.</a:t>
-            </a:r>
-          </a:p>
-          <a:p>
-            <a:pPr marL="457200" indent="-457200">
-              <a:buFont typeface="Arial" panose="020B0604020202020204" pitchFamily="34" charset="0"/>
-              <a:buChar char="•"/>
-            </a:pPr>
-            <a:endParaRPr lang="en-IN" sz="2000" b="1" dirty="0">
-              <a:solidFill>
-                <a:schemeClr val="bg1"/>
-              </a:solidFill>
-            </a:endParaRPr>
-          </a:p>
-          <a:p>
-            <a:pPr marL="457200" indent="-457200">
-              <a:buFont typeface="Arial" panose="020B0604020202020204" pitchFamily="34" charset="0"/>
-              <a:buChar char="•"/>
-            </a:pPr>
-            <a:endParaRPr lang="en-IN" sz="2000" b="1" dirty="0">
-              <a:solidFill>
-                <a:schemeClr val="bg1"/>
-              </a:solidFill>
-            </a:endParaRPr>
-          </a:p>
-          <a:p>
-            <a:pPr marL="457200" indent="-457200">
-              <a:buFont typeface="Arial" panose="020B0604020202020204" pitchFamily="34" charset="0"/>
-              <a:buChar char="•"/>
-            </a:pPr>
-            <a:endParaRPr lang="en-IN" sz="2000" b="1" dirty="0">
-              <a:solidFill>
-                <a:schemeClr val="bg1"/>
-              </a:solidFill>
-            </a:endParaRPr>
-          </a:p>
-          <a:p>
-            <a:pPr marL="457200" indent="-457200">
-              <a:buFont typeface="Arial" panose="020B0604020202020204" pitchFamily="34" charset="0"/>
-              <a:buChar char="•"/>
-            </a:pPr>
-            <a:endParaRPr lang="en-IN" sz="3200" b="1" dirty="0">
-              <a:solidFill>
-                <a:schemeClr val="bg1"/>
-              </a:solidFill>
-            </a:endParaRPr>
-          </a:p>
-          <a:p>
-            <a:pPr marL="457200" indent="-457200">
-              <a:buFont typeface="Arial" panose="020B0604020202020204" pitchFamily="34" charset="0"/>
-              <a:buChar char="•"/>
-            </a:pPr>
-            <a:endParaRPr lang="en-IN" sz="3200" b="1" dirty="0">
-              <a:solidFill>
-                <a:schemeClr val="bg1"/>
-              </a:solidFill>
-            </a:endParaRPr>
-          </a:p>
-          <a:p>
-            <a:pPr marL="457200" indent="-457200">
-              <a:buFont typeface="Arial" panose="020B0604020202020204" pitchFamily="34" charset="0"/>
-              <a:buChar char="•"/>
-            </a:pPr>
-            <a:endParaRPr lang="en-IN" sz="3200" b="1" dirty="0">
-              <a:solidFill>
-                <a:schemeClr val="bg1"/>
-              </a:solidFill>
-            </a:endParaRPr>
-          </a:p>
-          <a:p>
-            <a:pPr marL="457200" indent="-457200">
-              <a:buFont typeface="Arial" panose="020B0604020202020204" pitchFamily="34" charset="0"/>
-              <a:buChar char="•"/>
-            </a:pPr>
-            <a:endParaRPr lang="en-IN" sz="3200" b="1" dirty="0">
-              <a:solidFill>
-                <a:schemeClr val="bg1"/>
-              </a:solidFill>
-            </a:endParaRPr>
-          </a:p>
-          <a:p>
-            <a:pPr marL="457200" indent="-457200">
-              <a:buFont typeface="Arial" panose="020B0604020202020204" pitchFamily="34" charset="0"/>
-              <a:buChar char="•"/>
-            </a:pPr>
-            <a:endParaRPr lang="en-IN" sz="3200" b="1" dirty="0">
-              <a:solidFill>
-                <a:schemeClr val="bg1"/>
-              </a:solidFill>
-            </a:endParaRPr>
-          </a:p>
-          <a:p>
-            <a:pPr marL="457200" indent="-457200">
-              <a:buFont typeface="Arial" panose="020B0604020202020204" pitchFamily="34" charset="0"/>
-              <a:buChar char="•"/>
-            </a:pPr>
-            <a:endParaRPr lang="en-IN" sz="3200" b="1" dirty="0">
-              <a:solidFill>
-                <a:schemeClr val="bg1"/>
-              </a:solidFill>
-            </a:endParaRPr>
-          </a:p>
-          <a:p>
-            <a:pPr marL="457200" indent="-457200">
-              <a:buFont typeface="Arial" panose="020B0604020202020204" pitchFamily="34" charset="0"/>
-              <a:buChar char="•"/>
-            </a:pPr>
-            <a:endParaRPr lang="en-IN" sz="3200" b="1" dirty="0">
-              <a:solidFill>
-                <a:schemeClr val="bg1"/>
-              </a:solidFill>
-            </a:endParaRPr>
-          </a:p>
-          <a:p>
-            <a:pPr marL="457200" indent="-457200">
-              <a:buFont typeface="Arial" panose="020B0604020202020204" pitchFamily="34" charset="0"/>
-              <a:buChar char="•"/>
-            </a:pPr>
-            <a:endParaRPr lang="en-IN" sz="3200" b="1" dirty="0">
-              <a:solidFill>
-                <a:schemeClr val="bg1"/>
-              </a:solidFill>
-            </a:endParaRPr>
-          </a:p>
-          <a:p>
-            <a:pPr marL="457200" indent="-457200">
-              <a:buFont typeface="Arial" panose="020B0604020202020204" pitchFamily="34" charset="0"/>
-              <a:buChar char="•"/>
-            </a:pPr>
-            <a:endParaRPr lang="en-IN" sz="3200" dirty="0">
-              <a:solidFill>
-                <a:schemeClr val="bg1"/>
-              </a:solidFill>
-            </a:endParaRPr>
-          </a:p>
-        </p:txBody>
-      </p:sp>
+              <a:t>For 2019</a:t>
+            </a:r>
+            <a:endParaRPr lang="en-IN" sz="2400" dirty="0"/>
+          </a:p>
+        </p:txBody>
+      </p:sp>
+      <p:pic>
+        <p:nvPicPr>
+          <p:cNvPr id="18" name="Picture 17" descr="A graph with blue dots&#10;&#10;Description automatically generated">
+            <a:extLst>
+              <a:ext uri="{FF2B5EF4-FFF2-40B4-BE49-F238E27FC236}">
+                <a16:creationId xmlns:a16="http://schemas.microsoft.com/office/drawing/2014/main" id="{13A507EC-3DD1-39FB-3283-139ADFBCCA10}"/>
+              </a:ext>
+            </a:extLst>
+          </p:cNvPr>
+          <p:cNvPicPr>
+            <a:picLocks noChangeAspect="1"/>
+          </p:cNvPicPr>
+          <p:nvPr/>
+        </p:nvPicPr>
+        <p:blipFill>
+          <a:blip r:embed="rId3">
+            <a:extLst>
+              <a:ext uri="{28A0092B-C50C-407E-A947-70E740481C1C}">
+                <a14:useLocalDpi xmlns:a14="http://schemas.microsoft.com/office/drawing/2010/main" val="0"/>
+              </a:ext>
+            </a:extLst>
+          </a:blip>
+          <a:stretch>
+            <a:fillRect/>
+          </a:stretch>
+        </p:blipFill>
+        <p:spPr>
+          <a:xfrm>
+            <a:off x="1075983" y="2186828"/>
+            <a:ext cx="4639322" cy="2251493"/>
+          </a:xfrm>
+          <a:prstGeom prst="rect">
+            <a:avLst/>
+          </a:prstGeom>
+        </p:spPr>
+      </p:pic>
+      <p:pic>
+        <p:nvPicPr>
+          <p:cNvPr id="20" name="Picture 19" descr="A blue and white pie chart&#10;&#10;Description automatically generated">
+            <a:extLst>
+              <a:ext uri="{FF2B5EF4-FFF2-40B4-BE49-F238E27FC236}">
+                <a16:creationId xmlns:a16="http://schemas.microsoft.com/office/drawing/2014/main" id="{B62C6F99-9F79-7028-644D-2A3849D216B4}"/>
+              </a:ext>
+            </a:extLst>
+          </p:cNvPr>
+          <p:cNvPicPr>
+            <a:picLocks noChangeAspect="1"/>
+          </p:cNvPicPr>
+          <p:nvPr/>
+        </p:nvPicPr>
+        <p:blipFill>
+          <a:blip r:embed="rId4">
+            <a:extLst>
+              <a:ext uri="{28A0092B-C50C-407E-A947-70E740481C1C}">
+                <a14:useLocalDpi xmlns:a14="http://schemas.microsoft.com/office/drawing/2010/main" val="0"/>
+              </a:ext>
+            </a:extLst>
+          </a:blip>
+          <a:stretch>
+            <a:fillRect/>
+          </a:stretch>
+        </p:blipFill>
+        <p:spPr>
+          <a:xfrm>
+            <a:off x="2004688" y="4667042"/>
+            <a:ext cx="2698208" cy="1648055"/>
+          </a:xfrm>
+          <a:prstGeom prst="rect">
+            <a:avLst/>
+          </a:prstGeom>
+        </p:spPr>
+      </p:pic>
+      <p:pic>
+        <p:nvPicPr>
+          <p:cNvPr id="22" name="Picture 21" descr="A graph of blue dots&#10;&#10;Description automatically generated">
+            <a:extLst>
+              <a:ext uri="{FF2B5EF4-FFF2-40B4-BE49-F238E27FC236}">
+                <a16:creationId xmlns:a16="http://schemas.microsoft.com/office/drawing/2014/main" id="{6CB6F868-0D84-13BC-702B-798BA8B42DCC}"/>
+              </a:ext>
+            </a:extLst>
+          </p:cNvPr>
+          <p:cNvPicPr>
+            <a:picLocks noChangeAspect="1"/>
+          </p:cNvPicPr>
+          <p:nvPr/>
+        </p:nvPicPr>
+        <p:blipFill>
+          <a:blip r:embed="rId5">
+            <a:extLst>
+              <a:ext uri="{28A0092B-C50C-407E-A947-70E740481C1C}">
+                <a14:useLocalDpi xmlns:a14="http://schemas.microsoft.com/office/drawing/2010/main" val="0"/>
+              </a:ext>
+            </a:extLst>
+          </a:blip>
+          <a:stretch>
+            <a:fillRect/>
+          </a:stretch>
+        </p:blipFill>
+        <p:spPr>
+          <a:xfrm>
+            <a:off x="6648279" y="2186828"/>
+            <a:ext cx="4610743" cy="2251492"/>
+          </a:xfrm>
+          <a:prstGeom prst="rect">
+            <a:avLst/>
+          </a:prstGeom>
+        </p:spPr>
+      </p:pic>
+      <p:pic>
+        <p:nvPicPr>
+          <p:cNvPr id="24" name="Picture 23" descr="A blue and white circular object with black text">
+            <a:extLst>
+              <a:ext uri="{FF2B5EF4-FFF2-40B4-BE49-F238E27FC236}">
+                <a16:creationId xmlns:a16="http://schemas.microsoft.com/office/drawing/2014/main" id="{ADF409A4-97A9-C13C-32C0-E0A79D369A2D}"/>
+              </a:ext>
+            </a:extLst>
+          </p:cNvPr>
+          <p:cNvPicPr>
+            <a:picLocks noChangeAspect="1"/>
+          </p:cNvPicPr>
+          <p:nvPr/>
+        </p:nvPicPr>
+        <p:blipFill>
+          <a:blip r:embed="rId6">
+            <a:extLst>
+              <a:ext uri="{28A0092B-C50C-407E-A947-70E740481C1C}">
+                <a14:useLocalDpi xmlns:a14="http://schemas.microsoft.com/office/drawing/2010/main" val="0"/>
+              </a:ext>
+            </a:extLst>
+          </a:blip>
+          <a:stretch>
+            <a:fillRect/>
+          </a:stretch>
+        </p:blipFill>
+        <p:spPr>
+          <a:xfrm>
+            <a:off x="7719993" y="4646550"/>
+            <a:ext cx="2785447" cy="1657581"/>
+          </a:xfrm>
+          <a:prstGeom prst="rect">
+            <a:avLst/>
+          </a:prstGeom>
+        </p:spPr>
+      </p:pic>
     </p:spTree>
     <p:extLst>
       <p:ext uri="{BB962C8B-B14F-4D97-AF65-F5344CB8AC3E}">
-        <p14:creationId xmlns:p14="http://schemas.microsoft.com/office/powerpoint/2010/main" val="3847214630"/>
+        <p14:creationId xmlns:p14="http://schemas.microsoft.com/office/powerpoint/2010/main" val="371128530"/>
       </p:ext>
     </p:extLst>
   </p:cSld>
@@ -6446,7 +6147,7 @@
           <p:cNvPr id="2" name="TextBox 1">
             <a:extLst>
               <a:ext uri="{FF2B5EF4-FFF2-40B4-BE49-F238E27FC236}">
-                <a16:creationId xmlns:a16="http://schemas.microsoft.com/office/drawing/2014/main" id="{07BA625D-E7D3-2029-CACD-620A7BC26340}"/>
+                <a16:creationId xmlns:a16="http://schemas.microsoft.com/office/drawing/2014/main" id="{B088960D-C4F6-6C36-9A37-5235E419ECB7}"/>
               </a:ext>
             </a:extLst>
           </p:cNvPr>
@@ -6455,8 +6156,8 @@
         </p:nvSpPr>
         <p:spPr>
           <a:xfrm>
-            <a:off x="172720" y="426301"/>
-            <a:ext cx="10728960" cy="830997"/>
+            <a:off x="193040" y="436881"/>
+            <a:ext cx="10759440" cy="461665"/>
           </a:xfrm>
           <a:prstGeom prst="rect">
             <a:avLst/>
@@ -6475,7 +6176,7 @@
                   <a:schemeClr val="bg1"/>
                 </a:solidFill>
               </a:rPr>
-              <a:t>11.  Which constituencies have elected candidates whose party has less than 10% vote share at state level in 2019</a:t>
+              <a:t>2. Is there any correlation between literacy rate and Voter Turnout %</a:t>
             </a:r>
             <a:endParaRPr lang="en-IN" sz="3200" dirty="0">
               <a:solidFill>
@@ -6487,10 +6188,10 @@
       </p:sp>
       <p:pic>
         <p:nvPicPr>
-          <p:cNvPr id="9" name="Picture 8" descr="A screenshot of a computer&#10;&#10;Description automatically generated">
-            <a:extLst>
-              <a:ext uri="{FF2B5EF4-FFF2-40B4-BE49-F238E27FC236}">
-                <a16:creationId xmlns:a16="http://schemas.microsoft.com/office/drawing/2014/main" id="{A636B67F-818A-86E8-E1BD-FC3325A8136C}"/>
+          <p:cNvPr id="5" name="Picture 4">
+            <a:extLst>
+              <a:ext uri="{FF2B5EF4-FFF2-40B4-BE49-F238E27FC236}">
+                <a16:creationId xmlns:a16="http://schemas.microsoft.com/office/drawing/2014/main" id="{FDE2FEFE-53C9-A259-38A2-B60DDECC11C4}"/>
               </a:ext>
             </a:extLst>
           </p:cNvPr>
@@ -6501,6 +6202,156 @@
         </p:nvPicPr>
         <p:blipFill>
           <a:blip r:embed="rId3">
+            <a:extLst>
+              <a:ext uri="{28A0092B-C50C-407E-A947-70E740481C1C}">
+                <a14:useLocalDpi xmlns:a14="http://schemas.microsoft.com/office/drawing/2010/main" val="0"/>
+              </a:ext>
+            </a:extLst>
+          </a:blip>
+          <a:srcRect/>
+          <a:stretch/>
+        </p:blipFill>
+        <p:spPr>
+          <a:xfrm>
+            <a:off x="944880" y="2031481"/>
+            <a:ext cx="4433002" cy="2227387"/>
+          </a:xfrm>
+          <a:prstGeom prst="rect">
+            <a:avLst/>
+          </a:prstGeom>
+        </p:spPr>
+      </p:pic>
+      <p:pic>
+        <p:nvPicPr>
+          <p:cNvPr id="8" name="Picture 7">
+            <a:extLst>
+              <a:ext uri="{FF2B5EF4-FFF2-40B4-BE49-F238E27FC236}">
+                <a16:creationId xmlns:a16="http://schemas.microsoft.com/office/drawing/2014/main" id="{54EA8667-7643-4BCC-4F91-3F3BB834A217}"/>
+              </a:ext>
+            </a:extLst>
+          </p:cNvPr>
+          <p:cNvPicPr>
+            <a:picLocks noChangeAspect="1"/>
+          </p:cNvPicPr>
+          <p:nvPr/>
+        </p:nvPicPr>
+        <p:blipFill>
+          <a:blip r:embed="rId4">
+            <a:extLst>
+              <a:ext uri="{28A0092B-C50C-407E-A947-70E740481C1C}">
+                <a14:useLocalDpi xmlns:a14="http://schemas.microsoft.com/office/drawing/2010/main" val="0"/>
+              </a:ext>
+            </a:extLst>
+          </a:blip>
+          <a:srcRect/>
+          <a:stretch/>
+        </p:blipFill>
+        <p:spPr>
+          <a:xfrm>
+            <a:off x="6322762" y="2021322"/>
+            <a:ext cx="4433002" cy="2227388"/>
+          </a:xfrm>
+          <a:prstGeom prst="rect">
+            <a:avLst/>
+          </a:prstGeom>
+        </p:spPr>
+      </p:pic>
+      <p:sp>
+        <p:nvSpPr>
+          <p:cNvPr id="15" name="TextBox 14">
+            <a:extLst>
+              <a:ext uri="{FF2B5EF4-FFF2-40B4-BE49-F238E27FC236}">
+                <a16:creationId xmlns:a16="http://schemas.microsoft.com/office/drawing/2014/main" id="{07C8DDB3-F82B-2DF6-A2FD-A41707ABD9EE}"/>
+              </a:ext>
+            </a:extLst>
+          </p:cNvPr>
+          <p:cNvSpPr txBox="1"/>
+          <p:nvPr/>
+        </p:nvSpPr>
+        <p:spPr>
+          <a:xfrm>
+            <a:off x="2301643" y="1234181"/>
+            <a:ext cx="1706880" cy="461665"/>
+          </a:xfrm>
+          <a:prstGeom prst="rect">
+            <a:avLst/>
+          </a:prstGeom>
+          <a:noFill/>
+        </p:spPr>
+        <p:txBody>
+          <a:bodyPr wrap="square" rtlCol="0">
+            <a:spAutoFit/>
+          </a:bodyPr>
+          <a:lstStyle/>
+          <a:p>
+            <a:r>
+              <a:rPr lang="en-IN" sz="2400" dirty="0">
+                <a:solidFill>
+                  <a:schemeClr val="bg1"/>
+                </a:solidFill>
+              </a:rPr>
+              <a:t>For 2014</a:t>
+            </a:r>
+            <a:endParaRPr lang="en-IN" sz="2400" dirty="0"/>
+          </a:p>
+        </p:txBody>
+      </p:sp>
+      <p:sp>
+        <p:nvSpPr>
+          <p:cNvPr id="16" name="TextBox 15">
+            <a:extLst>
+              <a:ext uri="{FF2B5EF4-FFF2-40B4-BE49-F238E27FC236}">
+                <a16:creationId xmlns:a16="http://schemas.microsoft.com/office/drawing/2014/main" id="{FC24405C-1EB8-2D24-8534-688552B97C15}"/>
+              </a:ext>
+            </a:extLst>
+          </p:cNvPr>
+          <p:cNvSpPr txBox="1"/>
+          <p:nvPr/>
+        </p:nvSpPr>
+        <p:spPr>
+          <a:xfrm>
+            <a:off x="7745755" y="1235641"/>
+            <a:ext cx="1706880" cy="461665"/>
+          </a:xfrm>
+          <a:prstGeom prst="rect">
+            <a:avLst/>
+          </a:prstGeom>
+          <a:noFill/>
+        </p:spPr>
+        <p:txBody>
+          <a:bodyPr wrap="square" rtlCol="0">
+            <a:spAutoFit/>
+          </a:bodyPr>
+          <a:lstStyle/>
+          <a:p>
+            <a:r>
+              <a:rPr lang="en-IN" sz="2400" dirty="0">
+                <a:solidFill>
+                  <a:schemeClr val="bg1"/>
+                </a:solidFill>
+              </a:rPr>
+              <a:t>For 2019</a:t>
+            </a:r>
+            <a:endParaRPr lang="en-IN" sz="2400" dirty="0"/>
+          </a:p>
+        </p:txBody>
+      </p:sp>
+      <p:pic>
+        <p:nvPicPr>
+          <p:cNvPr id="6" name="Picture 5" descr="A blue and white graph&#10;&#10;Description automatically generated">
+            <a:extLst>
+              <a:ext uri="{FF2B5EF4-FFF2-40B4-BE49-F238E27FC236}">
+                <a16:creationId xmlns:a16="http://schemas.microsoft.com/office/drawing/2014/main" id="{ADB74800-B32C-A0EC-C136-F4DED412E654}"/>
+              </a:ext>
+            </a:extLst>
+          </p:cNvPr>
+          <p:cNvPicPr>
+            <a:picLocks noChangeAspect="1"/>
+          </p:cNvPicPr>
+          <p:nvPr/>
+        </p:nvPicPr>
+        <p:blipFill>
+          <a:blip r:embed="rId5">
             <a:extLst>
               <a:ext uri="{28A0092B-C50C-407E-A947-70E740481C1C}">
                 <a14:useLocalDpi xmlns:a14="http://schemas.microsoft.com/office/drawing/2010/main" val="0"/>
@@ -6513,8 +6364,8 @@
         </p:blipFill>
         <p:spPr>
           <a:xfrm>
-            <a:off x="172720" y="1449919"/>
-            <a:ext cx="5557867" cy="4533445"/>
+            <a:off x="1731465" y="4807063"/>
+            <a:ext cx="3055326" cy="1502742"/>
           </a:xfrm>
           <a:prstGeom prst="rect">
             <a:avLst/>
@@ -6523,10 +6374,10 @@
       </p:pic>
       <p:pic>
         <p:nvPicPr>
-          <p:cNvPr id="11" name="Picture 10" descr="A screenshot of a computer screen">
-            <a:extLst>
-              <a:ext uri="{FF2B5EF4-FFF2-40B4-BE49-F238E27FC236}">
-                <a16:creationId xmlns:a16="http://schemas.microsoft.com/office/drawing/2014/main" id="{858C1889-C61A-023C-333F-FA91497F3606}"/>
+          <p:cNvPr id="11" name="Picture 10" descr="A blue and white circle with black text">
+            <a:extLst>
+              <a:ext uri="{FF2B5EF4-FFF2-40B4-BE49-F238E27FC236}">
+                <a16:creationId xmlns:a16="http://schemas.microsoft.com/office/drawing/2014/main" id="{4344ED55-B84B-BA86-B18C-B69DEE18F77D}"/>
               </a:ext>
             </a:extLst>
           </p:cNvPr>
@@ -6536,7 +6387,7 @@
           <p:nvPr/>
         </p:nvPicPr>
         <p:blipFill>
-          <a:blip r:embed="rId4">
+          <a:blip r:embed="rId6">
             <a:extLst>
               <a:ext uri="{28A0092B-C50C-407E-A947-70E740481C1C}">
                 <a14:useLocalDpi xmlns:a14="http://schemas.microsoft.com/office/drawing/2010/main" val="0"/>
@@ -6549,8 +6400,8 @@
         </p:blipFill>
         <p:spPr>
           <a:xfrm>
-            <a:off x="6018206" y="3331973"/>
-            <a:ext cx="5886174" cy="2620450"/>
+            <a:off x="6770020" y="4763474"/>
+            <a:ext cx="3071732" cy="1479953"/>
           </a:xfrm>
           <a:prstGeom prst="rect">
             <a:avLst/>
@@ -6560,7 +6411,7 @@
     </p:spTree>
     <p:extLst>
       <p:ext uri="{BB962C8B-B14F-4D97-AF65-F5344CB8AC3E}">
-        <p14:creationId xmlns:p14="http://schemas.microsoft.com/office/powerpoint/2010/main" val="3316225842"/>
+        <p14:creationId xmlns:p14="http://schemas.microsoft.com/office/powerpoint/2010/main" val="1265849457"/>
       </p:ext>
     </p:extLst>
   </p:cSld>
@@ -6625,10 +6476,10 @@
       </p:pic>
       <p:sp>
         <p:nvSpPr>
-          <p:cNvPr id="3" name="TextBox 2">
-            <a:extLst>
-              <a:ext uri="{FF2B5EF4-FFF2-40B4-BE49-F238E27FC236}">
-                <a16:creationId xmlns:a16="http://schemas.microsoft.com/office/drawing/2014/main" id="{DBDC4501-0B42-B56E-992E-BD8F6E90D887}"/>
+          <p:cNvPr id="2" name="TextBox 1">
+            <a:extLst>
+              <a:ext uri="{FF2B5EF4-FFF2-40B4-BE49-F238E27FC236}">
+                <a16:creationId xmlns:a16="http://schemas.microsoft.com/office/drawing/2014/main" id="{B088960D-C4F6-6C36-9A37-5235E419ECB7}"/>
               </a:ext>
             </a:extLst>
           </p:cNvPr>
@@ -6637,8 +6488,8 @@
         </p:nvSpPr>
         <p:spPr>
           <a:xfrm>
-            <a:off x="142240" y="279596"/>
-            <a:ext cx="10728960" cy="523220"/>
+            <a:off x="0" y="544338"/>
+            <a:ext cx="10728960" cy="461665"/>
           </a:xfrm>
           <a:prstGeom prst="rect">
             <a:avLst/>
@@ -6652,27 +6503,27 @@
           <a:lstStyle/>
           <a:p>
             <a:r>
-              <a:rPr lang="en-IN" sz="2800" b="1" dirty="0">
+              <a:rPr lang="en-IN" sz="2400" b="1" dirty="0">
                 <a:solidFill>
                   <a:schemeClr val="bg1"/>
                 </a:solidFill>
               </a:rPr>
-              <a:t>Correlation Analysis</a:t>
-            </a:r>
-            <a:endParaRPr lang="en-IN" sz="2800" dirty="0">
-              <a:solidFill>
-                <a:schemeClr val="bg1"/>
-              </a:solidFill>
-            </a:endParaRPr>
-          </a:p>
-        </p:txBody>
-      </p:sp>
-      <p:sp>
-        <p:nvSpPr>
-          <p:cNvPr id="25" name="TextBox 24">
-            <a:extLst>
-              <a:ext uri="{FF2B5EF4-FFF2-40B4-BE49-F238E27FC236}">
-                <a16:creationId xmlns:a16="http://schemas.microsoft.com/office/drawing/2014/main" id="{94D0437F-17DC-70CE-3BC7-7D4718551676}"/>
+              <a:t>3. Is there any correlation between GDP and Voter Turnout %</a:t>
+            </a:r>
+            <a:endParaRPr lang="en-IN" sz="3200" dirty="0">
+              <a:solidFill>
+                <a:schemeClr val="bg1"/>
+              </a:solidFill>
+            </a:endParaRPr>
+          </a:p>
+        </p:txBody>
+      </p:sp>
+      <p:sp>
+        <p:nvSpPr>
+          <p:cNvPr id="15" name="TextBox 14">
+            <a:extLst>
+              <a:ext uri="{FF2B5EF4-FFF2-40B4-BE49-F238E27FC236}">
+                <a16:creationId xmlns:a16="http://schemas.microsoft.com/office/drawing/2014/main" id="{07C8DDB3-F82B-2DF6-A2FD-A41707ABD9EE}"/>
               </a:ext>
             </a:extLst>
           </p:cNvPr>
@@ -6681,8 +6532,8 @@
         </p:nvSpPr>
         <p:spPr>
           <a:xfrm>
-            <a:off x="0" y="936803"/>
-            <a:ext cx="11612880" cy="14003834"/>
+            <a:off x="2383404" y="1289395"/>
+            <a:ext cx="1706880" cy="461665"/>
           </a:xfrm>
           <a:prstGeom prst="rect">
             <a:avLst/>
@@ -6690,374 +6541,211 @@
           <a:noFill/>
         </p:spPr>
         <p:txBody>
-          <a:bodyPr wrap="square">
+          <a:bodyPr wrap="square" rtlCol="0">
             <a:spAutoFit/>
           </a:bodyPr>
           <a:lstStyle/>
           <a:p>
-            <a:pPr marL="285750" indent="-285750">
-              <a:buFont typeface="Arial" panose="020B0604020202020204" pitchFamily="34" charset="0"/>
-              <a:buChar char="•"/>
-            </a:pPr>
-            <a:endParaRPr lang="en-IN" sz="1600" b="1" dirty="0">
-              <a:solidFill>
-                <a:schemeClr val="bg1"/>
-              </a:solidFill>
-            </a:endParaRPr>
-          </a:p>
-          <a:p>
-            <a:pPr marL="457200" indent="-457200">
-              <a:buFont typeface="Arial" panose="020B0604020202020204" pitchFamily="34" charset="0"/>
-              <a:buChar char="•"/>
-            </a:pPr>
-            <a:r>
-              <a:rPr lang="en-IN" sz="2000" dirty="0">
+            <a:r>
+              <a:rPr lang="en-IN" sz="2400" dirty="0">
                 <a:solidFill>
                   <a:schemeClr val="bg1"/>
                 </a:solidFill>
               </a:rPr>
-              <a:t>Correlation refers to the degree in which two variables are related. Its range is -1 to +1.</a:t>
-            </a:r>
-          </a:p>
-          <a:p>
-            <a:pPr marL="457200" indent="-457200">
-              <a:buFont typeface="Arial" panose="020B0604020202020204" pitchFamily="34" charset="0"/>
-              <a:buChar char="•"/>
-            </a:pPr>
-            <a:endParaRPr lang="en-IN" sz="2000" dirty="0">
-              <a:solidFill>
-                <a:schemeClr val="bg1"/>
-              </a:solidFill>
-            </a:endParaRPr>
-          </a:p>
-          <a:p>
-            <a:pPr marL="457200" indent="-457200">
-              <a:buFont typeface="Arial" panose="020B0604020202020204" pitchFamily="34" charset="0"/>
-              <a:buChar char="•"/>
-            </a:pPr>
-            <a:r>
-              <a:rPr lang="en-IN" sz="2000" dirty="0">
+              <a:t>For 2014</a:t>
+            </a:r>
+            <a:endParaRPr lang="en-IN" sz="2400" dirty="0"/>
+          </a:p>
+        </p:txBody>
+      </p:sp>
+      <p:sp>
+        <p:nvSpPr>
+          <p:cNvPr id="16" name="TextBox 15">
+            <a:extLst>
+              <a:ext uri="{FF2B5EF4-FFF2-40B4-BE49-F238E27FC236}">
+                <a16:creationId xmlns:a16="http://schemas.microsoft.com/office/drawing/2014/main" id="{FC24405C-1EB8-2D24-8534-688552B97C15}"/>
+              </a:ext>
+            </a:extLst>
+          </p:cNvPr>
+          <p:cNvSpPr txBox="1"/>
+          <p:nvPr/>
+        </p:nvSpPr>
+        <p:spPr>
+          <a:xfrm>
+            <a:off x="7705114" y="1223268"/>
+            <a:ext cx="1706880" cy="461665"/>
+          </a:xfrm>
+          <a:prstGeom prst="rect">
+            <a:avLst/>
+          </a:prstGeom>
+          <a:noFill/>
+        </p:spPr>
+        <p:txBody>
+          <a:bodyPr wrap="square" rtlCol="0">
+            <a:spAutoFit/>
+          </a:bodyPr>
+          <a:lstStyle/>
+          <a:p>
+            <a:r>
+              <a:rPr lang="en-IN" sz="2400" dirty="0">
                 <a:solidFill>
                   <a:schemeClr val="bg1"/>
                 </a:solidFill>
               </a:rPr>
-              <a:t>-1 indicates strong negative relationship while +1 indicates strong positive relationship while 0 refers to no relationship at all between the 2 variables.</a:t>
-            </a:r>
-          </a:p>
-          <a:p>
-            <a:pPr marL="457200" indent="-457200">
-              <a:buFont typeface="Arial" panose="020B0604020202020204" pitchFamily="34" charset="0"/>
-              <a:buChar char="•"/>
-            </a:pPr>
-            <a:endParaRPr lang="en-IN" sz="2000" dirty="0">
-              <a:solidFill>
-                <a:schemeClr val="bg1"/>
-              </a:solidFill>
-            </a:endParaRPr>
-          </a:p>
-          <a:p>
-            <a:pPr marL="457200" indent="-457200">
-              <a:buFont typeface="Arial" panose="020B0604020202020204" pitchFamily="34" charset="0"/>
-              <a:buChar char="•"/>
-            </a:pPr>
-            <a:r>
-              <a:rPr lang="en-IN" sz="2000" dirty="0">
-                <a:solidFill>
-                  <a:schemeClr val="bg1"/>
-                </a:solidFill>
-              </a:rPr>
-              <a:t>The correlation between Postal Votes % and Voter Turnout Ratio is approximately 0.15 average of both years) which tells a weak positive correlation between the 2 variables meaning as postal votes %  increases the polling % also increases slightly.</a:t>
-            </a:r>
-          </a:p>
-          <a:p>
-            <a:endParaRPr lang="en-IN" sz="2000" dirty="0">
-              <a:solidFill>
-                <a:schemeClr val="bg1"/>
-              </a:solidFill>
-            </a:endParaRPr>
-          </a:p>
-          <a:p>
-            <a:pPr marL="457200" indent="-457200">
-              <a:buFont typeface="Arial" panose="020B0604020202020204" pitchFamily="34" charset="0"/>
-              <a:buChar char="•"/>
-            </a:pPr>
-            <a:r>
-              <a:rPr lang="en-IN" sz="2000" dirty="0">
-                <a:solidFill>
-                  <a:schemeClr val="bg1"/>
-                </a:solidFill>
-              </a:rPr>
-              <a:t>The correlation between Literacy Rate % and Voter Turnout Ratio is approximately 0.26 (average of both years)  which tells a weak positive correlation between the 2 variables meaning as literacy rate increases  the  polling % also increases slightly.</a:t>
-            </a:r>
-          </a:p>
-          <a:p>
-            <a:pPr marL="457200" indent="-457200">
-              <a:buFont typeface="Arial" panose="020B0604020202020204" pitchFamily="34" charset="0"/>
-              <a:buChar char="•"/>
-            </a:pPr>
-            <a:endParaRPr lang="en-IN" sz="2000" dirty="0">
-              <a:solidFill>
-                <a:schemeClr val="bg1"/>
-              </a:solidFill>
-            </a:endParaRPr>
-          </a:p>
-          <a:p>
-            <a:pPr marL="457200" indent="-457200">
-              <a:buFont typeface="Arial" panose="020B0604020202020204" pitchFamily="34" charset="0"/>
-              <a:buChar char="•"/>
-            </a:pPr>
-            <a:r>
-              <a:rPr lang="en-IN" sz="2000" dirty="0">
-                <a:solidFill>
-                  <a:schemeClr val="bg1"/>
-                </a:solidFill>
-              </a:rPr>
-              <a:t>The correlation between GDP and Voter Turnout Ratio is approximately -0.48 (average of both years)  which tells a moderate negative correlation between the 2 variables meaning as GDP increases  the  polling % decreases moderately.</a:t>
-            </a:r>
-          </a:p>
-          <a:p>
-            <a:pPr marL="457200" indent="-457200">
-              <a:buFont typeface="Arial" panose="020B0604020202020204" pitchFamily="34" charset="0"/>
-              <a:buChar char="•"/>
-            </a:pPr>
-            <a:endParaRPr lang="en-IN" sz="2000" b="1" dirty="0">
-              <a:solidFill>
-                <a:schemeClr val="bg1"/>
-              </a:solidFill>
-            </a:endParaRPr>
-          </a:p>
-          <a:p>
-            <a:pPr marL="457200" indent="-457200">
-              <a:buFont typeface="Arial" panose="020B0604020202020204" pitchFamily="34" charset="0"/>
-              <a:buChar char="•"/>
-            </a:pPr>
-            <a:endParaRPr lang="en-IN" sz="2000" b="1" dirty="0">
-              <a:solidFill>
-                <a:schemeClr val="bg1"/>
-              </a:solidFill>
-            </a:endParaRPr>
-          </a:p>
-          <a:p>
-            <a:pPr marL="342900" indent="-342900">
-              <a:buFont typeface="Arial" panose="020B0604020202020204" pitchFamily="34" charset="0"/>
-              <a:buChar char="•"/>
-            </a:pPr>
-            <a:endParaRPr lang="en-IN" sz="2000" b="1" dirty="0">
-              <a:solidFill>
-                <a:schemeClr val="bg1"/>
-              </a:solidFill>
-            </a:endParaRPr>
-          </a:p>
-          <a:p>
-            <a:pPr marL="342900" indent="-342900">
-              <a:buFont typeface="Arial" panose="020B0604020202020204" pitchFamily="34" charset="0"/>
-              <a:buChar char="•"/>
-            </a:pPr>
-            <a:endParaRPr lang="en-IN" sz="2000" b="1" dirty="0">
-              <a:solidFill>
-                <a:schemeClr val="bg1"/>
-              </a:solidFill>
-            </a:endParaRPr>
-          </a:p>
-          <a:p>
-            <a:endParaRPr lang="en-IN" sz="2000" b="1" dirty="0">
-              <a:solidFill>
-                <a:schemeClr val="bg1"/>
-              </a:solidFill>
-            </a:endParaRPr>
-          </a:p>
-          <a:p>
-            <a:endParaRPr lang="en-IN" sz="2000" b="1" dirty="0">
-              <a:solidFill>
-                <a:schemeClr val="bg1"/>
-              </a:solidFill>
-            </a:endParaRPr>
-          </a:p>
-          <a:p>
-            <a:endParaRPr lang="en-IN" sz="2000" b="1" dirty="0">
-              <a:solidFill>
-                <a:schemeClr val="bg1"/>
-              </a:solidFill>
-            </a:endParaRPr>
-          </a:p>
-          <a:p>
-            <a:endParaRPr lang="en-IN" sz="2000" b="1" dirty="0">
-              <a:solidFill>
-                <a:schemeClr val="bg1"/>
-              </a:solidFill>
-            </a:endParaRPr>
-          </a:p>
-          <a:p>
-            <a:pPr marL="457200" indent="-457200">
-              <a:buFont typeface="Arial" panose="020B0604020202020204" pitchFamily="34" charset="0"/>
-              <a:buChar char="•"/>
-            </a:pPr>
-            <a:endParaRPr lang="en-IN" sz="2000" b="1" dirty="0">
-              <a:solidFill>
-                <a:schemeClr val="bg1"/>
-              </a:solidFill>
-            </a:endParaRPr>
-          </a:p>
-          <a:p>
-            <a:pPr marL="457200" indent="-457200">
-              <a:buFont typeface="Arial" panose="020B0604020202020204" pitchFamily="34" charset="0"/>
-              <a:buChar char="•"/>
-            </a:pPr>
-            <a:endParaRPr lang="en-IN" sz="2000" b="1" dirty="0">
-              <a:solidFill>
-                <a:schemeClr val="bg1"/>
-              </a:solidFill>
-            </a:endParaRPr>
-          </a:p>
-          <a:p>
-            <a:pPr marL="457200" indent="-457200">
-              <a:buFont typeface="Arial" panose="020B0604020202020204" pitchFamily="34" charset="0"/>
-              <a:buChar char="•"/>
-            </a:pPr>
-            <a:endParaRPr lang="en-IN" sz="2000" b="1" dirty="0">
-              <a:solidFill>
-                <a:schemeClr val="bg1"/>
-              </a:solidFill>
-            </a:endParaRPr>
-          </a:p>
-          <a:p>
-            <a:pPr marL="457200" indent="-457200">
-              <a:buFont typeface="Arial" panose="020B0604020202020204" pitchFamily="34" charset="0"/>
-              <a:buChar char="•"/>
-            </a:pPr>
-            <a:endParaRPr lang="en-IN" sz="2000" b="1" dirty="0">
-              <a:solidFill>
-                <a:schemeClr val="bg1"/>
-              </a:solidFill>
-            </a:endParaRPr>
-          </a:p>
-          <a:p>
-            <a:pPr marL="457200" indent="-457200">
-              <a:buFont typeface="Arial" panose="020B0604020202020204" pitchFamily="34" charset="0"/>
-              <a:buChar char="•"/>
-            </a:pPr>
-            <a:endParaRPr lang="en-IN" sz="2000" b="1" dirty="0">
-              <a:solidFill>
-                <a:schemeClr val="bg1"/>
-              </a:solidFill>
-            </a:endParaRPr>
-          </a:p>
-          <a:p>
-            <a:pPr marL="457200" indent="-457200">
-              <a:buFont typeface="Arial" panose="020B0604020202020204" pitchFamily="34" charset="0"/>
-              <a:buChar char="•"/>
-            </a:pPr>
-            <a:endParaRPr lang="en-IN" sz="2000" b="1" dirty="0">
-              <a:solidFill>
-                <a:schemeClr val="bg1"/>
-              </a:solidFill>
-            </a:endParaRPr>
-          </a:p>
-          <a:p>
-            <a:pPr marL="457200" indent="-457200">
-              <a:buFont typeface="Arial" panose="020B0604020202020204" pitchFamily="34" charset="0"/>
-              <a:buChar char="•"/>
-            </a:pPr>
-            <a:endParaRPr lang="en-IN" sz="3200" b="1" dirty="0">
-              <a:solidFill>
-                <a:schemeClr val="bg1"/>
-              </a:solidFill>
-            </a:endParaRPr>
-          </a:p>
-          <a:p>
-            <a:pPr marL="457200" indent="-457200">
-              <a:buFont typeface="Arial" panose="020B0604020202020204" pitchFamily="34" charset="0"/>
-              <a:buChar char="•"/>
-            </a:pPr>
-            <a:endParaRPr lang="en-IN" sz="3200" b="1" dirty="0">
-              <a:solidFill>
-                <a:schemeClr val="bg1"/>
-              </a:solidFill>
-            </a:endParaRPr>
-          </a:p>
-          <a:p>
-            <a:pPr marL="457200" indent="-457200">
-              <a:buFont typeface="Arial" panose="020B0604020202020204" pitchFamily="34" charset="0"/>
-              <a:buChar char="•"/>
-            </a:pPr>
-            <a:endParaRPr lang="en-IN" sz="3200" b="1" dirty="0">
-              <a:solidFill>
-                <a:schemeClr val="bg1"/>
-              </a:solidFill>
-            </a:endParaRPr>
-          </a:p>
-          <a:p>
-            <a:pPr marL="457200" indent="-457200">
-              <a:buFont typeface="Arial" panose="020B0604020202020204" pitchFamily="34" charset="0"/>
-              <a:buChar char="•"/>
-            </a:pPr>
-            <a:endParaRPr lang="en-IN" sz="3200" b="1" dirty="0">
-              <a:solidFill>
-                <a:schemeClr val="bg1"/>
-              </a:solidFill>
-            </a:endParaRPr>
-          </a:p>
-          <a:p>
-            <a:pPr marL="457200" indent="-457200">
-              <a:buFont typeface="Arial" panose="020B0604020202020204" pitchFamily="34" charset="0"/>
-              <a:buChar char="•"/>
-            </a:pPr>
-            <a:endParaRPr lang="en-IN" sz="3200" b="1" dirty="0">
-              <a:solidFill>
-                <a:schemeClr val="bg1"/>
-              </a:solidFill>
-            </a:endParaRPr>
-          </a:p>
-          <a:p>
-            <a:pPr marL="457200" indent="-457200">
-              <a:buFont typeface="Arial" panose="020B0604020202020204" pitchFamily="34" charset="0"/>
-              <a:buChar char="•"/>
-            </a:pPr>
-            <a:endParaRPr lang="en-IN" sz="3200" b="1" dirty="0">
-              <a:solidFill>
-                <a:schemeClr val="bg1"/>
-              </a:solidFill>
-            </a:endParaRPr>
-          </a:p>
-          <a:p>
-            <a:pPr marL="457200" indent="-457200">
-              <a:buFont typeface="Arial" panose="020B0604020202020204" pitchFamily="34" charset="0"/>
-              <a:buChar char="•"/>
-            </a:pPr>
-            <a:endParaRPr lang="en-IN" sz="3200" b="1" dirty="0">
-              <a:solidFill>
-                <a:schemeClr val="bg1"/>
-              </a:solidFill>
-            </a:endParaRPr>
-          </a:p>
-          <a:p>
-            <a:pPr marL="457200" indent="-457200">
-              <a:buFont typeface="Arial" panose="020B0604020202020204" pitchFamily="34" charset="0"/>
-              <a:buChar char="•"/>
-            </a:pPr>
-            <a:endParaRPr lang="en-IN" sz="3200" b="1" dirty="0">
-              <a:solidFill>
-                <a:schemeClr val="bg1"/>
-              </a:solidFill>
-            </a:endParaRPr>
-          </a:p>
-          <a:p>
-            <a:pPr marL="457200" indent="-457200">
-              <a:buFont typeface="Arial" panose="020B0604020202020204" pitchFamily="34" charset="0"/>
-              <a:buChar char="•"/>
-            </a:pPr>
-            <a:endParaRPr lang="en-IN" sz="3200" dirty="0">
-              <a:solidFill>
-                <a:schemeClr val="bg1"/>
-              </a:solidFill>
-            </a:endParaRPr>
-          </a:p>
-        </p:txBody>
-      </p:sp>
+              <a:t>For 2019</a:t>
+            </a:r>
+            <a:endParaRPr lang="en-IN" sz="2400" dirty="0"/>
+          </a:p>
+        </p:txBody>
+      </p:sp>
+      <p:pic>
+        <p:nvPicPr>
+          <p:cNvPr id="9" name="Picture 8" descr="A graph of blue dots&#10;&#10;Description automatically generated">
+            <a:extLst>
+              <a:ext uri="{FF2B5EF4-FFF2-40B4-BE49-F238E27FC236}">
+                <a16:creationId xmlns:a16="http://schemas.microsoft.com/office/drawing/2014/main" id="{DC766AE8-4FD6-DC38-EFE7-094C59A0E9BA}"/>
+              </a:ext>
+            </a:extLst>
+          </p:cNvPr>
+          <p:cNvPicPr>
+            <a:picLocks noChangeAspect="1"/>
+          </p:cNvPicPr>
+          <p:nvPr/>
+        </p:nvPicPr>
+        <p:blipFill>
+          <a:blip r:embed="rId3">
+            <a:extLst>
+              <a:ext uri="{28A0092B-C50C-407E-A947-70E740481C1C}">
+                <a14:useLocalDpi xmlns:a14="http://schemas.microsoft.com/office/drawing/2010/main" val="0"/>
+              </a:ext>
+            </a:extLst>
+          </a:blip>
+          <a:stretch>
+            <a:fillRect/>
+          </a:stretch>
+        </p:blipFill>
+        <p:spPr>
+          <a:xfrm>
+            <a:off x="915029" y="2034452"/>
+            <a:ext cx="4591691" cy="2300748"/>
+          </a:xfrm>
+          <a:prstGeom prst="rect">
+            <a:avLst/>
+          </a:prstGeom>
+        </p:spPr>
+      </p:pic>
+      <p:pic>
+        <p:nvPicPr>
+          <p:cNvPr id="12" name="Picture 11" descr="A blue and white circle with black text&#10;&#10;Description automatically generated">
+            <a:extLst>
+              <a:ext uri="{FF2B5EF4-FFF2-40B4-BE49-F238E27FC236}">
+                <a16:creationId xmlns:a16="http://schemas.microsoft.com/office/drawing/2014/main" id="{1B5A0ED7-DAC6-D357-6A86-A19D9A596D4F}"/>
+              </a:ext>
+            </a:extLst>
+          </p:cNvPr>
+          <p:cNvPicPr>
+            <a:picLocks noChangeAspect="1"/>
+          </p:cNvPicPr>
+          <p:nvPr/>
+        </p:nvPicPr>
+        <p:blipFill>
+          <a:blip r:embed="rId4">
+            <a:extLst>
+              <a:ext uri="{28A0092B-C50C-407E-A947-70E740481C1C}">
+                <a14:useLocalDpi xmlns:a14="http://schemas.microsoft.com/office/drawing/2010/main" val="0"/>
+              </a:ext>
+            </a:extLst>
+          </a:blip>
+          <a:stretch>
+            <a:fillRect/>
+          </a:stretch>
+        </p:blipFill>
+        <p:spPr>
+          <a:xfrm>
+            <a:off x="1739128" y="4618592"/>
+            <a:ext cx="2995432" cy="1305107"/>
+          </a:xfrm>
+          <a:prstGeom prst="rect">
+            <a:avLst/>
+          </a:prstGeom>
+        </p:spPr>
+      </p:pic>
+      <p:pic>
+        <p:nvPicPr>
+          <p:cNvPr id="14" name="Picture 13" descr="A blue and white pie chart">
+            <a:extLst>
+              <a:ext uri="{FF2B5EF4-FFF2-40B4-BE49-F238E27FC236}">
+                <a16:creationId xmlns:a16="http://schemas.microsoft.com/office/drawing/2014/main" id="{A54ED0E4-2E4F-9487-B5A7-DC8C322B2668}"/>
+              </a:ext>
+            </a:extLst>
+          </p:cNvPr>
+          <p:cNvPicPr>
+            <a:picLocks noChangeAspect="1"/>
+          </p:cNvPicPr>
+          <p:nvPr/>
+        </p:nvPicPr>
+        <p:blipFill>
+          <a:blip r:embed="rId5">
+            <a:extLst>
+              <a:ext uri="{28A0092B-C50C-407E-A947-70E740481C1C}">
+                <a14:useLocalDpi xmlns:a14="http://schemas.microsoft.com/office/drawing/2010/main" val="0"/>
+              </a:ext>
+            </a:extLst>
+          </a:blip>
+          <a:stretch>
+            <a:fillRect/>
+          </a:stretch>
+        </p:blipFill>
+        <p:spPr>
+          <a:xfrm>
+            <a:off x="7950118" y="4618592"/>
+            <a:ext cx="2923753" cy="1343212"/>
+          </a:xfrm>
+          <a:prstGeom prst="rect">
+            <a:avLst/>
+          </a:prstGeom>
+        </p:spPr>
+      </p:pic>
+      <p:pic>
+        <p:nvPicPr>
+          <p:cNvPr id="18" name="Picture 17" descr="A screen shot of a graph">
+            <a:extLst>
+              <a:ext uri="{FF2B5EF4-FFF2-40B4-BE49-F238E27FC236}">
+                <a16:creationId xmlns:a16="http://schemas.microsoft.com/office/drawing/2014/main" id="{0AC151B4-261E-C0D4-7DD0-6CCBF534C422}"/>
+              </a:ext>
+            </a:extLst>
+          </p:cNvPr>
+          <p:cNvPicPr>
+            <a:picLocks noChangeAspect="1"/>
+          </p:cNvPicPr>
+          <p:nvPr/>
+        </p:nvPicPr>
+        <p:blipFill>
+          <a:blip r:embed="rId6">
+            <a:extLst>
+              <a:ext uri="{28A0092B-C50C-407E-A947-70E740481C1C}">
+                <a14:useLocalDpi xmlns:a14="http://schemas.microsoft.com/office/drawing/2010/main" val="0"/>
+              </a:ext>
+            </a:extLst>
+          </a:blip>
+          <a:stretch>
+            <a:fillRect/>
+          </a:stretch>
+        </p:blipFill>
+        <p:spPr>
+          <a:xfrm>
+            <a:off x="6838628" y="2034453"/>
+            <a:ext cx="4610743" cy="2300748"/>
+          </a:xfrm>
+          <a:prstGeom prst="rect">
+            <a:avLst/>
+          </a:prstGeom>
+        </p:spPr>
+      </p:pic>
     </p:spTree>
     <p:extLst>
       <p:ext uri="{BB962C8B-B14F-4D97-AF65-F5344CB8AC3E}">
-        <p14:creationId xmlns:p14="http://schemas.microsoft.com/office/powerpoint/2010/main" val="1955531216"/>
+        <p14:creationId xmlns:p14="http://schemas.microsoft.com/office/powerpoint/2010/main" val="3132465381"/>
       </p:ext>
     </p:extLst>
   </p:cSld>
@@ -7122,10 +6810,10 @@
       </p:pic>
       <p:sp>
         <p:nvSpPr>
-          <p:cNvPr id="2" name="TextBox 1">
-            <a:extLst>
-              <a:ext uri="{FF2B5EF4-FFF2-40B4-BE49-F238E27FC236}">
-                <a16:creationId xmlns:a16="http://schemas.microsoft.com/office/drawing/2014/main" id="{B088960D-C4F6-6C36-9A37-5235E419ECB7}"/>
+          <p:cNvPr id="3" name="TextBox 2">
+            <a:extLst>
+              <a:ext uri="{FF2B5EF4-FFF2-40B4-BE49-F238E27FC236}">
+                <a16:creationId xmlns:a16="http://schemas.microsoft.com/office/drawing/2014/main" id="{DBDC4501-0B42-B56E-992E-BD8F6E90D887}"/>
               </a:ext>
             </a:extLst>
           </p:cNvPr>
@@ -7134,8 +6822,8 @@
         </p:nvSpPr>
         <p:spPr>
           <a:xfrm>
-            <a:off x="142240" y="934301"/>
-            <a:ext cx="10728960" cy="461665"/>
+            <a:off x="142240" y="279596"/>
+            <a:ext cx="10728960" cy="523220"/>
           </a:xfrm>
           <a:prstGeom prst="rect">
             <a:avLst/>
@@ -7149,27 +6837,27 @@
           <a:lstStyle/>
           <a:p>
             <a:r>
-              <a:rPr lang="en-IN" sz="2400" b="1" dirty="0">
+              <a:rPr lang="en-IN" sz="2800" b="1" dirty="0">
                 <a:solidFill>
                   <a:schemeClr val="bg1"/>
                 </a:solidFill>
               </a:rPr>
-              <a:t>1. Is there any correlation between postal votes % and Voter Turnout %</a:t>
-            </a:r>
-            <a:endParaRPr lang="en-IN" sz="3200" dirty="0">
-              <a:solidFill>
-                <a:schemeClr val="bg1"/>
-              </a:solidFill>
-            </a:endParaRPr>
-          </a:p>
-        </p:txBody>
-      </p:sp>
-      <p:sp>
-        <p:nvSpPr>
-          <p:cNvPr id="3" name="TextBox 2">
-            <a:extLst>
-              <a:ext uri="{FF2B5EF4-FFF2-40B4-BE49-F238E27FC236}">
-                <a16:creationId xmlns:a16="http://schemas.microsoft.com/office/drawing/2014/main" id="{DBDC4501-0B42-B56E-992E-BD8F6E90D887}"/>
+              <a:t>Correlation Analysis</a:t>
+            </a:r>
+            <a:endParaRPr lang="en-IN" sz="2800" dirty="0">
+              <a:solidFill>
+                <a:schemeClr val="bg1"/>
+              </a:solidFill>
+            </a:endParaRPr>
+          </a:p>
+        </p:txBody>
+      </p:sp>
+      <p:sp>
+        <p:nvSpPr>
+          <p:cNvPr id="25" name="TextBox 24">
+            <a:extLst>
+              <a:ext uri="{FF2B5EF4-FFF2-40B4-BE49-F238E27FC236}">
+                <a16:creationId xmlns:a16="http://schemas.microsoft.com/office/drawing/2014/main" id="{94D0437F-17DC-70CE-3BC7-7D4718551676}"/>
               </a:ext>
             </a:extLst>
           </p:cNvPr>
@@ -7178,8 +6866,8 @@
         </p:nvSpPr>
         <p:spPr>
           <a:xfrm>
-            <a:off x="142240" y="279596"/>
-            <a:ext cx="10728960" cy="523220"/>
+            <a:off x="0" y="936803"/>
+            <a:ext cx="11612880" cy="14003834"/>
           </a:xfrm>
           <a:prstGeom prst="rect">
             <a:avLst/>
@@ -7192,250 +6880,369 @@
           </a:bodyPr>
           <a:lstStyle/>
           <a:p>
-            <a:r>
-              <a:rPr lang="en-IN" sz="2800" b="1" dirty="0">
+            <a:pPr marL="285750" indent="-285750">
+              <a:buFont typeface="Arial" panose="020B0604020202020204" pitchFamily="34" charset="0"/>
+              <a:buChar char="•"/>
+            </a:pPr>
+            <a:endParaRPr lang="en-IN" sz="1600" b="1" dirty="0">
+              <a:solidFill>
+                <a:schemeClr val="bg1"/>
+              </a:solidFill>
+            </a:endParaRPr>
+          </a:p>
+          <a:p>
+            <a:pPr marL="457200" indent="-457200">
+              <a:buFont typeface="Arial" panose="020B0604020202020204" pitchFamily="34" charset="0"/>
+              <a:buChar char="•"/>
+            </a:pPr>
+            <a:r>
+              <a:rPr lang="en-IN" sz="2000" dirty="0">
                 <a:solidFill>
                   <a:schemeClr val="bg1"/>
                 </a:solidFill>
               </a:rPr>
-              <a:t>Secondary Analysis</a:t>
-            </a:r>
-            <a:endParaRPr lang="en-IN" sz="2800" dirty="0">
-              <a:solidFill>
-                <a:schemeClr val="bg1"/>
-              </a:solidFill>
-            </a:endParaRPr>
-          </a:p>
-        </p:txBody>
-      </p:sp>
-      <p:sp>
-        <p:nvSpPr>
-          <p:cNvPr id="15" name="TextBox 14">
-            <a:extLst>
-              <a:ext uri="{FF2B5EF4-FFF2-40B4-BE49-F238E27FC236}">
-                <a16:creationId xmlns:a16="http://schemas.microsoft.com/office/drawing/2014/main" id="{07C8DDB3-F82B-2DF6-A2FD-A41707ABD9EE}"/>
-              </a:ext>
-            </a:extLst>
-          </p:cNvPr>
-          <p:cNvSpPr txBox="1"/>
-          <p:nvPr/>
-        </p:nvSpPr>
-        <p:spPr>
-          <a:xfrm>
-            <a:off x="2304807" y="1650876"/>
-            <a:ext cx="1706880" cy="461665"/>
-          </a:xfrm>
-          <a:prstGeom prst="rect">
-            <a:avLst/>
-          </a:prstGeom>
-          <a:noFill/>
-        </p:spPr>
-        <p:txBody>
-          <a:bodyPr wrap="square" rtlCol="0">
-            <a:spAutoFit/>
-          </a:bodyPr>
-          <a:lstStyle/>
-          <a:p>
-            <a:r>
-              <a:rPr lang="en-IN" sz="2400" dirty="0">
+              <a:t>Correlation refers to the degree in which two variables are related. Its range is -1 to +1.</a:t>
+            </a:r>
+          </a:p>
+          <a:p>
+            <a:pPr marL="457200" indent="-457200">
+              <a:buFont typeface="Arial" panose="020B0604020202020204" pitchFamily="34" charset="0"/>
+              <a:buChar char="•"/>
+            </a:pPr>
+            <a:endParaRPr lang="en-IN" sz="2000" dirty="0">
+              <a:solidFill>
+                <a:schemeClr val="bg1"/>
+              </a:solidFill>
+            </a:endParaRPr>
+          </a:p>
+          <a:p>
+            <a:pPr marL="457200" indent="-457200">
+              <a:buFont typeface="Arial" panose="020B0604020202020204" pitchFamily="34" charset="0"/>
+              <a:buChar char="•"/>
+            </a:pPr>
+            <a:r>
+              <a:rPr lang="en-IN" sz="2000" dirty="0">
                 <a:solidFill>
                   <a:schemeClr val="bg1"/>
                 </a:solidFill>
               </a:rPr>
-              <a:t>For 2014</a:t>
-            </a:r>
-            <a:endParaRPr lang="en-IN" sz="2400" dirty="0"/>
-          </a:p>
-        </p:txBody>
-      </p:sp>
-      <p:sp>
-        <p:nvSpPr>
-          <p:cNvPr id="16" name="TextBox 15">
-            <a:extLst>
-              <a:ext uri="{FF2B5EF4-FFF2-40B4-BE49-F238E27FC236}">
-                <a16:creationId xmlns:a16="http://schemas.microsoft.com/office/drawing/2014/main" id="{FC24405C-1EB8-2D24-8534-688552B97C15}"/>
-              </a:ext>
-            </a:extLst>
-          </p:cNvPr>
-          <p:cNvSpPr txBox="1"/>
-          <p:nvPr/>
-        </p:nvSpPr>
-        <p:spPr>
-          <a:xfrm>
-            <a:off x="7705115" y="1671367"/>
-            <a:ext cx="1706880" cy="461665"/>
-          </a:xfrm>
-          <a:prstGeom prst="rect">
-            <a:avLst/>
-          </a:prstGeom>
-          <a:noFill/>
-        </p:spPr>
-        <p:txBody>
-          <a:bodyPr wrap="square" rtlCol="0">
-            <a:spAutoFit/>
-          </a:bodyPr>
-          <a:lstStyle/>
-          <a:p>
-            <a:r>
-              <a:rPr lang="en-IN" sz="2400" dirty="0">
+              <a:t>-1 indicates strong negative relationship while +1 indicates strong positive relationship while 0 refers to no relationship at all between the 2 variables.</a:t>
+            </a:r>
+          </a:p>
+          <a:p>
+            <a:pPr marL="457200" indent="-457200">
+              <a:buFont typeface="Arial" panose="020B0604020202020204" pitchFamily="34" charset="0"/>
+              <a:buChar char="•"/>
+            </a:pPr>
+            <a:endParaRPr lang="en-IN" sz="2000" dirty="0">
+              <a:solidFill>
+                <a:schemeClr val="bg1"/>
+              </a:solidFill>
+            </a:endParaRPr>
+          </a:p>
+          <a:p>
+            <a:pPr marL="457200" indent="-457200">
+              <a:buFont typeface="Arial" panose="020B0604020202020204" pitchFamily="34" charset="0"/>
+              <a:buChar char="•"/>
+            </a:pPr>
+            <a:r>
+              <a:rPr lang="en-IN" sz="2000" dirty="0">
                 <a:solidFill>
                   <a:schemeClr val="bg1"/>
                 </a:solidFill>
               </a:rPr>
-              <a:t>For 2019</a:t>
-            </a:r>
-            <a:endParaRPr lang="en-IN" sz="2400" dirty="0"/>
-          </a:p>
-        </p:txBody>
-      </p:sp>
-      <p:pic>
-        <p:nvPicPr>
-          <p:cNvPr id="18" name="Picture 17" descr="A graph with blue dots&#10;&#10;Description automatically generated">
-            <a:extLst>
-              <a:ext uri="{FF2B5EF4-FFF2-40B4-BE49-F238E27FC236}">
-                <a16:creationId xmlns:a16="http://schemas.microsoft.com/office/drawing/2014/main" id="{13A507EC-3DD1-39FB-3283-139ADFBCCA10}"/>
-              </a:ext>
-            </a:extLst>
-          </p:cNvPr>
-          <p:cNvPicPr>
-            <a:picLocks noChangeAspect="1"/>
-          </p:cNvPicPr>
-          <p:nvPr/>
-        </p:nvPicPr>
-        <p:blipFill>
-          <a:blip r:embed="rId3">
-            <a:extLst>
-              <a:ext uri="{28A0092B-C50C-407E-A947-70E740481C1C}">
-                <a14:useLocalDpi xmlns:a14="http://schemas.microsoft.com/office/drawing/2010/main" val="0"/>
-              </a:ext>
-            </a:extLst>
-          </a:blip>
-          <a:stretch>
-            <a:fillRect/>
-          </a:stretch>
-        </p:blipFill>
-        <p:spPr>
-          <a:xfrm>
-            <a:off x="1075986" y="2337132"/>
-            <a:ext cx="4639322" cy="2105319"/>
-          </a:xfrm>
-          <a:prstGeom prst="rect">
-            <a:avLst/>
-          </a:prstGeom>
-        </p:spPr>
-      </p:pic>
-      <p:pic>
-        <p:nvPicPr>
-          <p:cNvPr id="20" name="Picture 19" descr="A blue and white pie chart&#10;&#10;Description automatically generated">
-            <a:extLst>
-              <a:ext uri="{FF2B5EF4-FFF2-40B4-BE49-F238E27FC236}">
-                <a16:creationId xmlns:a16="http://schemas.microsoft.com/office/drawing/2014/main" id="{B62C6F99-9F79-7028-644D-2A3849D216B4}"/>
-              </a:ext>
-            </a:extLst>
-          </p:cNvPr>
-          <p:cNvPicPr>
-            <a:picLocks noChangeAspect="1"/>
-          </p:cNvPicPr>
-          <p:nvPr/>
-        </p:nvPicPr>
-        <p:blipFill>
-          <a:blip r:embed="rId4">
-            <a:extLst>
-              <a:ext uri="{28A0092B-C50C-407E-A947-70E740481C1C}">
-                <a14:useLocalDpi xmlns:a14="http://schemas.microsoft.com/office/drawing/2010/main" val="0"/>
-              </a:ext>
-            </a:extLst>
-          </a:blip>
-          <a:stretch>
-            <a:fillRect/>
-          </a:stretch>
-        </p:blipFill>
-        <p:spPr>
-          <a:xfrm>
-            <a:off x="2004688" y="4667042"/>
-            <a:ext cx="2698208" cy="1648055"/>
-          </a:xfrm>
-          <a:prstGeom prst="rect">
-            <a:avLst/>
-          </a:prstGeom>
-        </p:spPr>
-      </p:pic>
-      <p:pic>
-        <p:nvPicPr>
-          <p:cNvPr id="22" name="Picture 21" descr="A graph of blue dots&#10;&#10;Description automatically generated">
-            <a:extLst>
-              <a:ext uri="{FF2B5EF4-FFF2-40B4-BE49-F238E27FC236}">
-                <a16:creationId xmlns:a16="http://schemas.microsoft.com/office/drawing/2014/main" id="{6CB6F868-0D84-13BC-702B-798BA8B42DCC}"/>
-              </a:ext>
-            </a:extLst>
-          </p:cNvPr>
-          <p:cNvPicPr>
-            <a:picLocks noChangeAspect="1"/>
-          </p:cNvPicPr>
-          <p:nvPr/>
-        </p:nvPicPr>
-        <p:blipFill>
-          <a:blip r:embed="rId5">
-            <a:extLst>
-              <a:ext uri="{28A0092B-C50C-407E-A947-70E740481C1C}">
-                <a14:useLocalDpi xmlns:a14="http://schemas.microsoft.com/office/drawing/2010/main" val="0"/>
-              </a:ext>
-            </a:extLst>
-          </a:blip>
-          <a:stretch>
-            <a:fillRect/>
-          </a:stretch>
-        </p:blipFill>
-        <p:spPr>
-          <a:xfrm>
-            <a:off x="6648282" y="2351421"/>
-            <a:ext cx="4610743" cy="2076740"/>
-          </a:xfrm>
-          <a:prstGeom prst="rect">
-            <a:avLst/>
-          </a:prstGeom>
-        </p:spPr>
-      </p:pic>
-      <p:pic>
-        <p:nvPicPr>
-          <p:cNvPr id="24" name="Picture 23" descr="A blue and white circular object with black text">
-            <a:extLst>
-              <a:ext uri="{FF2B5EF4-FFF2-40B4-BE49-F238E27FC236}">
-                <a16:creationId xmlns:a16="http://schemas.microsoft.com/office/drawing/2014/main" id="{ADF409A4-97A9-C13C-32C0-E0A79D369A2D}"/>
-              </a:ext>
-            </a:extLst>
-          </p:cNvPr>
-          <p:cNvPicPr>
-            <a:picLocks noChangeAspect="1"/>
-          </p:cNvPicPr>
-          <p:nvPr/>
-        </p:nvPicPr>
-        <p:blipFill>
-          <a:blip r:embed="rId6">
-            <a:extLst>
-              <a:ext uri="{28A0092B-C50C-407E-A947-70E740481C1C}">
-                <a14:useLocalDpi xmlns:a14="http://schemas.microsoft.com/office/drawing/2010/main" val="0"/>
-              </a:ext>
-            </a:extLst>
-          </a:blip>
-          <a:stretch>
-            <a:fillRect/>
-          </a:stretch>
-        </p:blipFill>
-        <p:spPr>
-          <a:xfrm>
-            <a:off x="7719993" y="4646550"/>
-            <a:ext cx="2785447" cy="1657581"/>
-          </a:xfrm>
-          <a:prstGeom prst="rect">
-            <a:avLst/>
-          </a:prstGeom>
-        </p:spPr>
-      </p:pic>
+              <a:t>The correlation between Postal Votes % and Voter Turnout Ratio is approximately 0.15 average of both years) which tells a weak positive correlation between the 2 variables meaning as postal votes %  increases the polling % also increases slightly.</a:t>
+            </a:r>
+          </a:p>
+          <a:p>
+            <a:endParaRPr lang="en-IN" sz="2000" dirty="0">
+              <a:solidFill>
+                <a:schemeClr val="bg1"/>
+              </a:solidFill>
+            </a:endParaRPr>
+          </a:p>
+          <a:p>
+            <a:pPr marL="457200" indent="-457200">
+              <a:buFont typeface="Arial" panose="020B0604020202020204" pitchFamily="34" charset="0"/>
+              <a:buChar char="•"/>
+            </a:pPr>
+            <a:r>
+              <a:rPr lang="en-IN" sz="2000" dirty="0">
+                <a:solidFill>
+                  <a:schemeClr val="bg1"/>
+                </a:solidFill>
+              </a:rPr>
+              <a:t>The correlation between Literacy Rate % and Voter Turnout Ratio is approximately 0.26 (average of both years)  which tells a weak positive correlation between the 2 variables meaning as literacy rate increases  the  polling % also increases slightly.</a:t>
+            </a:r>
+          </a:p>
+          <a:p>
+            <a:pPr marL="457200" indent="-457200">
+              <a:buFont typeface="Arial" panose="020B0604020202020204" pitchFamily="34" charset="0"/>
+              <a:buChar char="•"/>
+            </a:pPr>
+            <a:endParaRPr lang="en-IN" sz="2000" dirty="0">
+              <a:solidFill>
+                <a:schemeClr val="bg1"/>
+              </a:solidFill>
+            </a:endParaRPr>
+          </a:p>
+          <a:p>
+            <a:pPr marL="457200" indent="-457200">
+              <a:buFont typeface="Arial" panose="020B0604020202020204" pitchFamily="34" charset="0"/>
+              <a:buChar char="•"/>
+            </a:pPr>
+            <a:r>
+              <a:rPr lang="en-IN" sz="2000" dirty="0">
+                <a:solidFill>
+                  <a:schemeClr val="bg1"/>
+                </a:solidFill>
+              </a:rPr>
+              <a:t>The correlation between GDP and Voter Turnout Ratio is approximately -0.48 (average of both years)  which tells a moderate negative correlation between the 2 variables meaning as GDP increases  the  polling % decreases moderately.</a:t>
+            </a:r>
+          </a:p>
+          <a:p>
+            <a:pPr marL="457200" indent="-457200">
+              <a:buFont typeface="Arial" panose="020B0604020202020204" pitchFamily="34" charset="0"/>
+              <a:buChar char="•"/>
+            </a:pPr>
+            <a:endParaRPr lang="en-IN" sz="2000" b="1" dirty="0">
+              <a:solidFill>
+                <a:schemeClr val="bg1"/>
+              </a:solidFill>
+            </a:endParaRPr>
+          </a:p>
+          <a:p>
+            <a:pPr marL="457200" indent="-457200">
+              <a:buFont typeface="Arial" panose="020B0604020202020204" pitchFamily="34" charset="0"/>
+              <a:buChar char="•"/>
+            </a:pPr>
+            <a:endParaRPr lang="en-IN" sz="2000" b="1" dirty="0">
+              <a:solidFill>
+                <a:schemeClr val="bg1"/>
+              </a:solidFill>
+            </a:endParaRPr>
+          </a:p>
+          <a:p>
+            <a:pPr marL="342900" indent="-342900">
+              <a:buFont typeface="Arial" panose="020B0604020202020204" pitchFamily="34" charset="0"/>
+              <a:buChar char="•"/>
+            </a:pPr>
+            <a:endParaRPr lang="en-IN" sz="2000" b="1" dirty="0">
+              <a:solidFill>
+                <a:schemeClr val="bg1"/>
+              </a:solidFill>
+            </a:endParaRPr>
+          </a:p>
+          <a:p>
+            <a:pPr marL="342900" indent="-342900">
+              <a:buFont typeface="Arial" panose="020B0604020202020204" pitchFamily="34" charset="0"/>
+              <a:buChar char="•"/>
+            </a:pPr>
+            <a:endParaRPr lang="en-IN" sz="2000" b="1" dirty="0">
+              <a:solidFill>
+                <a:schemeClr val="bg1"/>
+              </a:solidFill>
+            </a:endParaRPr>
+          </a:p>
+          <a:p>
+            <a:endParaRPr lang="en-IN" sz="2000" b="1" dirty="0">
+              <a:solidFill>
+                <a:schemeClr val="bg1"/>
+              </a:solidFill>
+            </a:endParaRPr>
+          </a:p>
+          <a:p>
+            <a:endParaRPr lang="en-IN" sz="2000" b="1" dirty="0">
+              <a:solidFill>
+                <a:schemeClr val="bg1"/>
+              </a:solidFill>
+            </a:endParaRPr>
+          </a:p>
+          <a:p>
+            <a:endParaRPr lang="en-IN" sz="2000" b="1" dirty="0">
+              <a:solidFill>
+                <a:schemeClr val="bg1"/>
+              </a:solidFill>
+            </a:endParaRPr>
+          </a:p>
+          <a:p>
+            <a:endParaRPr lang="en-IN" sz="2000" b="1" dirty="0">
+              <a:solidFill>
+                <a:schemeClr val="bg1"/>
+              </a:solidFill>
+            </a:endParaRPr>
+          </a:p>
+          <a:p>
+            <a:pPr marL="457200" indent="-457200">
+              <a:buFont typeface="Arial" panose="020B0604020202020204" pitchFamily="34" charset="0"/>
+              <a:buChar char="•"/>
+            </a:pPr>
+            <a:endParaRPr lang="en-IN" sz="2000" b="1" dirty="0">
+              <a:solidFill>
+                <a:schemeClr val="bg1"/>
+              </a:solidFill>
+            </a:endParaRPr>
+          </a:p>
+          <a:p>
+            <a:pPr marL="457200" indent="-457200">
+              <a:buFont typeface="Arial" panose="020B0604020202020204" pitchFamily="34" charset="0"/>
+              <a:buChar char="•"/>
+            </a:pPr>
+            <a:endParaRPr lang="en-IN" sz="2000" b="1" dirty="0">
+              <a:solidFill>
+                <a:schemeClr val="bg1"/>
+              </a:solidFill>
+            </a:endParaRPr>
+          </a:p>
+          <a:p>
+            <a:pPr marL="457200" indent="-457200">
+              <a:buFont typeface="Arial" panose="020B0604020202020204" pitchFamily="34" charset="0"/>
+              <a:buChar char="•"/>
+            </a:pPr>
+            <a:endParaRPr lang="en-IN" sz="2000" b="1" dirty="0">
+              <a:solidFill>
+                <a:schemeClr val="bg1"/>
+              </a:solidFill>
+            </a:endParaRPr>
+          </a:p>
+          <a:p>
+            <a:pPr marL="457200" indent="-457200">
+              <a:buFont typeface="Arial" panose="020B0604020202020204" pitchFamily="34" charset="0"/>
+              <a:buChar char="•"/>
+            </a:pPr>
+            <a:endParaRPr lang="en-IN" sz="2000" b="1" dirty="0">
+              <a:solidFill>
+                <a:schemeClr val="bg1"/>
+              </a:solidFill>
+            </a:endParaRPr>
+          </a:p>
+          <a:p>
+            <a:pPr marL="457200" indent="-457200">
+              <a:buFont typeface="Arial" panose="020B0604020202020204" pitchFamily="34" charset="0"/>
+              <a:buChar char="•"/>
+            </a:pPr>
+            <a:endParaRPr lang="en-IN" sz="2000" b="1" dirty="0">
+              <a:solidFill>
+                <a:schemeClr val="bg1"/>
+              </a:solidFill>
+            </a:endParaRPr>
+          </a:p>
+          <a:p>
+            <a:pPr marL="457200" indent="-457200">
+              <a:buFont typeface="Arial" panose="020B0604020202020204" pitchFamily="34" charset="0"/>
+              <a:buChar char="•"/>
+            </a:pPr>
+            <a:endParaRPr lang="en-IN" sz="2000" b="1" dirty="0">
+              <a:solidFill>
+                <a:schemeClr val="bg1"/>
+              </a:solidFill>
+            </a:endParaRPr>
+          </a:p>
+          <a:p>
+            <a:pPr marL="457200" indent="-457200">
+              <a:buFont typeface="Arial" panose="020B0604020202020204" pitchFamily="34" charset="0"/>
+              <a:buChar char="•"/>
+            </a:pPr>
+            <a:endParaRPr lang="en-IN" sz="3200" b="1" dirty="0">
+              <a:solidFill>
+                <a:schemeClr val="bg1"/>
+              </a:solidFill>
+            </a:endParaRPr>
+          </a:p>
+          <a:p>
+            <a:pPr marL="457200" indent="-457200">
+              <a:buFont typeface="Arial" panose="020B0604020202020204" pitchFamily="34" charset="0"/>
+              <a:buChar char="•"/>
+            </a:pPr>
+            <a:endParaRPr lang="en-IN" sz="3200" b="1" dirty="0">
+              <a:solidFill>
+                <a:schemeClr val="bg1"/>
+              </a:solidFill>
+            </a:endParaRPr>
+          </a:p>
+          <a:p>
+            <a:pPr marL="457200" indent="-457200">
+              <a:buFont typeface="Arial" panose="020B0604020202020204" pitchFamily="34" charset="0"/>
+              <a:buChar char="•"/>
+            </a:pPr>
+            <a:endParaRPr lang="en-IN" sz="3200" b="1" dirty="0">
+              <a:solidFill>
+                <a:schemeClr val="bg1"/>
+              </a:solidFill>
+            </a:endParaRPr>
+          </a:p>
+          <a:p>
+            <a:pPr marL="457200" indent="-457200">
+              <a:buFont typeface="Arial" panose="020B0604020202020204" pitchFamily="34" charset="0"/>
+              <a:buChar char="•"/>
+            </a:pPr>
+            <a:endParaRPr lang="en-IN" sz="3200" b="1" dirty="0">
+              <a:solidFill>
+                <a:schemeClr val="bg1"/>
+              </a:solidFill>
+            </a:endParaRPr>
+          </a:p>
+          <a:p>
+            <a:pPr marL="457200" indent="-457200">
+              <a:buFont typeface="Arial" panose="020B0604020202020204" pitchFamily="34" charset="0"/>
+              <a:buChar char="•"/>
+            </a:pPr>
+            <a:endParaRPr lang="en-IN" sz="3200" b="1" dirty="0">
+              <a:solidFill>
+                <a:schemeClr val="bg1"/>
+              </a:solidFill>
+            </a:endParaRPr>
+          </a:p>
+          <a:p>
+            <a:pPr marL="457200" indent="-457200">
+              <a:buFont typeface="Arial" panose="020B0604020202020204" pitchFamily="34" charset="0"/>
+              <a:buChar char="•"/>
+            </a:pPr>
+            <a:endParaRPr lang="en-IN" sz="3200" b="1" dirty="0">
+              <a:solidFill>
+                <a:schemeClr val="bg1"/>
+              </a:solidFill>
+            </a:endParaRPr>
+          </a:p>
+          <a:p>
+            <a:pPr marL="457200" indent="-457200">
+              <a:buFont typeface="Arial" panose="020B0604020202020204" pitchFamily="34" charset="0"/>
+              <a:buChar char="•"/>
+            </a:pPr>
+            <a:endParaRPr lang="en-IN" sz="3200" b="1" dirty="0">
+              <a:solidFill>
+                <a:schemeClr val="bg1"/>
+              </a:solidFill>
+            </a:endParaRPr>
+          </a:p>
+          <a:p>
+            <a:pPr marL="457200" indent="-457200">
+              <a:buFont typeface="Arial" panose="020B0604020202020204" pitchFamily="34" charset="0"/>
+              <a:buChar char="•"/>
+            </a:pPr>
+            <a:endParaRPr lang="en-IN" sz="3200" b="1" dirty="0">
+              <a:solidFill>
+                <a:schemeClr val="bg1"/>
+              </a:solidFill>
+            </a:endParaRPr>
+          </a:p>
+          <a:p>
+            <a:pPr marL="457200" indent="-457200">
+              <a:buFont typeface="Arial" panose="020B0604020202020204" pitchFamily="34" charset="0"/>
+              <a:buChar char="•"/>
+            </a:pPr>
+            <a:endParaRPr lang="en-IN" sz="3200" dirty="0">
+              <a:solidFill>
+                <a:schemeClr val="bg1"/>
+              </a:solidFill>
+            </a:endParaRPr>
+          </a:p>
+        </p:txBody>
+      </p:sp>
     </p:spTree>
     <p:extLst>
       <p:ext uri="{BB962C8B-B14F-4D97-AF65-F5344CB8AC3E}">
-        <p14:creationId xmlns:p14="http://schemas.microsoft.com/office/powerpoint/2010/main" val="371128530"/>
+        <p14:creationId xmlns:p14="http://schemas.microsoft.com/office/powerpoint/2010/main" val="1955531216"/>
       </p:ext>
     </p:extLst>
   </p:cSld>
@@ -7500,10 +7307,10 @@
       </p:pic>
       <p:sp>
         <p:nvSpPr>
-          <p:cNvPr id="2" name="TextBox 1">
-            <a:extLst>
-              <a:ext uri="{FF2B5EF4-FFF2-40B4-BE49-F238E27FC236}">
-                <a16:creationId xmlns:a16="http://schemas.microsoft.com/office/drawing/2014/main" id="{B088960D-C4F6-6C36-9A37-5235E419ECB7}"/>
+          <p:cNvPr id="5" name="TextBox 4">
+            <a:extLst>
+              <a:ext uri="{FF2B5EF4-FFF2-40B4-BE49-F238E27FC236}">
+                <a16:creationId xmlns:a16="http://schemas.microsoft.com/office/drawing/2014/main" id="{E6114500-1593-C8BE-36BD-7131F27926D4}"/>
               </a:ext>
             </a:extLst>
           </p:cNvPr>
@@ -7512,8 +7319,8 @@
         </p:nvSpPr>
         <p:spPr>
           <a:xfrm>
-            <a:off x="142240" y="934301"/>
-            <a:ext cx="10728960" cy="461665"/>
+            <a:off x="213360" y="176014"/>
+            <a:ext cx="6156960" cy="584775"/>
           </a:xfrm>
           <a:prstGeom prst="rect">
             <a:avLst/>
@@ -7527,12 +7334,12 @@
           <a:lstStyle/>
           <a:p>
             <a:r>
-              <a:rPr lang="en-IN" sz="2400" b="1" dirty="0">
+              <a:rPr lang="en-IN" sz="3200" b="1" dirty="0">
                 <a:solidFill>
                   <a:schemeClr val="bg1"/>
                 </a:solidFill>
               </a:rPr>
-              <a:t>2. Is there any correlation between literacy rate and Voter Turnout %</a:t>
+              <a:t>Voter Turnout Ratio</a:t>
             </a:r>
             <a:endParaRPr lang="en-IN" sz="3200" dirty="0">
               <a:solidFill>
@@ -7544,10 +7351,10 @@
       </p:sp>
       <p:sp>
         <p:nvSpPr>
-          <p:cNvPr id="3" name="TextBox 2">
-            <a:extLst>
-              <a:ext uri="{FF2B5EF4-FFF2-40B4-BE49-F238E27FC236}">
-                <a16:creationId xmlns:a16="http://schemas.microsoft.com/office/drawing/2014/main" id="{DBDC4501-0B42-B56E-992E-BD8F6E90D887}"/>
+          <p:cNvPr id="6" name="TextBox 5">
+            <a:extLst>
+              <a:ext uri="{FF2B5EF4-FFF2-40B4-BE49-F238E27FC236}">
+                <a16:creationId xmlns:a16="http://schemas.microsoft.com/office/drawing/2014/main" id="{A6B1D2D3-5B9F-6378-93EB-0839BFC7F145}"/>
               </a:ext>
             </a:extLst>
           </p:cNvPr>
@@ -7556,8 +7363,8 @@
         </p:nvSpPr>
         <p:spPr>
           <a:xfrm>
-            <a:off x="142240" y="279596"/>
-            <a:ext cx="10728960" cy="523220"/>
+            <a:off x="0" y="936803"/>
+            <a:ext cx="11612880" cy="10310515"/>
           </a:xfrm>
           <a:prstGeom prst="rect">
             <a:avLst/>
@@ -7570,248 +7377,418 @@
           </a:bodyPr>
           <a:lstStyle/>
           <a:p>
-            <a:r>
-              <a:rPr lang="en-IN" sz="2800" b="1" dirty="0">
+            <a:pPr marL="285750" indent="-285750">
+              <a:buFont typeface="Arial" panose="020B0604020202020204" pitchFamily="34" charset="0"/>
+              <a:buChar char="•"/>
+            </a:pPr>
+            <a:endParaRPr lang="en-IN" sz="1600" b="1" dirty="0">
+              <a:solidFill>
+                <a:schemeClr val="bg1"/>
+              </a:solidFill>
+            </a:endParaRPr>
+          </a:p>
+          <a:p>
+            <a:pPr marL="457200" indent="-457200">
+              <a:buFont typeface="Arial" panose="020B0604020202020204" pitchFamily="34" charset="0"/>
+              <a:buChar char="•"/>
+            </a:pPr>
+            <a:r>
+              <a:rPr lang="en-IN" sz="2000" b="1" dirty="0">
                 <a:solidFill>
                   <a:schemeClr val="bg1"/>
                 </a:solidFill>
               </a:rPr>
-              <a:t>Secondary Analysis</a:t>
-            </a:r>
-            <a:endParaRPr lang="en-IN" sz="2800" dirty="0">
-              <a:solidFill>
-                <a:schemeClr val="bg1"/>
-              </a:solidFill>
-            </a:endParaRPr>
-          </a:p>
-        </p:txBody>
-      </p:sp>
-      <p:pic>
-        <p:nvPicPr>
-          <p:cNvPr id="5" name="Picture 4">
-            <a:extLst>
-              <a:ext uri="{FF2B5EF4-FFF2-40B4-BE49-F238E27FC236}">
-                <a16:creationId xmlns:a16="http://schemas.microsoft.com/office/drawing/2014/main" id="{FDE2FEFE-53C9-A259-38A2-B60DDECC11C4}"/>
-              </a:ext>
-            </a:extLst>
-          </p:cNvPr>
-          <p:cNvPicPr>
-            <a:picLocks noChangeAspect="1"/>
-          </p:cNvPicPr>
-          <p:nvPr/>
-        </p:nvPicPr>
-        <p:blipFill>
-          <a:blip r:embed="rId3">
-            <a:extLst>
-              <a:ext uri="{28A0092B-C50C-407E-A947-70E740481C1C}">
-                <a14:useLocalDpi xmlns:a14="http://schemas.microsoft.com/office/drawing/2010/main" val="0"/>
-              </a:ext>
-            </a:extLst>
-          </a:blip>
-          <a:srcRect/>
-          <a:stretch/>
-        </p:blipFill>
-        <p:spPr>
-          <a:xfrm>
-            <a:off x="938612" y="2244041"/>
-            <a:ext cx="4439270" cy="2439947"/>
-          </a:xfrm>
-          <a:prstGeom prst="rect">
-            <a:avLst/>
-          </a:prstGeom>
-        </p:spPr>
-      </p:pic>
-      <p:pic>
-        <p:nvPicPr>
-          <p:cNvPr id="8" name="Picture 7">
-            <a:extLst>
-              <a:ext uri="{FF2B5EF4-FFF2-40B4-BE49-F238E27FC236}">
-                <a16:creationId xmlns:a16="http://schemas.microsoft.com/office/drawing/2014/main" id="{54EA8667-7643-4BCC-4F91-3F3BB834A217}"/>
-              </a:ext>
-            </a:extLst>
-          </p:cNvPr>
-          <p:cNvPicPr>
-            <a:picLocks noChangeAspect="1"/>
-          </p:cNvPicPr>
-          <p:nvPr/>
-        </p:nvPicPr>
-        <p:blipFill>
-          <a:blip r:embed="rId4">
-            <a:extLst>
-              <a:ext uri="{28A0092B-C50C-407E-A947-70E740481C1C}">
-                <a14:useLocalDpi xmlns:a14="http://schemas.microsoft.com/office/drawing/2010/main" val="0"/>
-              </a:ext>
-            </a:extLst>
-          </a:blip>
-          <a:srcRect/>
-          <a:stretch/>
-        </p:blipFill>
-        <p:spPr>
-          <a:xfrm>
-            <a:off x="6316494" y="2235200"/>
-            <a:ext cx="4410691" cy="2439947"/>
-          </a:xfrm>
-          <a:prstGeom prst="rect">
-            <a:avLst/>
-          </a:prstGeom>
-        </p:spPr>
-      </p:pic>
-      <p:sp>
-        <p:nvSpPr>
-          <p:cNvPr id="15" name="TextBox 14">
-            <a:extLst>
-              <a:ext uri="{FF2B5EF4-FFF2-40B4-BE49-F238E27FC236}">
-                <a16:creationId xmlns:a16="http://schemas.microsoft.com/office/drawing/2014/main" id="{07C8DDB3-F82B-2DF6-A2FD-A41707ABD9EE}"/>
-              </a:ext>
-            </a:extLst>
-          </p:cNvPr>
-          <p:cNvSpPr txBox="1"/>
-          <p:nvPr/>
-        </p:nvSpPr>
-        <p:spPr>
-          <a:xfrm>
-            <a:off x="2304807" y="1650876"/>
-            <a:ext cx="1706880" cy="461665"/>
-          </a:xfrm>
-          <a:prstGeom prst="rect">
-            <a:avLst/>
-          </a:prstGeom>
-          <a:noFill/>
-        </p:spPr>
-        <p:txBody>
-          <a:bodyPr wrap="square" rtlCol="0">
-            <a:spAutoFit/>
-          </a:bodyPr>
-          <a:lstStyle/>
-          <a:p>
-            <a:r>
-              <a:rPr lang="en-IN" sz="2400" dirty="0">
+              <a:t>Voter Turnout Ratio is the polling percentage of an election given by</a:t>
+            </a:r>
+          </a:p>
+          <a:p>
+            <a:endParaRPr lang="en-IN" sz="2000" b="1" dirty="0">
+              <a:solidFill>
+                <a:schemeClr val="bg1"/>
+              </a:solidFill>
+            </a:endParaRPr>
+          </a:p>
+          <a:p>
+            <a:r>
+              <a:rPr lang="en-IN" sz="2000" b="1" dirty="0">
                 <a:solidFill>
                   <a:schemeClr val="bg1"/>
                 </a:solidFill>
               </a:rPr>
-              <a:t>For 2014</a:t>
-            </a:r>
-            <a:endParaRPr lang="en-IN" sz="2400" dirty="0"/>
-          </a:p>
-        </p:txBody>
-      </p:sp>
-      <p:sp>
-        <p:nvSpPr>
-          <p:cNvPr id="16" name="TextBox 15">
-            <a:extLst>
-              <a:ext uri="{FF2B5EF4-FFF2-40B4-BE49-F238E27FC236}">
-                <a16:creationId xmlns:a16="http://schemas.microsoft.com/office/drawing/2014/main" id="{FC24405C-1EB8-2D24-8534-688552B97C15}"/>
-              </a:ext>
-            </a:extLst>
-          </p:cNvPr>
-          <p:cNvSpPr txBox="1"/>
-          <p:nvPr/>
-        </p:nvSpPr>
-        <p:spPr>
-          <a:xfrm>
-            <a:off x="7705115" y="1671367"/>
-            <a:ext cx="1706880" cy="461665"/>
-          </a:xfrm>
-          <a:prstGeom prst="rect">
-            <a:avLst/>
-          </a:prstGeom>
-          <a:noFill/>
-        </p:spPr>
-        <p:txBody>
-          <a:bodyPr wrap="square" rtlCol="0">
-            <a:spAutoFit/>
-          </a:bodyPr>
-          <a:lstStyle/>
-          <a:p>
-            <a:r>
-              <a:rPr lang="en-IN" sz="2400" dirty="0">
+              <a:t>                                  </a:t>
+            </a:r>
+            <a:r>
+              <a:rPr lang="en-IN" sz="2000" b="0" dirty="0">
+                <a:solidFill>
+                  <a:srgbClr val="000000"/>
+                </a:solidFill>
+                <a:effectLst/>
+                <a:highlight>
+                  <a:srgbClr val="FFFFFF"/>
+                </a:highlight>
+                <a:latin typeface="Consolas" panose="020B0609020204030204" pitchFamily="49" charset="0"/>
+              </a:rPr>
+              <a:t>Voter Turnout Ratio = </a:t>
+            </a:r>
+            <a:r>
+              <a:rPr lang="en-IN" sz="2000" b="0" dirty="0">
+                <a:solidFill>
+                  <a:srgbClr val="3165BB"/>
+                </a:solidFill>
+                <a:effectLst/>
+                <a:highlight>
+                  <a:srgbClr val="FFFFFF"/>
+                </a:highlight>
+                <a:latin typeface="Consolas" panose="020B0609020204030204" pitchFamily="49" charset="0"/>
+              </a:rPr>
+              <a:t>DIVIDE</a:t>
+            </a:r>
+            <a:r>
+              <a:rPr lang="en-IN" sz="2000" b="0" dirty="0">
+                <a:solidFill>
+                  <a:srgbClr val="000000"/>
+                </a:solidFill>
+                <a:effectLst/>
+                <a:highlight>
+                  <a:srgbClr val="FFFFFF"/>
+                </a:highlight>
+                <a:latin typeface="Consolas" panose="020B0609020204030204" pitchFamily="49" charset="0"/>
+              </a:rPr>
+              <a:t>(</a:t>
+            </a:r>
+            <a:r>
+              <a:rPr lang="en-IN" sz="2000" b="0" dirty="0">
+                <a:solidFill>
+                  <a:srgbClr val="68349C"/>
+                </a:solidFill>
+                <a:effectLst/>
+                <a:highlight>
+                  <a:srgbClr val="FFFFFF"/>
+                </a:highlight>
+                <a:latin typeface="Consolas" panose="020B0609020204030204" pitchFamily="49" charset="0"/>
+              </a:rPr>
+              <a:t>[Total Votes]</a:t>
+            </a:r>
+            <a:r>
+              <a:rPr lang="en-IN" sz="2000" b="0" dirty="0">
+                <a:solidFill>
+                  <a:srgbClr val="000000"/>
+                </a:solidFill>
+                <a:effectLst/>
+                <a:highlight>
+                  <a:srgbClr val="FFFFFF"/>
+                </a:highlight>
+                <a:latin typeface="Consolas" panose="020B0609020204030204" pitchFamily="49" charset="0"/>
+              </a:rPr>
+              <a:t>,</a:t>
+            </a:r>
+            <a:r>
+              <a:rPr lang="en-IN" sz="2000" b="0" dirty="0">
+                <a:solidFill>
+                  <a:srgbClr val="68349C"/>
+                </a:solidFill>
+                <a:effectLst/>
+                <a:highlight>
+                  <a:srgbClr val="FFFFFF"/>
+                </a:highlight>
+                <a:latin typeface="Consolas" panose="020B0609020204030204" pitchFamily="49" charset="0"/>
+              </a:rPr>
+              <a:t>[Total Electors]</a:t>
+            </a:r>
+            <a:r>
+              <a:rPr lang="en-IN" sz="2000" b="0" dirty="0">
+                <a:solidFill>
+                  <a:srgbClr val="000000"/>
+                </a:solidFill>
+                <a:effectLst/>
+                <a:highlight>
+                  <a:srgbClr val="FFFFFF"/>
+                </a:highlight>
+                <a:latin typeface="Consolas" panose="020B0609020204030204" pitchFamily="49" charset="0"/>
+              </a:rPr>
+              <a:t>,</a:t>
+            </a:r>
+            <a:r>
+              <a:rPr lang="en-IN" sz="2000" b="0" dirty="0">
+                <a:solidFill>
+                  <a:srgbClr val="098658"/>
+                </a:solidFill>
+                <a:effectLst/>
+                <a:highlight>
+                  <a:srgbClr val="FFFFFF"/>
+                </a:highlight>
+                <a:latin typeface="Consolas" panose="020B0609020204030204" pitchFamily="49" charset="0"/>
+              </a:rPr>
+              <a:t>0</a:t>
+            </a:r>
+            <a:r>
+              <a:rPr lang="en-IN" sz="2000" b="0" dirty="0">
+                <a:solidFill>
+                  <a:srgbClr val="000000"/>
+                </a:solidFill>
+                <a:effectLst/>
+                <a:highlight>
+                  <a:srgbClr val="FFFFFF"/>
+                </a:highlight>
+                <a:latin typeface="Consolas" panose="020B0609020204030204" pitchFamily="49" charset="0"/>
+              </a:rPr>
+              <a:t>)</a:t>
+            </a:r>
+            <a:endParaRPr lang="en-IN" sz="2000" b="1" dirty="0">
+              <a:solidFill>
+                <a:schemeClr val="bg1"/>
+              </a:solidFill>
+            </a:endParaRPr>
+          </a:p>
+          <a:p>
+            <a:pPr marL="457200" indent="-457200">
+              <a:buFont typeface="Arial" panose="020B0604020202020204" pitchFamily="34" charset="0"/>
+              <a:buChar char="•"/>
+            </a:pPr>
+            <a:endParaRPr lang="en-IN" sz="2000" b="1" dirty="0">
+              <a:solidFill>
+                <a:schemeClr val="bg1"/>
+              </a:solidFill>
+            </a:endParaRPr>
+          </a:p>
+          <a:p>
+            <a:pPr marL="457200" indent="-457200">
+              <a:buFont typeface="Arial" panose="020B0604020202020204" pitchFamily="34" charset="0"/>
+              <a:buChar char="•"/>
+            </a:pPr>
+            <a:r>
+              <a:rPr lang="en-IN" sz="2000" b="1" dirty="0">
                 <a:solidFill>
                   <a:schemeClr val="bg1"/>
                 </a:solidFill>
               </a:rPr>
-              <a:t>For 2019</a:t>
-            </a:r>
-            <a:endParaRPr lang="en-IN" sz="2400" dirty="0"/>
-          </a:p>
-        </p:txBody>
-      </p:sp>
-      <p:pic>
-        <p:nvPicPr>
-          <p:cNvPr id="6" name="Picture 5" descr="A blue and white graph&#10;&#10;Description automatically generated">
-            <a:extLst>
-              <a:ext uri="{FF2B5EF4-FFF2-40B4-BE49-F238E27FC236}">
-                <a16:creationId xmlns:a16="http://schemas.microsoft.com/office/drawing/2014/main" id="{ADB74800-B32C-A0EC-C136-F4DED412E654}"/>
-              </a:ext>
-            </a:extLst>
-          </p:cNvPr>
-          <p:cNvPicPr>
-            <a:picLocks noChangeAspect="1"/>
-          </p:cNvPicPr>
-          <p:nvPr/>
-        </p:nvPicPr>
-        <p:blipFill>
-          <a:blip r:embed="rId5">
-            <a:extLst>
-              <a:ext uri="{28A0092B-C50C-407E-A947-70E740481C1C}">
-                <a14:useLocalDpi xmlns:a14="http://schemas.microsoft.com/office/drawing/2010/main" val="0"/>
-              </a:ext>
-            </a:extLst>
-          </a:blip>
-          <a:stretch>
-            <a:fillRect/>
-          </a:stretch>
-        </p:blipFill>
-        <p:spPr>
-          <a:xfrm>
-            <a:off x="1731465" y="4938014"/>
-            <a:ext cx="2847236" cy="1371791"/>
-          </a:xfrm>
-          <a:prstGeom prst="rect">
-            <a:avLst/>
-          </a:prstGeom>
-        </p:spPr>
-      </p:pic>
-      <p:pic>
-        <p:nvPicPr>
-          <p:cNvPr id="11" name="Picture 10" descr="A blue and white circle with black text">
-            <a:extLst>
-              <a:ext uri="{FF2B5EF4-FFF2-40B4-BE49-F238E27FC236}">
-                <a16:creationId xmlns:a16="http://schemas.microsoft.com/office/drawing/2014/main" id="{4344ED55-B84B-BA86-B18C-B69DEE18F77D}"/>
-              </a:ext>
-            </a:extLst>
-          </p:cNvPr>
-          <p:cNvPicPr>
-            <a:picLocks noChangeAspect="1"/>
-          </p:cNvPicPr>
-          <p:nvPr/>
-        </p:nvPicPr>
-        <p:blipFill>
-          <a:blip r:embed="rId6">
-            <a:extLst>
-              <a:ext uri="{28A0092B-C50C-407E-A947-70E740481C1C}">
-                <a14:useLocalDpi xmlns:a14="http://schemas.microsoft.com/office/drawing/2010/main" val="0"/>
-              </a:ext>
-            </a:extLst>
-          </a:blip>
-          <a:stretch>
-            <a:fillRect/>
-          </a:stretch>
-        </p:blipFill>
-        <p:spPr>
-          <a:xfrm>
-            <a:off x="7298340" y="4980003"/>
-            <a:ext cx="2847235" cy="1286054"/>
-          </a:xfrm>
-          <a:prstGeom prst="rect">
-            <a:avLst/>
-          </a:prstGeom>
-        </p:spPr>
-      </p:pic>
+              <a:t>The North-eastern parts of India have shown the highest polling percentage in both the elections.</a:t>
+            </a:r>
+          </a:p>
+          <a:p>
+            <a:pPr marL="457200" indent="-457200">
+              <a:buFont typeface="Arial" panose="020B0604020202020204" pitchFamily="34" charset="0"/>
+              <a:buChar char="•"/>
+            </a:pPr>
+            <a:endParaRPr lang="en-IN" sz="2000" b="1" dirty="0">
+              <a:solidFill>
+                <a:schemeClr val="bg1"/>
+              </a:solidFill>
+            </a:endParaRPr>
+          </a:p>
+          <a:p>
+            <a:pPr marL="457200" indent="-457200">
+              <a:buFont typeface="Arial" panose="020B0604020202020204" pitchFamily="34" charset="0"/>
+              <a:buChar char="•"/>
+            </a:pPr>
+            <a:r>
+              <a:rPr lang="en-IN" sz="2000" b="1" dirty="0">
+                <a:solidFill>
+                  <a:schemeClr val="bg1"/>
+                </a:solidFill>
+              </a:rPr>
+              <a:t>Dhubri and Bishnupur have consistently been in the top 5 in the Voter Turnout in both the elections.</a:t>
+            </a:r>
+          </a:p>
+          <a:p>
+            <a:pPr marL="457200" indent="-457200">
+              <a:buFont typeface="Arial" panose="020B0604020202020204" pitchFamily="34" charset="0"/>
+              <a:buChar char="•"/>
+            </a:pPr>
+            <a:endParaRPr lang="en-IN" sz="2000" b="1" dirty="0">
+              <a:solidFill>
+                <a:schemeClr val="bg1"/>
+              </a:solidFill>
+            </a:endParaRPr>
+          </a:p>
+          <a:p>
+            <a:pPr marL="457200" indent="-457200">
+              <a:buFont typeface="Arial" panose="020B0604020202020204" pitchFamily="34" charset="0"/>
+              <a:buChar char="•"/>
+            </a:pPr>
+            <a:r>
+              <a:rPr lang="en-IN" sz="2000" b="1" dirty="0">
+                <a:solidFill>
+                  <a:schemeClr val="bg1"/>
+                </a:solidFill>
+              </a:rPr>
+              <a:t>The densely populated states of India have shown a lesser polling percentage comparatively like Bihar, Uttar Pradesh, Maharashtra  and the contrary is also true.</a:t>
+            </a:r>
+          </a:p>
+          <a:p>
+            <a:pPr marL="457200" indent="-457200">
+              <a:buFont typeface="Arial" panose="020B0604020202020204" pitchFamily="34" charset="0"/>
+              <a:buChar char="•"/>
+            </a:pPr>
+            <a:endParaRPr lang="en-IN" sz="2000" b="1" dirty="0">
+              <a:solidFill>
+                <a:schemeClr val="bg1"/>
+              </a:solidFill>
+            </a:endParaRPr>
+          </a:p>
+          <a:p>
+            <a:pPr marL="457200" indent="-457200">
+              <a:buFont typeface="Arial" panose="020B0604020202020204" pitchFamily="34" charset="0"/>
+              <a:buChar char="•"/>
+            </a:pPr>
+            <a:r>
+              <a:rPr lang="en-IN" sz="2000" b="1" dirty="0">
+                <a:solidFill>
+                  <a:schemeClr val="bg1"/>
+                </a:solidFill>
+              </a:rPr>
+              <a:t>In 2014, the overall polling % was 66.1 % and 2019 was 67.3 % .</a:t>
+            </a:r>
+          </a:p>
+          <a:p>
+            <a:pPr marL="457200" indent="-457200">
+              <a:buFont typeface="Arial" panose="020B0604020202020204" pitchFamily="34" charset="0"/>
+              <a:buChar char="•"/>
+            </a:pPr>
+            <a:endParaRPr lang="en-IN" sz="2000" b="1" dirty="0">
+              <a:solidFill>
+                <a:schemeClr val="bg1"/>
+              </a:solidFill>
+            </a:endParaRPr>
+          </a:p>
+          <a:p>
+            <a:pPr marL="457200" indent="-457200">
+              <a:buFont typeface="Arial" panose="020B0604020202020204" pitchFamily="34" charset="0"/>
+              <a:buChar char="•"/>
+            </a:pPr>
+            <a:endParaRPr lang="en-IN" sz="2000" b="1" dirty="0">
+              <a:solidFill>
+                <a:schemeClr val="bg1"/>
+              </a:solidFill>
+            </a:endParaRPr>
+          </a:p>
+          <a:p>
+            <a:pPr marL="457200" indent="-457200">
+              <a:buFont typeface="Arial" panose="020B0604020202020204" pitchFamily="34" charset="0"/>
+              <a:buChar char="•"/>
+            </a:pPr>
+            <a:endParaRPr lang="en-IN" sz="2000" b="1" dirty="0">
+              <a:solidFill>
+                <a:schemeClr val="bg1"/>
+              </a:solidFill>
+            </a:endParaRPr>
+          </a:p>
+          <a:p>
+            <a:pPr marL="457200" indent="-457200">
+              <a:buFont typeface="Arial" panose="020B0604020202020204" pitchFamily="34" charset="0"/>
+              <a:buChar char="•"/>
+            </a:pPr>
+            <a:endParaRPr lang="en-IN" sz="2000" b="1" dirty="0">
+              <a:solidFill>
+                <a:schemeClr val="bg1"/>
+              </a:solidFill>
+            </a:endParaRPr>
+          </a:p>
+          <a:p>
+            <a:pPr marL="457200" indent="-457200">
+              <a:buFont typeface="Arial" panose="020B0604020202020204" pitchFamily="34" charset="0"/>
+              <a:buChar char="•"/>
+            </a:pPr>
+            <a:endParaRPr lang="en-IN" sz="3200" b="1" dirty="0">
+              <a:solidFill>
+                <a:schemeClr val="bg1"/>
+              </a:solidFill>
+            </a:endParaRPr>
+          </a:p>
+          <a:p>
+            <a:pPr marL="457200" indent="-457200">
+              <a:buFont typeface="Arial" panose="020B0604020202020204" pitchFamily="34" charset="0"/>
+              <a:buChar char="•"/>
+            </a:pPr>
+            <a:endParaRPr lang="en-IN" sz="3200" b="1" dirty="0">
+              <a:solidFill>
+                <a:schemeClr val="bg1"/>
+              </a:solidFill>
+            </a:endParaRPr>
+          </a:p>
+          <a:p>
+            <a:pPr marL="457200" indent="-457200">
+              <a:buFont typeface="Arial" panose="020B0604020202020204" pitchFamily="34" charset="0"/>
+              <a:buChar char="•"/>
+            </a:pPr>
+            <a:endParaRPr lang="en-IN" sz="3200" b="1" dirty="0">
+              <a:solidFill>
+                <a:schemeClr val="bg1"/>
+              </a:solidFill>
+            </a:endParaRPr>
+          </a:p>
+          <a:p>
+            <a:pPr marL="457200" indent="-457200">
+              <a:buFont typeface="Arial" panose="020B0604020202020204" pitchFamily="34" charset="0"/>
+              <a:buChar char="•"/>
+            </a:pPr>
+            <a:endParaRPr lang="en-IN" sz="3200" b="1" dirty="0">
+              <a:solidFill>
+                <a:schemeClr val="bg1"/>
+              </a:solidFill>
+            </a:endParaRPr>
+          </a:p>
+          <a:p>
+            <a:pPr marL="457200" indent="-457200">
+              <a:buFont typeface="Arial" panose="020B0604020202020204" pitchFamily="34" charset="0"/>
+              <a:buChar char="•"/>
+            </a:pPr>
+            <a:endParaRPr lang="en-IN" sz="3200" b="1" dirty="0">
+              <a:solidFill>
+                <a:schemeClr val="bg1"/>
+              </a:solidFill>
+            </a:endParaRPr>
+          </a:p>
+          <a:p>
+            <a:pPr marL="457200" indent="-457200">
+              <a:buFont typeface="Arial" panose="020B0604020202020204" pitchFamily="34" charset="0"/>
+              <a:buChar char="•"/>
+            </a:pPr>
+            <a:endParaRPr lang="en-IN" sz="3200" b="1" dirty="0">
+              <a:solidFill>
+                <a:schemeClr val="bg1"/>
+              </a:solidFill>
+            </a:endParaRPr>
+          </a:p>
+          <a:p>
+            <a:pPr marL="457200" indent="-457200">
+              <a:buFont typeface="Arial" panose="020B0604020202020204" pitchFamily="34" charset="0"/>
+              <a:buChar char="•"/>
+            </a:pPr>
+            <a:endParaRPr lang="en-IN" sz="3200" b="1" dirty="0">
+              <a:solidFill>
+                <a:schemeClr val="bg1"/>
+              </a:solidFill>
+            </a:endParaRPr>
+          </a:p>
+          <a:p>
+            <a:pPr marL="457200" indent="-457200">
+              <a:buFont typeface="Arial" panose="020B0604020202020204" pitchFamily="34" charset="0"/>
+              <a:buChar char="•"/>
+            </a:pPr>
+            <a:endParaRPr lang="en-IN" sz="3200" b="1" dirty="0">
+              <a:solidFill>
+                <a:schemeClr val="bg1"/>
+              </a:solidFill>
+            </a:endParaRPr>
+          </a:p>
+          <a:p>
+            <a:pPr marL="457200" indent="-457200">
+              <a:buFont typeface="Arial" panose="020B0604020202020204" pitchFamily="34" charset="0"/>
+              <a:buChar char="•"/>
+            </a:pPr>
+            <a:endParaRPr lang="en-IN" sz="3200" dirty="0">
+              <a:solidFill>
+                <a:schemeClr val="bg1"/>
+              </a:solidFill>
+            </a:endParaRPr>
+          </a:p>
+        </p:txBody>
+      </p:sp>
     </p:spTree>
     <p:extLst>
       <p:ext uri="{BB962C8B-B14F-4D97-AF65-F5344CB8AC3E}">
-        <p14:creationId xmlns:p14="http://schemas.microsoft.com/office/powerpoint/2010/main" val="1265849457"/>
+        <p14:creationId xmlns:p14="http://schemas.microsoft.com/office/powerpoint/2010/main" val="3412412337"/>
       </p:ext>
     </p:extLst>
   </p:cSld>
@@ -8087,10 +8064,10 @@
       </p:pic>
       <p:sp>
         <p:nvSpPr>
-          <p:cNvPr id="2" name="TextBox 1">
-            <a:extLst>
-              <a:ext uri="{FF2B5EF4-FFF2-40B4-BE49-F238E27FC236}">
-                <a16:creationId xmlns:a16="http://schemas.microsoft.com/office/drawing/2014/main" id="{B088960D-C4F6-6C36-9A37-5235E419ECB7}"/>
+          <p:cNvPr id="5" name="TextBox 4">
+            <a:extLst>
+              <a:ext uri="{FF2B5EF4-FFF2-40B4-BE49-F238E27FC236}">
+                <a16:creationId xmlns:a16="http://schemas.microsoft.com/office/drawing/2014/main" id="{E6114500-1593-C8BE-36BD-7131F27926D4}"/>
               </a:ext>
             </a:extLst>
           </p:cNvPr>
@@ -8099,8 +8076,8 @@
         </p:nvSpPr>
         <p:spPr>
           <a:xfrm>
-            <a:off x="142240" y="934301"/>
-            <a:ext cx="10728960" cy="461665"/>
+            <a:off x="213360" y="176014"/>
+            <a:ext cx="6156960" cy="584775"/>
           </a:xfrm>
           <a:prstGeom prst="rect">
             <a:avLst/>
@@ -8114,12 +8091,12 @@
           <a:lstStyle/>
           <a:p>
             <a:r>
-              <a:rPr lang="en-IN" sz="2400" b="1" dirty="0">
+              <a:rPr lang="en-IN" sz="3200" b="1" dirty="0">
                 <a:solidFill>
                   <a:schemeClr val="bg1"/>
                 </a:solidFill>
               </a:rPr>
-              <a:t>3. Is there any correlation between GDP and Voter Turnout %</a:t>
+              <a:t>Vote Share of NOTA</a:t>
             </a:r>
             <a:endParaRPr lang="en-IN" sz="3200" dirty="0">
               <a:solidFill>
@@ -8131,10 +8108,10 @@
       </p:sp>
       <p:sp>
         <p:nvSpPr>
-          <p:cNvPr id="3" name="TextBox 2">
-            <a:extLst>
-              <a:ext uri="{FF2B5EF4-FFF2-40B4-BE49-F238E27FC236}">
-                <a16:creationId xmlns:a16="http://schemas.microsoft.com/office/drawing/2014/main" id="{DBDC4501-0B42-B56E-992E-BD8F6E90D887}"/>
+          <p:cNvPr id="6" name="TextBox 5">
+            <a:extLst>
+              <a:ext uri="{FF2B5EF4-FFF2-40B4-BE49-F238E27FC236}">
+                <a16:creationId xmlns:a16="http://schemas.microsoft.com/office/drawing/2014/main" id="{A6B1D2D3-5B9F-6378-93EB-0839BFC7F145}"/>
               </a:ext>
             </a:extLst>
           </p:cNvPr>
@@ -8143,8 +8120,8 @@
         </p:nvSpPr>
         <p:spPr>
           <a:xfrm>
-            <a:off x="142240" y="279596"/>
-            <a:ext cx="10728960" cy="523220"/>
+            <a:off x="0" y="936803"/>
+            <a:ext cx="11612880" cy="10002738"/>
           </a:xfrm>
           <a:prstGeom prst="rect">
             <a:avLst/>
@@ -8157,250 +8134,300 @@
           </a:bodyPr>
           <a:lstStyle/>
           <a:p>
-            <a:r>
-              <a:rPr lang="en-IN" sz="2800" b="1" dirty="0">
+            <a:pPr marL="285750" indent="-285750">
+              <a:buFont typeface="Arial" panose="020B0604020202020204" pitchFamily="34" charset="0"/>
+              <a:buChar char="•"/>
+            </a:pPr>
+            <a:endParaRPr lang="en-IN" sz="1600" b="1" dirty="0">
+              <a:solidFill>
+                <a:schemeClr val="bg1"/>
+              </a:solidFill>
+            </a:endParaRPr>
+          </a:p>
+          <a:p>
+            <a:pPr marL="457200" indent="-457200">
+              <a:buFont typeface="Arial" panose="020B0604020202020204" pitchFamily="34" charset="0"/>
+              <a:buChar char="•"/>
+            </a:pPr>
+            <a:r>
+              <a:rPr lang="en-IN" sz="2000" b="1" dirty="0">
                 <a:solidFill>
                   <a:schemeClr val="bg1"/>
                 </a:solidFill>
               </a:rPr>
-              <a:t>Secondary Analysis</a:t>
-            </a:r>
-            <a:endParaRPr lang="en-IN" sz="2800" dirty="0">
-              <a:solidFill>
-                <a:schemeClr val="bg1"/>
-              </a:solidFill>
-            </a:endParaRPr>
-          </a:p>
-        </p:txBody>
-      </p:sp>
-      <p:sp>
-        <p:nvSpPr>
-          <p:cNvPr id="15" name="TextBox 14">
-            <a:extLst>
-              <a:ext uri="{FF2B5EF4-FFF2-40B4-BE49-F238E27FC236}">
-                <a16:creationId xmlns:a16="http://schemas.microsoft.com/office/drawing/2014/main" id="{07C8DDB3-F82B-2DF6-A2FD-A41707ABD9EE}"/>
-              </a:ext>
-            </a:extLst>
-          </p:cNvPr>
-          <p:cNvSpPr txBox="1"/>
-          <p:nvPr/>
-        </p:nvSpPr>
-        <p:spPr>
-          <a:xfrm>
-            <a:off x="2304807" y="1650876"/>
-            <a:ext cx="1706880" cy="461665"/>
-          </a:xfrm>
-          <a:prstGeom prst="rect">
-            <a:avLst/>
-          </a:prstGeom>
-          <a:noFill/>
-        </p:spPr>
-        <p:txBody>
-          <a:bodyPr wrap="square" rtlCol="0">
-            <a:spAutoFit/>
-          </a:bodyPr>
-          <a:lstStyle/>
-          <a:p>
-            <a:r>
-              <a:rPr lang="en-IN" sz="2400" dirty="0">
+              <a:t>NOTA stands for None of the Above – People opt for NOTA when they do not have any preference of the candidates contesting in their constituency</a:t>
+            </a:r>
+          </a:p>
+          <a:p>
+            <a:pPr marL="457200" indent="-457200">
+              <a:buFont typeface="Arial" panose="020B0604020202020204" pitchFamily="34" charset="0"/>
+              <a:buChar char="•"/>
+            </a:pPr>
+            <a:endParaRPr lang="en-IN" sz="2000" b="1" dirty="0">
+              <a:solidFill>
+                <a:schemeClr val="bg1"/>
+              </a:solidFill>
+            </a:endParaRPr>
+          </a:p>
+          <a:p>
+            <a:pPr marL="457200" indent="-457200">
+              <a:buFont typeface="Arial" panose="020B0604020202020204" pitchFamily="34" charset="0"/>
+              <a:buChar char="•"/>
+            </a:pPr>
+            <a:r>
+              <a:rPr lang="en-IN" sz="2000" b="1" dirty="0">
                 <a:solidFill>
                   <a:schemeClr val="bg1"/>
                 </a:solidFill>
               </a:rPr>
-              <a:t>For 2014</a:t>
-            </a:r>
-            <a:endParaRPr lang="en-IN" sz="2400" dirty="0"/>
-          </a:p>
-        </p:txBody>
-      </p:sp>
-      <p:sp>
-        <p:nvSpPr>
-          <p:cNvPr id="16" name="TextBox 15">
-            <a:extLst>
-              <a:ext uri="{FF2B5EF4-FFF2-40B4-BE49-F238E27FC236}">
-                <a16:creationId xmlns:a16="http://schemas.microsoft.com/office/drawing/2014/main" id="{FC24405C-1EB8-2D24-8534-688552B97C15}"/>
-              </a:ext>
-            </a:extLst>
-          </p:cNvPr>
-          <p:cNvSpPr txBox="1"/>
-          <p:nvPr/>
-        </p:nvSpPr>
-        <p:spPr>
-          <a:xfrm>
-            <a:off x="7705115" y="1671367"/>
-            <a:ext cx="1706880" cy="461665"/>
-          </a:xfrm>
-          <a:prstGeom prst="rect">
-            <a:avLst/>
-          </a:prstGeom>
-          <a:noFill/>
-        </p:spPr>
-        <p:txBody>
-          <a:bodyPr wrap="square" rtlCol="0">
-            <a:spAutoFit/>
-          </a:bodyPr>
-          <a:lstStyle/>
-          <a:p>
-            <a:r>
-              <a:rPr lang="en-IN" sz="2400" dirty="0">
+              <a:t>People express their dissatisfaction with the current politicians which can lead to a higher number of votes for NOTA.</a:t>
+            </a:r>
+          </a:p>
+          <a:p>
+            <a:pPr marL="457200" indent="-457200">
+              <a:buFont typeface="Arial" panose="020B0604020202020204" pitchFamily="34" charset="0"/>
+              <a:buChar char="•"/>
+            </a:pPr>
+            <a:endParaRPr lang="en-IN" sz="2000" b="1" dirty="0">
+              <a:solidFill>
+                <a:schemeClr val="bg1"/>
+              </a:solidFill>
+            </a:endParaRPr>
+          </a:p>
+          <a:p>
+            <a:pPr marL="457200" indent="-457200">
+              <a:buFont typeface="Arial" panose="020B0604020202020204" pitchFamily="34" charset="0"/>
+              <a:buChar char="•"/>
+            </a:pPr>
+            <a:r>
+              <a:rPr lang="en-IN" sz="2000" b="1" dirty="0">
                 <a:solidFill>
                   <a:schemeClr val="bg1"/>
                 </a:solidFill>
               </a:rPr>
-              <a:t>For 2019</a:t>
-            </a:r>
-            <a:endParaRPr lang="en-IN" sz="2400" dirty="0"/>
-          </a:p>
-        </p:txBody>
-      </p:sp>
-      <p:pic>
-        <p:nvPicPr>
-          <p:cNvPr id="9" name="Picture 8" descr="A graph of blue dots&#10;&#10;Description automatically generated">
-            <a:extLst>
-              <a:ext uri="{FF2B5EF4-FFF2-40B4-BE49-F238E27FC236}">
-                <a16:creationId xmlns:a16="http://schemas.microsoft.com/office/drawing/2014/main" id="{DC766AE8-4FD6-DC38-EFE7-094C59A0E9BA}"/>
-              </a:ext>
-            </a:extLst>
-          </p:cNvPr>
-          <p:cNvPicPr>
-            <a:picLocks noChangeAspect="1"/>
-          </p:cNvPicPr>
-          <p:nvPr/>
-        </p:nvPicPr>
-        <p:blipFill>
-          <a:blip r:embed="rId3">
-            <a:extLst>
-              <a:ext uri="{28A0092B-C50C-407E-A947-70E740481C1C}">
-                <a14:useLocalDpi xmlns:a14="http://schemas.microsoft.com/office/drawing/2010/main" val="0"/>
-              </a:ext>
-            </a:extLst>
-          </a:blip>
-          <a:stretch>
-            <a:fillRect/>
-          </a:stretch>
-        </p:blipFill>
-        <p:spPr>
-          <a:xfrm>
-            <a:off x="915029" y="2239408"/>
-            <a:ext cx="4591691" cy="2095792"/>
-          </a:xfrm>
-          <a:prstGeom prst="rect">
-            <a:avLst/>
-          </a:prstGeom>
-        </p:spPr>
-      </p:pic>
-      <p:pic>
-        <p:nvPicPr>
-          <p:cNvPr id="12" name="Picture 11" descr="A blue and white circle with black text&#10;&#10;Description automatically generated">
-            <a:extLst>
-              <a:ext uri="{FF2B5EF4-FFF2-40B4-BE49-F238E27FC236}">
-                <a16:creationId xmlns:a16="http://schemas.microsoft.com/office/drawing/2014/main" id="{1B5A0ED7-DAC6-D357-6A86-A19D9A596D4F}"/>
-              </a:ext>
-            </a:extLst>
-          </p:cNvPr>
-          <p:cNvPicPr>
-            <a:picLocks noChangeAspect="1"/>
-          </p:cNvPicPr>
-          <p:nvPr/>
-        </p:nvPicPr>
-        <p:blipFill>
-          <a:blip r:embed="rId4">
-            <a:extLst>
-              <a:ext uri="{28A0092B-C50C-407E-A947-70E740481C1C}">
-                <a14:useLocalDpi xmlns:a14="http://schemas.microsoft.com/office/drawing/2010/main" val="0"/>
-              </a:ext>
-            </a:extLst>
-          </a:blip>
-          <a:stretch>
-            <a:fillRect/>
-          </a:stretch>
-        </p:blipFill>
-        <p:spPr>
-          <a:xfrm>
-            <a:off x="1739128" y="4618592"/>
-            <a:ext cx="2995432" cy="1305107"/>
-          </a:xfrm>
-          <a:prstGeom prst="rect">
-            <a:avLst/>
-          </a:prstGeom>
-        </p:spPr>
-      </p:pic>
-      <p:pic>
-        <p:nvPicPr>
-          <p:cNvPr id="14" name="Picture 13" descr="A blue and white pie chart">
-            <a:extLst>
-              <a:ext uri="{FF2B5EF4-FFF2-40B4-BE49-F238E27FC236}">
-                <a16:creationId xmlns:a16="http://schemas.microsoft.com/office/drawing/2014/main" id="{A54ED0E4-2E4F-9487-B5A7-DC8C322B2668}"/>
-              </a:ext>
-            </a:extLst>
-          </p:cNvPr>
-          <p:cNvPicPr>
-            <a:picLocks noChangeAspect="1"/>
-          </p:cNvPicPr>
-          <p:nvPr/>
-        </p:nvPicPr>
-        <p:blipFill>
-          <a:blip r:embed="rId5">
-            <a:extLst>
-              <a:ext uri="{28A0092B-C50C-407E-A947-70E740481C1C}">
-                <a14:useLocalDpi xmlns:a14="http://schemas.microsoft.com/office/drawing/2010/main" val="0"/>
-              </a:ext>
-            </a:extLst>
-          </a:blip>
-          <a:stretch>
-            <a:fillRect/>
-          </a:stretch>
-        </p:blipFill>
-        <p:spPr>
-          <a:xfrm>
-            <a:off x="7950118" y="4618592"/>
-            <a:ext cx="2923753" cy="1343212"/>
-          </a:xfrm>
-          <a:prstGeom prst="rect">
-            <a:avLst/>
-          </a:prstGeom>
-        </p:spPr>
-      </p:pic>
-      <p:pic>
-        <p:nvPicPr>
-          <p:cNvPr id="18" name="Picture 17" descr="A screen shot of a graph">
-            <a:extLst>
-              <a:ext uri="{FF2B5EF4-FFF2-40B4-BE49-F238E27FC236}">
-                <a16:creationId xmlns:a16="http://schemas.microsoft.com/office/drawing/2014/main" id="{0AC151B4-261E-C0D4-7DD0-6CCBF534C422}"/>
-              </a:ext>
-            </a:extLst>
-          </p:cNvPr>
-          <p:cNvPicPr>
-            <a:picLocks noChangeAspect="1"/>
-          </p:cNvPicPr>
-          <p:nvPr/>
-        </p:nvPicPr>
-        <p:blipFill>
-          <a:blip r:embed="rId6">
-            <a:extLst>
-              <a:ext uri="{28A0092B-C50C-407E-A947-70E740481C1C}">
-                <a14:useLocalDpi xmlns:a14="http://schemas.microsoft.com/office/drawing/2010/main" val="0"/>
-              </a:ext>
-            </a:extLst>
-          </a:blip>
-          <a:stretch>
-            <a:fillRect/>
-          </a:stretch>
-        </p:blipFill>
-        <p:spPr>
-          <a:xfrm>
-            <a:off x="6838628" y="2220355"/>
-            <a:ext cx="4610743" cy="2114845"/>
-          </a:xfrm>
-          <a:prstGeom prst="rect">
-            <a:avLst/>
-          </a:prstGeom>
-        </p:spPr>
-      </p:pic>
+              <a:t>If NOTA gets the most number of votes in a constituency, the next candidate with the second most number of votes is declared the winner</a:t>
+            </a:r>
+          </a:p>
+          <a:p>
+            <a:pPr marL="457200" indent="-457200">
+              <a:buFont typeface="Arial" panose="020B0604020202020204" pitchFamily="34" charset="0"/>
+              <a:buChar char="•"/>
+            </a:pPr>
+            <a:endParaRPr lang="en-IN" sz="2000" b="1" dirty="0">
+              <a:solidFill>
+                <a:schemeClr val="bg1"/>
+              </a:solidFill>
+            </a:endParaRPr>
+          </a:p>
+          <a:p>
+            <a:pPr marL="457200" indent="-457200">
+              <a:buFont typeface="Arial" panose="020B0604020202020204" pitchFamily="34" charset="0"/>
+              <a:buChar char="•"/>
+            </a:pPr>
+            <a:r>
+              <a:rPr lang="en-IN" sz="2000" b="1" dirty="0">
+                <a:solidFill>
+                  <a:schemeClr val="bg1"/>
+                </a:solidFill>
+              </a:rPr>
+              <a:t>In 2014 and 2019 elections, we can see that most of the constituencies with tribal population has the highest vote share for NOTA like </a:t>
+            </a:r>
+            <a:r>
+              <a:rPr lang="en-IN" sz="2000" b="1" dirty="0" err="1">
+                <a:solidFill>
+                  <a:schemeClr val="bg1"/>
+                </a:solidFill>
+              </a:rPr>
+              <a:t>Aruku</a:t>
+            </a:r>
+            <a:r>
+              <a:rPr lang="en-IN" sz="2000" b="1" dirty="0">
+                <a:solidFill>
+                  <a:schemeClr val="bg1"/>
+                </a:solidFill>
+              </a:rPr>
+              <a:t>, Dahod, Tura, </a:t>
+            </a:r>
+            <a:r>
+              <a:rPr lang="en-IN" sz="2000" b="1" dirty="0" err="1">
+                <a:solidFill>
+                  <a:schemeClr val="bg1"/>
+                </a:solidFill>
+              </a:rPr>
+              <a:t>Singhbum</a:t>
+            </a:r>
+            <a:r>
+              <a:rPr lang="en-IN" sz="2000" b="1" dirty="0">
+                <a:solidFill>
+                  <a:schemeClr val="bg1"/>
+                </a:solidFill>
+              </a:rPr>
+              <a:t> etc.</a:t>
+            </a:r>
+          </a:p>
+          <a:p>
+            <a:pPr marL="457200" indent="-457200">
+              <a:buFont typeface="Arial" panose="020B0604020202020204" pitchFamily="34" charset="0"/>
+              <a:buChar char="•"/>
+            </a:pPr>
+            <a:endParaRPr lang="en-IN" sz="2000" b="1" dirty="0">
+              <a:solidFill>
+                <a:schemeClr val="bg1"/>
+              </a:solidFill>
+            </a:endParaRPr>
+          </a:p>
+          <a:p>
+            <a:pPr marL="457200" indent="-457200">
+              <a:buFont typeface="Arial" panose="020B0604020202020204" pitchFamily="34" charset="0"/>
+              <a:buChar char="•"/>
+            </a:pPr>
+            <a:r>
+              <a:rPr lang="en-IN" sz="2000" b="1" dirty="0">
+                <a:solidFill>
+                  <a:schemeClr val="bg1"/>
+                </a:solidFill>
+              </a:rPr>
+              <a:t>This may be due to the issues related to tribal welfare and development, displacement of tribal population for infrastructure development, mining etc.</a:t>
+            </a:r>
+          </a:p>
+          <a:p>
+            <a:pPr marL="457200" indent="-457200">
+              <a:buFont typeface="Arial" panose="020B0604020202020204" pitchFamily="34" charset="0"/>
+              <a:buChar char="•"/>
+            </a:pPr>
+            <a:endParaRPr lang="en-IN" sz="2000" b="1" dirty="0">
+              <a:solidFill>
+                <a:schemeClr val="bg1"/>
+              </a:solidFill>
+            </a:endParaRPr>
+          </a:p>
+          <a:p>
+            <a:pPr marL="457200" indent="-457200">
+              <a:buFont typeface="Arial" panose="020B0604020202020204" pitchFamily="34" charset="0"/>
+              <a:buChar char="•"/>
+            </a:pPr>
+            <a:endParaRPr lang="en-IN" sz="2000" b="1" dirty="0">
+              <a:solidFill>
+                <a:schemeClr val="bg1"/>
+              </a:solidFill>
+            </a:endParaRPr>
+          </a:p>
+          <a:p>
+            <a:pPr marL="457200" indent="-457200">
+              <a:buFont typeface="Arial" panose="020B0604020202020204" pitchFamily="34" charset="0"/>
+              <a:buChar char="•"/>
+            </a:pPr>
+            <a:endParaRPr lang="en-IN" sz="2000" b="1" dirty="0">
+              <a:solidFill>
+                <a:schemeClr val="bg1"/>
+              </a:solidFill>
+            </a:endParaRPr>
+          </a:p>
+          <a:p>
+            <a:pPr marL="457200" indent="-457200">
+              <a:buFont typeface="Arial" panose="020B0604020202020204" pitchFamily="34" charset="0"/>
+              <a:buChar char="•"/>
+            </a:pPr>
+            <a:endParaRPr lang="en-IN" sz="3200" b="1" dirty="0">
+              <a:solidFill>
+                <a:schemeClr val="bg1"/>
+              </a:solidFill>
+            </a:endParaRPr>
+          </a:p>
+          <a:p>
+            <a:pPr marL="457200" indent="-457200">
+              <a:buFont typeface="Arial" panose="020B0604020202020204" pitchFamily="34" charset="0"/>
+              <a:buChar char="•"/>
+            </a:pPr>
+            <a:endParaRPr lang="en-IN" sz="3200" b="1" dirty="0">
+              <a:solidFill>
+                <a:schemeClr val="bg1"/>
+              </a:solidFill>
+            </a:endParaRPr>
+          </a:p>
+          <a:p>
+            <a:pPr marL="457200" indent="-457200">
+              <a:buFont typeface="Arial" panose="020B0604020202020204" pitchFamily="34" charset="0"/>
+              <a:buChar char="•"/>
+            </a:pPr>
+            <a:endParaRPr lang="en-IN" sz="3200" b="1" dirty="0">
+              <a:solidFill>
+                <a:schemeClr val="bg1"/>
+              </a:solidFill>
+            </a:endParaRPr>
+          </a:p>
+          <a:p>
+            <a:pPr marL="457200" indent="-457200">
+              <a:buFont typeface="Arial" panose="020B0604020202020204" pitchFamily="34" charset="0"/>
+              <a:buChar char="•"/>
+            </a:pPr>
+            <a:endParaRPr lang="en-IN" sz="3200" b="1" dirty="0">
+              <a:solidFill>
+                <a:schemeClr val="bg1"/>
+              </a:solidFill>
+            </a:endParaRPr>
+          </a:p>
+          <a:p>
+            <a:pPr marL="457200" indent="-457200">
+              <a:buFont typeface="Arial" panose="020B0604020202020204" pitchFamily="34" charset="0"/>
+              <a:buChar char="•"/>
+            </a:pPr>
+            <a:endParaRPr lang="en-IN" sz="3200" b="1" dirty="0">
+              <a:solidFill>
+                <a:schemeClr val="bg1"/>
+              </a:solidFill>
+            </a:endParaRPr>
+          </a:p>
+          <a:p>
+            <a:pPr marL="457200" indent="-457200">
+              <a:buFont typeface="Arial" panose="020B0604020202020204" pitchFamily="34" charset="0"/>
+              <a:buChar char="•"/>
+            </a:pPr>
+            <a:endParaRPr lang="en-IN" sz="3200" b="1" dirty="0">
+              <a:solidFill>
+                <a:schemeClr val="bg1"/>
+              </a:solidFill>
+            </a:endParaRPr>
+          </a:p>
+          <a:p>
+            <a:pPr marL="457200" indent="-457200">
+              <a:buFont typeface="Arial" panose="020B0604020202020204" pitchFamily="34" charset="0"/>
+              <a:buChar char="•"/>
+            </a:pPr>
+            <a:endParaRPr lang="en-IN" sz="3200" b="1" dirty="0">
+              <a:solidFill>
+                <a:schemeClr val="bg1"/>
+              </a:solidFill>
+            </a:endParaRPr>
+          </a:p>
+          <a:p>
+            <a:pPr marL="457200" indent="-457200">
+              <a:buFont typeface="Arial" panose="020B0604020202020204" pitchFamily="34" charset="0"/>
+              <a:buChar char="•"/>
+            </a:pPr>
+            <a:endParaRPr lang="en-IN" sz="3200" b="1" dirty="0">
+              <a:solidFill>
+                <a:schemeClr val="bg1"/>
+              </a:solidFill>
+            </a:endParaRPr>
+          </a:p>
+          <a:p>
+            <a:pPr marL="457200" indent="-457200">
+              <a:buFont typeface="Arial" panose="020B0604020202020204" pitchFamily="34" charset="0"/>
+              <a:buChar char="•"/>
+            </a:pPr>
+            <a:endParaRPr lang="en-IN" sz="3200" dirty="0">
+              <a:solidFill>
+                <a:schemeClr val="bg1"/>
+              </a:solidFill>
+            </a:endParaRPr>
+          </a:p>
+        </p:txBody>
+      </p:sp>
     </p:spTree>
     <p:extLst>
       <p:ext uri="{BB962C8B-B14F-4D97-AF65-F5344CB8AC3E}">
-        <p14:creationId xmlns:p14="http://schemas.microsoft.com/office/powerpoint/2010/main" val="3132465381"/>
+        <p14:creationId xmlns:p14="http://schemas.microsoft.com/office/powerpoint/2010/main" val="3847214630"/>
       </p:ext>
     </p:extLst>
   </p:cSld>
@@ -8485,8 +8512,8 @@
         </p:blipFill>
         <p:spPr>
           <a:xfrm>
-            <a:off x="3854493" y="203916"/>
-            <a:ext cx="3277828" cy="2817504"/>
+            <a:off x="3874813" y="853440"/>
+            <a:ext cx="3277828" cy="2504440"/>
           </a:xfrm>
           <a:prstGeom prst="rect">
             <a:avLst/>
@@ -8643,6 +8670,50 @@
               <a:rPr lang="en-US" dirty="0"/>
               <a:t>                                                                                                                                                                                                                     </a:t>
             </a:r>
+          </a:p>
+        </p:txBody>
+      </p:sp>
+      <p:sp>
+        <p:nvSpPr>
+          <p:cNvPr id="2" name="TextBox 1">
+            <a:extLst>
+              <a:ext uri="{FF2B5EF4-FFF2-40B4-BE49-F238E27FC236}">
+                <a16:creationId xmlns:a16="http://schemas.microsoft.com/office/drawing/2014/main" id="{487E1AEF-492C-9B90-3E2C-F3A26CAA21D5}"/>
+              </a:ext>
+            </a:extLst>
+          </p:cNvPr>
+          <p:cNvSpPr txBox="1"/>
+          <p:nvPr/>
+        </p:nvSpPr>
+        <p:spPr>
+          <a:xfrm>
+            <a:off x="386080" y="117693"/>
+            <a:ext cx="7426960" cy="584775"/>
+          </a:xfrm>
+          <a:prstGeom prst="rect">
+            <a:avLst/>
+          </a:prstGeom>
+          <a:noFill/>
+        </p:spPr>
+        <p:txBody>
+          <a:bodyPr wrap="square">
+            <a:spAutoFit/>
+          </a:bodyPr>
+          <a:lstStyle/>
+          <a:p>
+            <a:r>
+              <a:rPr lang="en-IN" sz="3200" b="1" dirty="0">
+                <a:solidFill>
+                  <a:schemeClr val="bg1"/>
+                </a:solidFill>
+              </a:rPr>
+              <a:t>Participation of Females in Elections</a:t>
+            </a:r>
+            <a:endParaRPr lang="en-IN" sz="3200" dirty="0">
+              <a:solidFill>
+                <a:schemeClr val="bg1"/>
+              </a:solidFill>
+            </a:endParaRPr>
           </a:p>
         </p:txBody>
       </p:sp>
@@ -8712,12 +8783,56 @@
           </a:prstGeom>
         </p:spPr>
       </p:pic>
+      <p:sp>
+        <p:nvSpPr>
+          <p:cNvPr id="2" name="TextBox 1">
+            <a:extLst>
+              <a:ext uri="{FF2B5EF4-FFF2-40B4-BE49-F238E27FC236}">
+                <a16:creationId xmlns:a16="http://schemas.microsoft.com/office/drawing/2014/main" id="{ABD46DDC-C711-8B74-257E-9A449B8B3092}"/>
+              </a:ext>
+            </a:extLst>
+          </p:cNvPr>
+          <p:cNvSpPr txBox="1"/>
+          <p:nvPr/>
+        </p:nvSpPr>
+        <p:spPr>
+          <a:xfrm>
+            <a:off x="213360" y="176014"/>
+            <a:ext cx="7426960" cy="584775"/>
+          </a:xfrm>
+          <a:prstGeom prst="rect">
+            <a:avLst/>
+          </a:prstGeom>
+          <a:noFill/>
+        </p:spPr>
+        <p:txBody>
+          <a:bodyPr wrap="square">
+            <a:spAutoFit/>
+          </a:bodyPr>
+          <a:lstStyle/>
+          <a:p>
+            <a:r>
+              <a:rPr lang="en-IN" sz="3200" b="1" dirty="0">
+                <a:solidFill>
+                  <a:schemeClr val="bg1"/>
+                </a:solidFill>
+              </a:rPr>
+              <a:t>Winning Candidates by Age Group</a:t>
+            </a:r>
+            <a:endParaRPr lang="en-IN" sz="3200" dirty="0">
+              <a:solidFill>
+                <a:schemeClr val="bg1"/>
+              </a:solidFill>
+            </a:endParaRPr>
+          </a:p>
+        </p:txBody>
+      </p:sp>
       <p:pic>
         <p:nvPicPr>
-          <p:cNvPr id="3" name="Picture 2" descr="A blue bar graph with black text&#10;&#10;Description automatically generated">
-            <a:extLst>
-              <a:ext uri="{FF2B5EF4-FFF2-40B4-BE49-F238E27FC236}">
-                <a16:creationId xmlns:a16="http://schemas.microsoft.com/office/drawing/2014/main" id="{8AE6AF30-2033-05B7-1BD7-0858A38D2B2B}"/>
+          <p:cNvPr id="4" name="Picture 3" descr="A blue squares with numbers and a black text">
+            <a:extLst>
+              <a:ext uri="{FF2B5EF4-FFF2-40B4-BE49-F238E27FC236}">
+                <a16:creationId xmlns:a16="http://schemas.microsoft.com/office/drawing/2014/main" id="{0CFDCDA0-FE3A-6E76-EDB9-CC87DE652A56}"/>
               </a:ext>
             </a:extLst>
           </p:cNvPr>
@@ -8740,8 +8855,8 @@
         </p:blipFill>
         <p:spPr>
           <a:xfrm>
-            <a:off x="6012890" y="697856"/>
-            <a:ext cx="3681947" cy="2109766"/>
+            <a:off x="6096000" y="1024908"/>
+            <a:ext cx="4972744" cy="1648055"/>
           </a:xfrm>
           <a:prstGeom prst="rect">
             <a:avLst/>
@@ -8750,10 +8865,10 @@
       </p:pic>
       <p:pic>
         <p:nvPicPr>
-          <p:cNvPr id="5" name="Picture 4" descr="A bar graph with numbers and text&#10;&#10;Description automatically generated">
-            <a:extLst>
-              <a:ext uri="{FF2B5EF4-FFF2-40B4-BE49-F238E27FC236}">
-                <a16:creationId xmlns:a16="http://schemas.microsoft.com/office/drawing/2014/main" id="{C105BC8B-4FB1-364E-6B95-B2294E74668C}"/>
+          <p:cNvPr id="6" name="Picture 5" descr="A graph of a number and a number of blue squares">
+            <a:extLst>
+              <a:ext uri="{FF2B5EF4-FFF2-40B4-BE49-F238E27FC236}">
+                <a16:creationId xmlns:a16="http://schemas.microsoft.com/office/drawing/2014/main" id="{F5DAD24C-6EC8-4142-CF54-2994C0324C61}"/>
               </a:ext>
             </a:extLst>
           </p:cNvPr>
@@ -8776,8 +8891,8 @@
         </p:blipFill>
         <p:spPr>
           <a:xfrm>
-            <a:off x="823176" y="692777"/>
-            <a:ext cx="3543795" cy="2114845"/>
+            <a:off x="549675" y="1024908"/>
+            <a:ext cx="4820323" cy="1571844"/>
           </a:xfrm>
           <a:prstGeom prst="rect">
             <a:avLst/>
@@ -8789,7 +8904,7 @@
           <p:cNvPr id="9" name="TextBox 8">
             <a:extLst>
               <a:ext uri="{FF2B5EF4-FFF2-40B4-BE49-F238E27FC236}">
-                <a16:creationId xmlns:a16="http://schemas.microsoft.com/office/drawing/2014/main" id="{8BAB4F5F-D28A-9AE1-CF01-06DA4019BA5B}"/>
+                <a16:creationId xmlns:a16="http://schemas.microsoft.com/office/drawing/2014/main" id="{6EC562AB-5E00-1016-19E0-266124B55FA4}"/>
               </a:ext>
             </a:extLst>
           </p:cNvPr>
@@ -8799,7 +8914,7 @@
         <p:spPr>
           <a:xfrm>
             <a:off x="254000" y="3021420"/>
-            <a:ext cx="11765280" cy="7386638"/>
+            <a:ext cx="11765280" cy="6801862"/>
           </a:xfrm>
           <a:prstGeom prst="rect">
             <a:avLst/>
@@ -8812,7 +8927,10 @@
           </a:bodyPr>
           <a:lstStyle/>
           <a:p>
-            <a:endParaRPr lang="en-US" sz="2000" dirty="0"/>
+            <a:r>
+              <a:rPr lang="en-US" sz="2000" dirty="0"/>
+              <a:t>\</a:t>
+            </a:r>
           </a:p>
           <a:p>
             <a:pPr marL="285750" indent="-285750">
@@ -8825,15 +8943,40 @@
                   <a:schemeClr val="bg1"/>
                 </a:solidFill>
               </a:rPr>
-              <a:t>BJP, lead by Mr. Narendra Modi had a landslide victory in both the elections of 2014,2019 with 282  (including Odisha -1 and </a:t>
-            </a:r>
-            <a:r>
-              <a:rPr lang="en-IN" sz="2000" dirty="0">
+              <a:t>The age group of 40-60 comprises the largest number of winning candidates in both the elections thereby indicating the dominance of middle-aged politicians in elected positions.</a:t>
+            </a:r>
+          </a:p>
+          <a:p>
+            <a:pPr marL="285750" indent="-285750">
+              <a:buFont typeface="Arial" panose="020B0604020202020204" pitchFamily="34" charset="0"/>
+              <a:buChar char="•"/>
+            </a:pPr>
+            <a:endParaRPr lang="en-US" sz="2000" dirty="0">
+              <a:solidFill>
+                <a:schemeClr val="bg1"/>
+              </a:solidFill>
+            </a:endParaRPr>
+          </a:p>
+          <a:p>
+            <a:pPr marL="285750" indent="-285750">
+              <a:buFont typeface="Arial" panose="020B0604020202020204" pitchFamily="34" charset="0"/>
+              <a:buChar char="•"/>
+            </a:pPr>
+            <a:r>
+              <a:rPr lang="en-US" sz="2000" dirty="0">
                 <a:solidFill>
                   <a:schemeClr val="bg1"/>
                 </a:solidFill>
               </a:rPr>
-              <a:t>Chhattisgarh</a:t>
+              <a:t>It also shows that there is a significant number of winning candidates who are elderly (60-80) accounting to nearly </a:t>
+            </a:r>
+            <a:r>
+              <a:rPr lang="en-US" sz="2000" b="1" dirty="0">
+                <a:solidFill>
+                  <a:schemeClr val="bg1"/>
+                </a:solidFill>
+              </a:rPr>
+              <a:t>32%</a:t>
             </a:r>
             <a:r>
               <a:rPr lang="en-US" sz="2000" dirty="0">
@@ -8841,7 +8984,23 @@
                   <a:schemeClr val="bg1"/>
                 </a:solidFill>
               </a:rPr>
-              <a:t> -10 ) and 303 seats respectively, surpassing the majority mark of 272 seats. </a:t>
+              <a:t> followed by representation of younger candidates (nearly </a:t>
+            </a:r>
+            <a:r>
+              <a:rPr lang="en-US" sz="2000" b="1" dirty="0">
+                <a:solidFill>
+                  <a:schemeClr val="bg1"/>
+                </a:solidFill>
+              </a:rPr>
+              <a:t>11%</a:t>
+            </a:r>
+            <a:r>
+              <a:rPr lang="en-US" sz="2000" dirty="0">
+                <a:solidFill>
+                  <a:schemeClr val="bg1"/>
+                </a:solidFill>
+              </a:rPr>
+              <a:t>).</a:t>
             </a:r>
           </a:p>
           <a:p>
@@ -8866,7 +9025,7 @@
                   <a:schemeClr val="bg1"/>
                 </a:solidFill>
               </a:rPr>
-              <a:t>He won 2 seats (Vadodara, Varanasi) in 2014 and Varanasi constituency in the 2019 elections significantly.</a:t>
+              <a:t>The diverse age representation in political leadership underscores the importance of implementing policies that can cater to the needs and aspirations of citizens across all age groups.</a:t>
             </a:r>
           </a:p>
           <a:p>
@@ -8885,42 +9044,7 @@
               <a:buFont typeface="Arial" panose="020B0604020202020204" pitchFamily="34" charset="0"/>
               <a:buChar char="•"/>
             </a:pPr>
-            <a:r>
-              <a:rPr lang="en-US" sz="2000" dirty="0">
-                <a:solidFill>
-                  <a:schemeClr val="bg1"/>
-                </a:solidFill>
-              </a:rPr>
-              <a:t>INC, lead by Rahul Gandhi suffered a heavy loss with less than 20% vote share in both the elections.</a:t>
-            </a:r>
-          </a:p>
-          <a:p>
-            <a:pPr marL="285750" indent="-285750">
-              <a:buFont typeface="Arial" panose="020B0604020202020204" pitchFamily="34" charset="0"/>
-              <a:buChar char="•"/>
-            </a:pPr>
             <a:endParaRPr lang="en-US" sz="2000" dirty="0">
-              <a:solidFill>
-                <a:schemeClr val="bg1"/>
-              </a:solidFill>
-            </a:endParaRPr>
-          </a:p>
-          <a:p>
-            <a:pPr marL="285750" indent="-285750">
-              <a:buFont typeface="Arial" panose="020B0604020202020204" pitchFamily="34" charset="0"/>
-              <a:buChar char="•"/>
-            </a:pPr>
-            <a:r>
-              <a:rPr lang="en-US" sz="2000" dirty="0">
-                <a:solidFill>
-                  <a:schemeClr val="bg1"/>
-                </a:solidFill>
-              </a:rPr>
-              <a:t>He won in Amethi constituency in 2014 ad Wayanad constituency in 2019 with a margin victory of 40% and 12 % respectively.</a:t>
-            </a:r>
-          </a:p>
-          <a:p>
-            <a:endParaRPr lang="en-US" dirty="0">
               <a:solidFill>
                 <a:schemeClr val="bg1"/>
               </a:solidFill>
@@ -8970,7 +9094,7 @@
     </p:spTree>
     <p:extLst>
       <p:ext uri="{BB962C8B-B14F-4D97-AF65-F5344CB8AC3E}">
-        <p14:creationId xmlns:p14="http://schemas.microsoft.com/office/powerpoint/2010/main" val="836391041"/>
+        <p14:creationId xmlns:p14="http://schemas.microsoft.com/office/powerpoint/2010/main" val="4102604084"/>
       </p:ext>
     </p:extLst>
   </p:cSld>
@@ -9038,7 +9162,7 @@
           <p:cNvPr id="2" name="TextBox 1">
             <a:extLst>
               <a:ext uri="{FF2B5EF4-FFF2-40B4-BE49-F238E27FC236}">
-                <a16:creationId xmlns:a16="http://schemas.microsoft.com/office/drawing/2014/main" id="{ABD46DDC-C711-8B74-257E-9A449B8B3092}"/>
+                <a16:creationId xmlns:a16="http://schemas.microsoft.com/office/drawing/2014/main" id="{148C38E8-9DA5-F1CF-0806-24F198D3A0D4}"/>
               </a:ext>
             </a:extLst>
           </p:cNvPr>
@@ -9067,7 +9191,7 @@
                   <a:schemeClr val="bg1"/>
                 </a:solidFill>
               </a:rPr>
-              <a:t>Winning Candidates by Age Group</a:t>
+              <a:t>Winning Candidates by Category</a:t>
             </a:r>
             <a:endParaRPr lang="en-IN" sz="3200" dirty="0">
               <a:solidFill>
@@ -9079,10 +9203,10 @@
       </p:sp>
       <p:pic>
         <p:nvPicPr>
-          <p:cNvPr id="4" name="Picture 3" descr="A blue squares with numbers and a black text">
-            <a:extLst>
-              <a:ext uri="{FF2B5EF4-FFF2-40B4-BE49-F238E27FC236}">
-                <a16:creationId xmlns:a16="http://schemas.microsoft.com/office/drawing/2014/main" id="{0CFDCDA0-FE3A-6E76-EDB9-CC87DE652A56}"/>
+          <p:cNvPr id="4" name="Picture 3" descr="A blue rectangles with black text&#10;&#10;Description automatically generated">
+            <a:extLst>
+              <a:ext uri="{FF2B5EF4-FFF2-40B4-BE49-F238E27FC236}">
+                <a16:creationId xmlns:a16="http://schemas.microsoft.com/office/drawing/2014/main" id="{A55E789F-0A11-918A-4AB7-539698DE2299}"/>
               </a:ext>
             </a:extLst>
           </p:cNvPr>
@@ -9105,8 +9229,8 @@
         </p:blipFill>
         <p:spPr>
           <a:xfrm>
-            <a:off x="6096000" y="1024908"/>
-            <a:ext cx="4972744" cy="1648055"/>
+            <a:off x="6379527" y="1032534"/>
+            <a:ext cx="4553585" cy="1687895"/>
           </a:xfrm>
           <a:prstGeom prst="rect">
             <a:avLst/>
@@ -9115,10 +9239,10 @@
       </p:pic>
       <p:pic>
         <p:nvPicPr>
-          <p:cNvPr id="6" name="Picture 5" descr="A graph of a number and a number of blue squares">
-            <a:extLst>
-              <a:ext uri="{FF2B5EF4-FFF2-40B4-BE49-F238E27FC236}">
-                <a16:creationId xmlns:a16="http://schemas.microsoft.com/office/drawing/2014/main" id="{F5DAD24C-6EC8-4142-CF54-2994C0324C61}"/>
+          <p:cNvPr id="6" name="Picture 5" descr="A blue rectangles with black text">
+            <a:extLst>
+              <a:ext uri="{FF2B5EF4-FFF2-40B4-BE49-F238E27FC236}">
+                <a16:creationId xmlns:a16="http://schemas.microsoft.com/office/drawing/2014/main" id="{A2146C2C-4739-8742-38F5-2C0449B51D6E}"/>
               </a:ext>
             </a:extLst>
           </p:cNvPr>
@@ -9141,8 +9265,8 @@
         </p:blipFill>
         <p:spPr>
           <a:xfrm>
-            <a:off x="549675" y="1024908"/>
-            <a:ext cx="4820323" cy="1571844"/>
+            <a:off x="1570993" y="1032535"/>
+            <a:ext cx="4525006" cy="1640215"/>
           </a:xfrm>
           <a:prstGeom prst="rect">
             <a:avLst/>
@@ -9151,10 +9275,10 @@
       </p:pic>
       <p:sp>
         <p:nvSpPr>
-          <p:cNvPr id="9" name="TextBox 8">
-            <a:extLst>
-              <a:ext uri="{FF2B5EF4-FFF2-40B4-BE49-F238E27FC236}">
-                <a16:creationId xmlns:a16="http://schemas.microsoft.com/office/drawing/2014/main" id="{6EC562AB-5E00-1016-19E0-266124B55FA4}"/>
+          <p:cNvPr id="8" name="TextBox 7">
+            <a:extLst>
+              <a:ext uri="{FF2B5EF4-FFF2-40B4-BE49-F238E27FC236}">
+                <a16:creationId xmlns:a16="http://schemas.microsoft.com/office/drawing/2014/main" id="{C4750837-9B3E-0CA2-F7DB-C0292C864A68}"/>
               </a:ext>
             </a:extLst>
           </p:cNvPr>
@@ -9163,8 +9287,8 @@
         </p:nvSpPr>
         <p:spPr>
           <a:xfrm>
-            <a:off x="254000" y="3021420"/>
-            <a:ext cx="11765280" cy="6801862"/>
+            <a:off x="558800" y="2976880"/>
+            <a:ext cx="11094720" cy="5878532"/>
           </a:xfrm>
           <a:prstGeom prst="rect">
             <a:avLst/>
@@ -9172,179 +9296,208 @@
           <a:noFill/>
         </p:spPr>
         <p:txBody>
-          <a:bodyPr wrap="square">
+          <a:bodyPr wrap="square" rtlCol="0">
             <a:spAutoFit/>
           </a:bodyPr>
           <a:lstStyle/>
           <a:p>
-            <a:r>
-              <a:rPr lang="en-US" sz="2000" dirty="0"/>
-              <a:t>\</a:t>
-            </a:r>
+            <a:pPr marL="342900" indent="-342900">
+              <a:buFont typeface="Arial" panose="020B0604020202020204" pitchFamily="34" charset="0"/>
+              <a:buChar char="•"/>
+            </a:pPr>
+            <a:r>
+              <a:rPr lang="en-IN" sz="2000" dirty="0">
+                <a:solidFill>
+                  <a:schemeClr val="bg1"/>
+                </a:solidFill>
+              </a:rPr>
+              <a:t>There is a significant increase in the number of winning candidates across all categories. </a:t>
+            </a:r>
+          </a:p>
+          <a:p>
+            <a:pPr marL="342900" indent="-342900">
+              <a:buFont typeface="Arial" panose="020B0604020202020204" pitchFamily="34" charset="0"/>
+              <a:buChar char="•"/>
+            </a:pPr>
+            <a:endParaRPr lang="en-IN" sz="2000" dirty="0">
+              <a:solidFill>
+                <a:schemeClr val="bg1"/>
+              </a:solidFill>
+            </a:endParaRPr>
+          </a:p>
+          <a:p>
+            <a:pPr marL="342900" indent="-342900">
+              <a:buFont typeface="Arial" panose="020B0604020202020204" pitchFamily="34" charset="0"/>
+              <a:buChar char="•"/>
+            </a:pPr>
+            <a:r>
+              <a:rPr lang="en-IN" sz="2000" dirty="0">
+                <a:solidFill>
+                  <a:schemeClr val="bg1"/>
+                </a:solidFill>
+              </a:rPr>
+              <a:t>SC has contributed to nearly </a:t>
+            </a:r>
+            <a:r>
+              <a:rPr lang="en-IN" sz="2000" b="1" dirty="0">
+                <a:solidFill>
+                  <a:schemeClr val="bg1"/>
+                </a:solidFill>
+              </a:rPr>
+              <a:t>15%</a:t>
+            </a:r>
+            <a:r>
+              <a:rPr lang="en-IN" sz="2000" dirty="0">
+                <a:solidFill>
+                  <a:schemeClr val="bg1"/>
+                </a:solidFill>
+              </a:rPr>
+              <a:t> of winning candidates and ST to nearly </a:t>
+            </a:r>
+            <a:r>
+              <a:rPr lang="en-IN" sz="2000" b="1" dirty="0">
+                <a:solidFill>
+                  <a:schemeClr val="bg1"/>
+                </a:solidFill>
+              </a:rPr>
+              <a:t>9%</a:t>
+            </a:r>
+            <a:r>
+              <a:rPr lang="en-IN" sz="2000" dirty="0">
+                <a:solidFill>
+                  <a:schemeClr val="bg1"/>
+                </a:solidFill>
+              </a:rPr>
+              <a:t> in both the elections.</a:t>
+            </a:r>
+          </a:p>
+          <a:p>
+            <a:pPr marL="342900" indent="-342900">
+              <a:buFont typeface="Arial" panose="020B0604020202020204" pitchFamily="34" charset="0"/>
+              <a:buChar char="•"/>
+            </a:pPr>
+            <a:endParaRPr lang="en-IN" sz="2000" dirty="0">
+              <a:solidFill>
+                <a:schemeClr val="bg1"/>
+              </a:solidFill>
+            </a:endParaRPr>
+          </a:p>
+          <a:p>
+            <a:pPr marL="342900" indent="-342900">
+              <a:buFont typeface="Arial" panose="020B0604020202020204" pitchFamily="34" charset="0"/>
+              <a:buChar char="•"/>
+            </a:pPr>
+            <a:r>
+              <a:rPr lang="en-US" sz="2000" dirty="0">
+                <a:solidFill>
+                  <a:schemeClr val="bg1"/>
+                </a:solidFill>
+              </a:rPr>
+              <a:t>The increase in winning candidates across all categories suggests a progressive trend in political representation, aiming for a more inclusive and diverse political landscape.</a:t>
+            </a:r>
+            <a:endParaRPr lang="en-IN" sz="2000" dirty="0">
+              <a:solidFill>
+                <a:schemeClr val="bg1"/>
+              </a:solidFill>
+            </a:endParaRPr>
+          </a:p>
+          <a:p>
+            <a:endParaRPr lang="en-IN" sz="2000" dirty="0">
+              <a:solidFill>
+                <a:schemeClr val="bg1"/>
+              </a:solidFill>
+            </a:endParaRPr>
           </a:p>
           <a:p>
             <a:pPr marL="285750" indent="-285750">
               <a:buFont typeface="Arial" panose="020B0604020202020204" pitchFamily="34" charset="0"/>
               <a:buChar char="•"/>
             </a:pPr>
-            <a:r>
-              <a:rPr lang="en-US" sz="2000" dirty="0">
-                <a:solidFill>
-                  <a:schemeClr val="bg1"/>
-                </a:solidFill>
-              </a:rPr>
-              <a:t>The age group of 40-60 comprises the largest number of winning candidates in both the elections thereby indicating the dominance of middle-aged politicians in elected positions.</a:t>
-            </a:r>
+            <a:endParaRPr lang="en-IN" dirty="0"/>
           </a:p>
           <a:p>
             <a:pPr marL="285750" indent="-285750">
               <a:buFont typeface="Arial" panose="020B0604020202020204" pitchFamily="34" charset="0"/>
               <a:buChar char="•"/>
             </a:pPr>
-            <a:endParaRPr lang="en-US" sz="2000" dirty="0">
-              <a:solidFill>
-                <a:schemeClr val="bg1"/>
-              </a:solidFill>
-            </a:endParaRPr>
+            <a:endParaRPr lang="en-IN" dirty="0"/>
           </a:p>
           <a:p>
             <a:pPr marL="285750" indent="-285750">
               <a:buFont typeface="Arial" panose="020B0604020202020204" pitchFamily="34" charset="0"/>
               <a:buChar char="•"/>
             </a:pPr>
-            <a:r>
-              <a:rPr lang="en-US" sz="2000" dirty="0">
-                <a:solidFill>
-                  <a:schemeClr val="bg1"/>
-                </a:solidFill>
-              </a:rPr>
-              <a:t>It also shows that there is a significant number of winning candidates who are elderly (60-80) accounting to nearly </a:t>
-            </a:r>
-            <a:r>
-              <a:rPr lang="en-US" sz="2000" b="1" dirty="0">
-                <a:solidFill>
-                  <a:schemeClr val="bg1"/>
-                </a:solidFill>
-              </a:rPr>
-              <a:t>32%</a:t>
-            </a:r>
-            <a:r>
-              <a:rPr lang="en-US" sz="2000" dirty="0">
-                <a:solidFill>
-                  <a:schemeClr val="bg1"/>
-                </a:solidFill>
-              </a:rPr>
-              <a:t> followed by representation of younger candidates (nearly </a:t>
-            </a:r>
-            <a:r>
-              <a:rPr lang="en-US" sz="2000" b="1" dirty="0">
-                <a:solidFill>
-                  <a:schemeClr val="bg1"/>
-                </a:solidFill>
-              </a:rPr>
-              <a:t>11%</a:t>
-            </a:r>
-            <a:r>
-              <a:rPr lang="en-US" sz="2000" dirty="0">
-                <a:solidFill>
-                  <a:schemeClr val="bg1"/>
-                </a:solidFill>
-              </a:rPr>
-              <a:t>).</a:t>
-            </a:r>
+            <a:endParaRPr lang="en-IN" dirty="0"/>
           </a:p>
           <a:p>
             <a:pPr marL="285750" indent="-285750">
               <a:buFont typeface="Arial" panose="020B0604020202020204" pitchFamily="34" charset="0"/>
               <a:buChar char="•"/>
             </a:pPr>
-            <a:endParaRPr lang="en-US" sz="2000" dirty="0">
-              <a:solidFill>
-                <a:schemeClr val="bg1"/>
-              </a:solidFill>
-            </a:endParaRPr>
+            <a:endParaRPr lang="en-IN" dirty="0"/>
           </a:p>
           <a:p>
             <a:pPr marL="285750" indent="-285750">
               <a:buFont typeface="Arial" panose="020B0604020202020204" pitchFamily="34" charset="0"/>
               <a:buChar char="•"/>
             </a:pPr>
-            <a:r>
-              <a:rPr lang="en-US" sz="2000" dirty="0">
-                <a:solidFill>
-                  <a:schemeClr val="bg1"/>
-                </a:solidFill>
-              </a:rPr>
-              <a:t>The diverse age representation in political leadership underscores the importance of implementing policies that can cater to the needs and aspirations of citizens across all age groups.</a:t>
-            </a:r>
+            <a:endParaRPr lang="en-IN" dirty="0"/>
           </a:p>
           <a:p>
             <a:pPr marL="285750" indent="-285750">
               <a:buFont typeface="Arial" panose="020B0604020202020204" pitchFamily="34" charset="0"/>
               <a:buChar char="•"/>
             </a:pPr>
-            <a:endParaRPr lang="en-US" sz="2000" dirty="0">
-              <a:solidFill>
-                <a:schemeClr val="bg1"/>
-              </a:solidFill>
-            </a:endParaRPr>
+            <a:endParaRPr lang="en-IN" dirty="0"/>
           </a:p>
           <a:p>
             <a:pPr marL="285750" indent="-285750">
               <a:buFont typeface="Arial" panose="020B0604020202020204" pitchFamily="34" charset="0"/>
               <a:buChar char="•"/>
             </a:pPr>
-            <a:endParaRPr lang="en-US" sz="2000" dirty="0">
-              <a:solidFill>
-                <a:schemeClr val="bg1"/>
-              </a:solidFill>
-            </a:endParaRPr>
-          </a:p>
-          <a:p>
-            <a:endParaRPr lang="en-US" dirty="0"/>
-          </a:p>
-          <a:p>
-            <a:endParaRPr lang="en-US" dirty="0"/>
-          </a:p>
-          <a:p>
-            <a:endParaRPr lang="en-US" dirty="0"/>
-          </a:p>
-          <a:p>
-            <a:endParaRPr lang="en-US" dirty="0"/>
-          </a:p>
-          <a:p>
-            <a:endParaRPr lang="en-US" dirty="0"/>
-          </a:p>
-          <a:p>
-            <a:endParaRPr lang="en-US" dirty="0"/>
-          </a:p>
-          <a:p>
-            <a:endParaRPr lang="en-US" dirty="0"/>
-          </a:p>
-          <a:p>
-            <a:endParaRPr lang="en-US" dirty="0"/>
-          </a:p>
-          <a:p>
-            <a:endParaRPr lang="en-US" dirty="0"/>
-          </a:p>
-          <a:p>
-            <a:endParaRPr lang="en-US" dirty="0"/>
-          </a:p>
-          <a:p>
-            <a:endParaRPr lang="en-US" dirty="0"/>
-          </a:p>
-          <a:p>
-            <a:r>
-              <a:rPr lang="en-US" dirty="0"/>
-              <a:t>                                                                                                                                                                                                                     </a:t>
-            </a:r>
+            <a:endParaRPr lang="en-IN" dirty="0"/>
+          </a:p>
+          <a:p>
+            <a:pPr marL="285750" indent="-285750">
+              <a:buFont typeface="Arial" panose="020B0604020202020204" pitchFamily="34" charset="0"/>
+              <a:buChar char="•"/>
+            </a:pPr>
+            <a:endParaRPr lang="en-IN" dirty="0"/>
+          </a:p>
+          <a:p>
+            <a:pPr marL="285750" indent="-285750">
+              <a:buFont typeface="Arial" panose="020B0604020202020204" pitchFamily="34" charset="0"/>
+              <a:buChar char="•"/>
+            </a:pPr>
+            <a:endParaRPr lang="en-IN" dirty="0"/>
+          </a:p>
+          <a:p>
+            <a:pPr marL="285750" indent="-285750">
+              <a:buFont typeface="Arial" panose="020B0604020202020204" pitchFamily="34" charset="0"/>
+              <a:buChar char="•"/>
+            </a:pPr>
+            <a:endParaRPr lang="en-IN" dirty="0"/>
+          </a:p>
+          <a:p>
+            <a:pPr marL="285750" indent="-285750">
+              <a:buFont typeface="Arial" panose="020B0604020202020204" pitchFamily="34" charset="0"/>
+              <a:buChar char="•"/>
+            </a:pPr>
+            <a:endParaRPr lang="en-IN" dirty="0"/>
+          </a:p>
+          <a:p>
+            <a:pPr marL="285750" indent="-285750">
+              <a:buFont typeface="Arial" panose="020B0604020202020204" pitchFamily="34" charset="0"/>
+              <a:buChar char="•"/>
+            </a:pPr>
+            <a:endParaRPr lang="en-IN" dirty="0"/>
           </a:p>
         </p:txBody>
       </p:sp>
     </p:spTree>
     <p:extLst>
       <p:ext uri="{BB962C8B-B14F-4D97-AF65-F5344CB8AC3E}">
-        <p14:creationId xmlns:p14="http://schemas.microsoft.com/office/powerpoint/2010/main" val="4102604084"/>
+        <p14:creationId xmlns:p14="http://schemas.microsoft.com/office/powerpoint/2010/main" val="1266380231"/>
       </p:ext>
     </p:extLst>
   </p:cSld>
@@ -9399,7 +9552,7 @@
         </p:blipFill>
         <p:spPr>
           <a:xfrm>
-            <a:off x="0" y="0"/>
+            <a:off x="0" y="30480"/>
             <a:ext cx="12192000" cy="6858000"/>
           </a:xfrm>
           <a:prstGeom prst="rect">
@@ -9407,56 +9560,12 @@
           </a:prstGeom>
         </p:spPr>
       </p:pic>
-      <p:sp>
-        <p:nvSpPr>
-          <p:cNvPr id="2" name="TextBox 1">
-            <a:extLst>
-              <a:ext uri="{FF2B5EF4-FFF2-40B4-BE49-F238E27FC236}">
-                <a16:creationId xmlns:a16="http://schemas.microsoft.com/office/drawing/2014/main" id="{148C38E8-9DA5-F1CF-0806-24F198D3A0D4}"/>
-              </a:ext>
-            </a:extLst>
-          </p:cNvPr>
-          <p:cNvSpPr txBox="1"/>
-          <p:nvPr/>
-        </p:nvSpPr>
-        <p:spPr>
-          <a:xfrm>
-            <a:off x="213360" y="176014"/>
-            <a:ext cx="7426960" cy="584775"/>
-          </a:xfrm>
-          <a:prstGeom prst="rect">
-            <a:avLst/>
-          </a:prstGeom>
-          <a:noFill/>
-        </p:spPr>
-        <p:txBody>
-          <a:bodyPr wrap="square">
-            <a:spAutoFit/>
-          </a:bodyPr>
-          <a:lstStyle/>
-          <a:p>
-            <a:r>
-              <a:rPr lang="en-IN" sz="3200" b="1" dirty="0">
-                <a:solidFill>
-                  <a:schemeClr val="bg1"/>
-                </a:solidFill>
-              </a:rPr>
-              <a:t>Winning Candidates by Category</a:t>
-            </a:r>
-            <a:endParaRPr lang="en-IN" sz="3200" dirty="0">
-              <a:solidFill>
-                <a:schemeClr val="bg1"/>
-              </a:solidFill>
-            </a:endParaRPr>
-          </a:p>
-        </p:txBody>
-      </p:sp>
       <p:pic>
         <p:nvPicPr>
-          <p:cNvPr id="4" name="Picture 3" descr="A blue rectangles with black text&#10;&#10;Description automatically generated">
-            <a:extLst>
-              <a:ext uri="{FF2B5EF4-FFF2-40B4-BE49-F238E27FC236}">
-                <a16:creationId xmlns:a16="http://schemas.microsoft.com/office/drawing/2014/main" id="{A55E789F-0A11-918A-4AB7-539698DE2299}"/>
+          <p:cNvPr id="3" name="Picture 2" descr="A blue bar graph with black text&#10;&#10;Description automatically generated">
+            <a:extLst>
+              <a:ext uri="{FF2B5EF4-FFF2-40B4-BE49-F238E27FC236}">
+                <a16:creationId xmlns:a16="http://schemas.microsoft.com/office/drawing/2014/main" id="{8AE6AF30-2033-05B7-1BD7-0858A38D2B2B}"/>
               </a:ext>
             </a:extLst>
           </p:cNvPr>
@@ -9479,8 +9588,8 @@
         </p:blipFill>
         <p:spPr>
           <a:xfrm>
-            <a:off x="6379527" y="1032534"/>
-            <a:ext cx="4553585" cy="1687895"/>
+            <a:off x="6012890" y="697856"/>
+            <a:ext cx="3681947" cy="2109766"/>
           </a:xfrm>
           <a:prstGeom prst="rect">
             <a:avLst/>
@@ -9489,10 +9598,10 @@
       </p:pic>
       <p:pic>
         <p:nvPicPr>
-          <p:cNvPr id="6" name="Picture 5" descr="A blue rectangles with black text">
-            <a:extLst>
-              <a:ext uri="{FF2B5EF4-FFF2-40B4-BE49-F238E27FC236}">
-                <a16:creationId xmlns:a16="http://schemas.microsoft.com/office/drawing/2014/main" id="{A2146C2C-4739-8742-38F5-2C0449B51D6E}"/>
+          <p:cNvPr id="5" name="Picture 4" descr="A bar graph with numbers and text&#10;&#10;Description automatically generated">
+            <a:extLst>
+              <a:ext uri="{FF2B5EF4-FFF2-40B4-BE49-F238E27FC236}">
+                <a16:creationId xmlns:a16="http://schemas.microsoft.com/office/drawing/2014/main" id="{C105BC8B-4FB1-364E-6B95-B2294E74668C}"/>
               </a:ext>
             </a:extLst>
           </p:cNvPr>
@@ -9515,8 +9624,8 @@
         </p:blipFill>
         <p:spPr>
           <a:xfrm>
-            <a:off x="1570993" y="1032535"/>
-            <a:ext cx="4525006" cy="1640215"/>
+            <a:off x="823176" y="692777"/>
+            <a:ext cx="3543795" cy="2114845"/>
           </a:xfrm>
           <a:prstGeom prst="rect">
             <a:avLst/>
@@ -9525,10 +9634,10 @@
       </p:pic>
       <p:sp>
         <p:nvSpPr>
-          <p:cNvPr id="8" name="TextBox 7">
-            <a:extLst>
-              <a:ext uri="{FF2B5EF4-FFF2-40B4-BE49-F238E27FC236}">
-                <a16:creationId xmlns:a16="http://schemas.microsoft.com/office/drawing/2014/main" id="{C4750837-9B3E-0CA2-F7DB-C0292C864A68}"/>
+          <p:cNvPr id="9" name="TextBox 8">
+            <a:extLst>
+              <a:ext uri="{FF2B5EF4-FFF2-40B4-BE49-F238E27FC236}">
+                <a16:creationId xmlns:a16="http://schemas.microsoft.com/office/drawing/2014/main" id="{8BAB4F5F-D28A-9AE1-CF01-06DA4019BA5B}"/>
               </a:ext>
             </a:extLst>
           </p:cNvPr>
@@ -9537,8 +9646,8 @@
         </p:nvSpPr>
         <p:spPr>
           <a:xfrm>
-            <a:off x="558800" y="2976880"/>
-            <a:ext cx="11094720" cy="5878532"/>
+            <a:off x="254000" y="3021420"/>
+            <a:ext cx="11765280" cy="7386638"/>
           </a:xfrm>
           <a:prstGeom prst="rect">
             <a:avLst/>
@@ -9546,208 +9655,214 @@
           <a:noFill/>
         </p:spPr>
         <p:txBody>
-          <a:bodyPr wrap="square" rtlCol="0">
+          <a:bodyPr wrap="square">
             <a:spAutoFit/>
           </a:bodyPr>
           <a:lstStyle/>
           <a:p>
-            <a:pPr marL="342900" indent="-342900">
-              <a:buFont typeface="Arial" panose="020B0604020202020204" pitchFamily="34" charset="0"/>
-              <a:buChar char="•"/>
-            </a:pPr>
+            <a:endParaRPr lang="en-US" sz="2000" dirty="0"/>
+          </a:p>
+          <a:p>
+            <a:pPr marL="285750" indent="-285750">
+              <a:buFont typeface="Arial" panose="020B0604020202020204" pitchFamily="34" charset="0"/>
+              <a:buChar char="•"/>
+            </a:pPr>
+            <a:r>
+              <a:rPr lang="en-US" sz="2000" dirty="0">
+                <a:solidFill>
+                  <a:schemeClr val="bg1"/>
+                </a:solidFill>
+              </a:rPr>
+              <a:t>BJP, lead by Mr. Narendra Modi had a landslide victory in both the elections of 2014,2019 with 282  (including Odisha -1 and </a:t>
+            </a:r>
             <a:r>
               <a:rPr lang="en-IN" sz="2000" dirty="0">
                 <a:solidFill>
                   <a:schemeClr val="bg1"/>
                 </a:solidFill>
               </a:rPr>
-              <a:t>There is a significant increase in the number of winning candidates across all categories. </a:t>
-            </a:r>
-          </a:p>
-          <a:p>
-            <a:pPr marL="342900" indent="-342900">
-              <a:buFont typeface="Arial" panose="020B0604020202020204" pitchFamily="34" charset="0"/>
-              <a:buChar char="•"/>
-            </a:pPr>
-            <a:endParaRPr lang="en-IN" sz="2000" dirty="0">
-              <a:solidFill>
-                <a:schemeClr val="bg1"/>
-              </a:solidFill>
-            </a:endParaRPr>
-          </a:p>
-          <a:p>
-            <a:pPr marL="342900" indent="-342900">
-              <a:buFont typeface="Arial" panose="020B0604020202020204" pitchFamily="34" charset="0"/>
-              <a:buChar char="•"/>
-            </a:pPr>
-            <a:r>
-              <a:rPr lang="en-IN" sz="2000" dirty="0">
+              <a:t>Chhattisgarh</a:t>
+            </a:r>
+            <a:r>
+              <a:rPr lang="en-US" sz="2000" dirty="0">
                 <a:solidFill>
                   <a:schemeClr val="bg1"/>
                 </a:solidFill>
               </a:rPr>
-              <a:t>SC has contributed to nearly </a:t>
-            </a:r>
-            <a:r>
-              <a:rPr lang="en-IN" sz="2000" b="1" dirty="0">
+              <a:t> -10 ) and 303 seats respectively, surpassing the majority mark of 272 seats. </a:t>
+            </a:r>
+          </a:p>
+          <a:p>
+            <a:pPr marL="285750" indent="-285750">
+              <a:buFont typeface="Arial" panose="020B0604020202020204" pitchFamily="34" charset="0"/>
+              <a:buChar char="•"/>
+            </a:pPr>
+            <a:endParaRPr lang="en-US" sz="2000" dirty="0">
+              <a:solidFill>
+                <a:schemeClr val="bg1"/>
+              </a:solidFill>
+            </a:endParaRPr>
+          </a:p>
+          <a:p>
+            <a:pPr marL="285750" indent="-285750">
+              <a:buFont typeface="Arial" panose="020B0604020202020204" pitchFamily="34" charset="0"/>
+              <a:buChar char="•"/>
+            </a:pPr>
+            <a:r>
+              <a:rPr lang="en-US" sz="2000" dirty="0">
                 <a:solidFill>
                   <a:schemeClr val="bg1"/>
                 </a:solidFill>
               </a:rPr>
-              <a:t>15%</a:t>
-            </a:r>
-            <a:r>
-              <a:rPr lang="en-IN" sz="2000" dirty="0">
+              <a:t>He won 2 seats (Vadodara, Varanasi) in 2014 and Varanasi constituency in the 2019 elections significantly.</a:t>
+            </a:r>
+          </a:p>
+          <a:p>
+            <a:pPr marL="285750" indent="-285750">
+              <a:buFont typeface="Arial" panose="020B0604020202020204" pitchFamily="34" charset="0"/>
+              <a:buChar char="•"/>
+            </a:pPr>
+            <a:endParaRPr lang="en-US" sz="2000" dirty="0">
+              <a:solidFill>
+                <a:schemeClr val="bg1"/>
+              </a:solidFill>
+            </a:endParaRPr>
+          </a:p>
+          <a:p>
+            <a:pPr marL="285750" indent="-285750">
+              <a:buFont typeface="Arial" panose="020B0604020202020204" pitchFamily="34" charset="0"/>
+              <a:buChar char="•"/>
+            </a:pPr>
+            <a:r>
+              <a:rPr lang="en-US" sz="2000" dirty="0">
                 <a:solidFill>
                   <a:schemeClr val="bg1"/>
                 </a:solidFill>
               </a:rPr>
-              <a:t> of winning candidates and ST to nearly </a:t>
-            </a:r>
-            <a:r>
-              <a:rPr lang="en-IN" sz="2000" b="1" dirty="0">
+              <a:t>INC, lead by Rahul Gandhi suffered a heavy loss with less than 20% vote share in both the elections.</a:t>
+            </a:r>
+          </a:p>
+          <a:p>
+            <a:pPr marL="285750" indent="-285750">
+              <a:buFont typeface="Arial" panose="020B0604020202020204" pitchFamily="34" charset="0"/>
+              <a:buChar char="•"/>
+            </a:pPr>
+            <a:endParaRPr lang="en-US" sz="2000" dirty="0">
+              <a:solidFill>
+                <a:schemeClr val="bg1"/>
+              </a:solidFill>
+            </a:endParaRPr>
+          </a:p>
+          <a:p>
+            <a:pPr marL="285750" indent="-285750">
+              <a:buFont typeface="Arial" panose="020B0604020202020204" pitchFamily="34" charset="0"/>
+              <a:buChar char="•"/>
+            </a:pPr>
+            <a:r>
+              <a:rPr lang="en-US" sz="2000" dirty="0">
                 <a:solidFill>
                   <a:schemeClr val="bg1"/>
                 </a:solidFill>
               </a:rPr>
-              <a:t>9%</a:t>
-            </a:r>
-            <a:r>
-              <a:rPr lang="en-IN" sz="2000" dirty="0">
+              <a:t>He won in Amethi constituency in 2014 ad Wayanad constituency in 2019 with a margin victory of 40% and 12 % respectively.</a:t>
+            </a:r>
+          </a:p>
+          <a:p>
+            <a:endParaRPr lang="en-US" dirty="0">
+              <a:solidFill>
+                <a:schemeClr val="bg1"/>
+              </a:solidFill>
+            </a:endParaRPr>
+          </a:p>
+          <a:p>
+            <a:endParaRPr lang="en-US" dirty="0"/>
+          </a:p>
+          <a:p>
+            <a:endParaRPr lang="en-US" dirty="0"/>
+          </a:p>
+          <a:p>
+            <a:endParaRPr lang="en-US" dirty="0"/>
+          </a:p>
+          <a:p>
+            <a:endParaRPr lang="en-US" dirty="0"/>
+          </a:p>
+          <a:p>
+            <a:endParaRPr lang="en-US" dirty="0"/>
+          </a:p>
+          <a:p>
+            <a:endParaRPr lang="en-US" dirty="0"/>
+          </a:p>
+          <a:p>
+            <a:endParaRPr lang="en-US" dirty="0"/>
+          </a:p>
+          <a:p>
+            <a:endParaRPr lang="en-US" dirty="0"/>
+          </a:p>
+          <a:p>
+            <a:endParaRPr lang="en-US" dirty="0"/>
+          </a:p>
+          <a:p>
+            <a:endParaRPr lang="en-US" dirty="0"/>
+          </a:p>
+          <a:p>
+            <a:endParaRPr lang="en-US" dirty="0"/>
+          </a:p>
+          <a:p>
+            <a:r>
+              <a:rPr lang="en-US" dirty="0"/>
+              <a:t>                                                                                                                                                                                                                     </a:t>
+            </a:r>
+          </a:p>
+        </p:txBody>
+      </p:sp>
+      <p:sp>
+        <p:nvSpPr>
+          <p:cNvPr id="2" name="TextBox 1">
+            <a:extLst>
+              <a:ext uri="{FF2B5EF4-FFF2-40B4-BE49-F238E27FC236}">
+                <a16:creationId xmlns:a16="http://schemas.microsoft.com/office/drawing/2014/main" id="{57BC86E9-2BDC-C9B8-D01F-BDEBEBD0F320}"/>
+              </a:ext>
+            </a:extLst>
+          </p:cNvPr>
+          <p:cNvSpPr txBox="1"/>
+          <p:nvPr/>
+        </p:nvSpPr>
+        <p:spPr>
+          <a:xfrm>
+            <a:off x="213360" y="176014"/>
+            <a:ext cx="6156960" cy="584775"/>
+          </a:xfrm>
+          <a:prstGeom prst="rect">
+            <a:avLst/>
+          </a:prstGeom>
+          <a:noFill/>
+        </p:spPr>
+        <p:txBody>
+          <a:bodyPr wrap="square">
+            <a:spAutoFit/>
+          </a:bodyPr>
+          <a:lstStyle/>
+          <a:p>
+            <a:r>
+              <a:rPr lang="en-IN" sz="3200" b="1" dirty="0">
                 <a:solidFill>
                   <a:schemeClr val="bg1"/>
                 </a:solidFill>
               </a:rPr>
-              <a:t> in both the elections.</a:t>
-            </a:r>
-          </a:p>
-          <a:p>
-            <a:pPr marL="342900" indent="-342900">
-              <a:buFont typeface="Arial" panose="020B0604020202020204" pitchFamily="34" charset="0"/>
-              <a:buChar char="•"/>
-            </a:pPr>
-            <a:endParaRPr lang="en-IN" sz="2000" dirty="0">
-              <a:solidFill>
-                <a:schemeClr val="bg1"/>
-              </a:solidFill>
-            </a:endParaRPr>
-          </a:p>
-          <a:p>
-            <a:pPr marL="342900" indent="-342900">
-              <a:buFont typeface="Arial" panose="020B0604020202020204" pitchFamily="34" charset="0"/>
-              <a:buChar char="•"/>
-            </a:pPr>
-            <a:r>
-              <a:rPr lang="en-US" sz="2000" dirty="0">
-                <a:solidFill>
-                  <a:schemeClr val="bg1"/>
-                </a:solidFill>
-              </a:rPr>
-              <a:t>The increase in winning candidates across all categories suggests a progressive trend in political representation, aiming for a more inclusive and diverse political landscape.</a:t>
-            </a:r>
-            <a:endParaRPr lang="en-IN" sz="2000" dirty="0">
-              <a:solidFill>
-                <a:schemeClr val="bg1"/>
-              </a:solidFill>
-            </a:endParaRPr>
-          </a:p>
-          <a:p>
-            <a:endParaRPr lang="en-IN" sz="2000" dirty="0">
-              <a:solidFill>
-                <a:schemeClr val="bg1"/>
-              </a:solidFill>
-            </a:endParaRPr>
-          </a:p>
-          <a:p>
-            <a:pPr marL="285750" indent="-285750">
-              <a:buFont typeface="Arial" panose="020B0604020202020204" pitchFamily="34" charset="0"/>
-              <a:buChar char="•"/>
-            </a:pPr>
-            <a:endParaRPr lang="en-IN" dirty="0"/>
-          </a:p>
-          <a:p>
-            <a:pPr marL="285750" indent="-285750">
-              <a:buFont typeface="Arial" panose="020B0604020202020204" pitchFamily="34" charset="0"/>
-              <a:buChar char="•"/>
-            </a:pPr>
-            <a:endParaRPr lang="en-IN" dirty="0"/>
-          </a:p>
-          <a:p>
-            <a:pPr marL="285750" indent="-285750">
-              <a:buFont typeface="Arial" panose="020B0604020202020204" pitchFamily="34" charset="0"/>
-              <a:buChar char="•"/>
-            </a:pPr>
-            <a:endParaRPr lang="en-IN" dirty="0"/>
-          </a:p>
-          <a:p>
-            <a:pPr marL="285750" indent="-285750">
-              <a:buFont typeface="Arial" panose="020B0604020202020204" pitchFamily="34" charset="0"/>
-              <a:buChar char="•"/>
-            </a:pPr>
-            <a:endParaRPr lang="en-IN" dirty="0"/>
-          </a:p>
-          <a:p>
-            <a:pPr marL="285750" indent="-285750">
-              <a:buFont typeface="Arial" panose="020B0604020202020204" pitchFamily="34" charset="0"/>
-              <a:buChar char="•"/>
-            </a:pPr>
-            <a:endParaRPr lang="en-IN" dirty="0"/>
-          </a:p>
-          <a:p>
-            <a:pPr marL="285750" indent="-285750">
-              <a:buFont typeface="Arial" panose="020B0604020202020204" pitchFamily="34" charset="0"/>
-              <a:buChar char="•"/>
-            </a:pPr>
-            <a:endParaRPr lang="en-IN" dirty="0"/>
-          </a:p>
-          <a:p>
-            <a:pPr marL="285750" indent="-285750">
-              <a:buFont typeface="Arial" panose="020B0604020202020204" pitchFamily="34" charset="0"/>
-              <a:buChar char="•"/>
-            </a:pPr>
-            <a:endParaRPr lang="en-IN" dirty="0"/>
-          </a:p>
-          <a:p>
-            <a:pPr marL="285750" indent="-285750">
-              <a:buFont typeface="Arial" panose="020B0604020202020204" pitchFamily="34" charset="0"/>
-              <a:buChar char="•"/>
-            </a:pPr>
-            <a:endParaRPr lang="en-IN" dirty="0"/>
-          </a:p>
-          <a:p>
-            <a:pPr marL="285750" indent="-285750">
-              <a:buFont typeface="Arial" panose="020B0604020202020204" pitchFamily="34" charset="0"/>
-              <a:buChar char="•"/>
-            </a:pPr>
-            <a:endParaRPr lang="en-IN" dirty="0"/>
-          </a:p>
-          <a:p>
-            <a:pPr marL="285750" indent="-285750">
-              <a:buFont typeface="Arial" panose="020B0604020202020204" pitchFamily="34" charset="0"/>
-              <a:buChar char="•"/>
-            </a:pPr>
-            <a:endParaRPr lang="en-IN" dirty="0"/>
-          </a:p>
-          <a:p>
-            <a:pPr marL="285750" indent="-285750">
-              <a:buFont typeface="Arial" panose="020B0604020202020204" pitchFamily="34" charset="0"/>
-              <a:buChar char="•"/>
-            </a:pPr>
-            <a:endParaRPr lang="en-IN" dirty="0"/>
-          </a:p>
-          <a:p>
-            <a:pPr marL="285750" indent="-285750">
-              <a:buFont typeface="Arial" panose="020B0604020202020204" pitchFamily="34" charset="0"/>
-              <a:buChar char="•"/>
-            </a:pPr>
-            <a:endParaRPr lang="en-IN" dirty="0"/>
+              <a:t>No of Seats won by Party</a:t>
+            </a:r>
+            <a:endParaRPr lang="en-IN" sz="3200" dirty="0">
+              <a:solidFill>
+                <a:schemeClr val="bg1"/>
+              </a:solidFill>
+            </a:endParaRPr>
           </a:p>
         </p:txBody>
       </p:sp>
     </p:spTree>
     <p:extLst>
       <p:ext uri="{BB962C8B-B14F-4D97-AF65-F5344CB8AC3E}">
-        <p14:creationId xmlns:p14="http://schemas.microsoft.com/office/powerpoint/2010/main" val="1266380231"/>
+        <p14:creationId xmlns:p14="http://schemas.microsoft.com/office/powerpoint/2010/main" val="836391041"/>
       </p:ext>
     </p:extLst>
   </p:cSld>
@@ -11838,10 +11953,10 @@
       </p:pic>
       <p:sp>
         <p:nvSpPr>
-          <p:cNvPr id="5" name="TextBox 4">
-            <a:extLst>
-              <a:ext uri="{FF2B5EF4-FFF2-40B4-BE49-F238E27FC236}">
-                <a16:creationId xmlns:a16="http://schemas.microsoft.com/office/drawing/2014/main" id="{E6114500-1593-C8BE-36BD-7131F27926D4}"/>
+          <p:cNvPr id="2" name="TextBox 1">
+            <a:extLst>
+              <a:ext uri="{FF2B5EF4-FFF2-40B4-BE49-F238E27FC236}">
+                <a16:creationId xmlns:a16="http://schemas.microsoft.com/office/drawing/2014/main" id="{7E0A5A16-71AC-E975-0982-10F12A040964}"/>
               </a:ext>
             </a:extLst>
           </p:cNvPr>
@@ -11850,8 +11965,8 @@
         </p:nvSpPr>
         <p:spPr>
           <a:xfrm>
-            <a:off x="213360" y="176014"/>
-            <a:ext cx="6156960" cy="584775"/>
+            <a:off x="294640" y="369054"/>
+            <a:ext cx="10728960" cy="830997"/>
           </a:xfrm>
           <a:prstGeom prst="rect">
             <a:avLst/>
@@ -11865,12 +11980,12 @@
           <a:lstStyle/>
           <a:p>
             <a:r>
-              <a:rPr lang="en-IN" sz="3200" b="1" dirty="0">
+              <a:rPr lang="en-IN" sz="2400" b="1" dirty="0">
                 <a:solidFill>
                   <a:schemeClr val="bg1"/>
                 </a:solidFill>
               </a:rPr>
-              <a:t>Voter Turnout Ratio</a:t>
+              <a:t>3. Which constituencies have the elected the same party for two consecutive elections, rank them by % of votes to that winning party in 2019 </a:t>
             </a:r>
             <a:endParaRPr lang="en-IN" sz="3200" dirty="0">
               <a:solidFill>
@@ -11880,12 +11995,48 @@
           </a:p>
         </p:txBody>
       </p:sp>
-      <p:sp>
-        <p:nvSpPr>
-          <p:cNvPr id="6" name="TextBox 5">
-            <a:extLst>
-              <a:ext uri="{FF2B5EF4-FFF2-40B4-BE49-F238E27FC236}">
-                <a16:creationId xmlns:a16="http://schemas.microsoft.com/office/drawing/2014/main" id="{A6B1D2D3-5B9F-6378-93EB-0839BFC7F145}"/>
+      <p:pic>
+        <p:nvPicPr>
+          <p:cNvPr id="6" name="Picture 5" descr="A screenshot of a computer&#10;&#10;Description automatically generated">
+            <a:extLst>
+              <a:ext uri="{FF2B5EF4-FFF2-40B4-BE49-F238E27FC236}">
+                <a16:creationId xmlns:a16="http://schemas.microsoft.com/office/drawing/2014/main" id="{AF98F0CA-91BE-C962-234D-44F40B7FBF3F}"/>
+              </a:ext>
+            </a:extLst>
+          </p:cNvPr>
+          <p:cNvPicPr>
+            <a:picLocks noChangeAspect="1"/>
+          </p:cNvPicPr>
+          <p:nvPr/>
+        </p:nvPicPr>
+        <p:blipFill>
+          <a:blip r:embed="rId3">
+            <a:extLst>
+              <a:ext uri="{28A0092B-C50C-407E-A947-70E740481C1C}">
+                <a14:useLocalDpi xmlns:a14="http://schemas.microsoft.com/office/drawing/2010/main" val="0"/>
+              </a:ext>
+            </a:extLst>
+          </a:blip>
+          <a:stretch>
+            <a:fillRect/>
+          </a:stretch>
+        </p:blipFill>
+        <p:spPr>
+          <a:xfrm>
+            <a:off x="2497306" y="1200051"/>
+            <a:ext cx="6057414" cy="3468865"/>
+          </a:xfrm>
+          <a:prstGeom prst="rect">
+            <a:avLst/>
+          </a:prstGeom>
+        </p:spPr>
+      </p:pic>
+      <p:sp>
+        <p:nvSpPr>
+          <p:cNvPr id="10" name="TextBox 9">
+            <a:extLst>
+              <a:ext uri="{FF2B5EF4-FFF2-40B4-BE49-F238E27FC236}">
+                <a16:creationId xmlns:a16="http://schemas.microsoft.com/office/drawing/2014/main" id="{A252F443-B13E-ED50-8BF6-7C11DB58CB2B}"/>
               </a:ext>
             </a:extLst>
           </p:cNvPr>
@@ -11894,8 +12045,8 @@
         </p:nvSpPr>
         <p:spPr>
           <a:xfrm>
-            <a:off x="0" y="936803"/>
-            <a:ext cx="11612880" cy="10310515"/>
+            <a:off x="294640" y="5008880"/>
+            <a:ext cx="11592560" cy="1015663"/>
           </a:xfrm>
           <a:prstGeom prst="rect">
             <a:avLst/>
@@ -11903,7 +12054,7 @@
           <a:noFill/>
         </p:spPr>
         <p:txBody>
-          <a:bodyPr wrap="square">
+          <a:bodyPr wrap="square" rtlCol="0">
             <a:spAutoFit/>
           </a:bodyPr>
           <a:lstStyle/>
@@ -11912,414 +12063,42 @@
               <a:buFont typeface="Arial" panose="020B0604020202020204" pitchFamily="34" charset="0"/>
               <a:buChar char="•"/>
             </a:pPr>
-            <a:endParaRPr lang="en-IN" sz="1600" b="1" dirty="0">
-              <a:solidFill>
-                <a:schemeClr val="bg1"/>
-              </a:solidFill>
-            </a:endParaRPr>
-          </a:p>
-          <a:p>
-            <a:pPr marL="457200" indent="-457200">
-              <a:buFont typeface="Arial" panose="020B0604020202020204" pitchFamily="34" charset="0"/>
-              <a:buChar char="•"/>
-            </a:pPr>
-            <a:r>
-              <a:rPr lang="en-IN" sz="2000" b="1" dirty="0">
+            <a:r>
+              <a:rPr lang="en-IN" sz="2000" dirty="0">
                 <a:solidFill>
                   <a:schemeClr val="bg1"/>
                 </a:solidFill>
               </a:rPr>
-              <a:t>Voter Turnout Ratio is the polling percentage of an election given by</a:t>
-            </a:r>
-          </a:p>
-          <a:p>
-            <a:endParaRPr lang="en-IN" sz="2000" b="1" dirty="0">
-              <a:solidFill>
-                <a:schemeClr val="bg1"/>
-              </a:solidFill>
-            </a:endParaRPr>
-          </a:p>
-          <a:p>
-            <a:r>
-              <a:rPr lang="en-IN" sz="2000" b="1" dirty="0">
+              <a:t>336 constituencies have elected the same party in 2014 and 2019. </a:t>
+            </a:r>
+          </a:p>
+          <a:p>
+            <a:endParaRPr lang="en-IN" sz="2000" dirty="0">
+              <a:solidFill>
+                <a:schemeClr val="bg1"/>
+              </a:solidFill>
+            </a:endParaRPr>
+          </a:p>
+          <a:p>
+            <a:pPr marL="285750" indent="-285750">
+              <a:buFont typeface="Arial" panose="020B0604020202020204" pitchFamily="34" charset="0"/>
+              <a:buChar char="•"/>
+            </a:pPr>
+            <a:r>
+              <a:rPr lang="en-IN" sz="2000" dirty="0">
                 <a:solidFill>
                   <a:schemeClr val="bg1"/>
                 </a:solidFill>
               </a:rPr>
-              <a:t>                                  </a:t>
-            </a:r>
-            <a:r>
-              <a:rPr lang="en-IN" sz="2000" b="0" dirty="0">
-                <a:solidFill>
-                  <a:srgbClr val="000000"/>
-                </a:solidFill>
-                <a:effectLst/>
-                <a:highlight>
-                  <a:srgbClr val="FFFFFF"/>
-                </a:highlight>
-                <a:latin typeface="Consolas" panose="020B0609020204030204" pitchFamily="49" charset="0"/>
-              </a:rPr>
-              <a:t>Voter Turnout Ratio = </a:t>
-            </a:r>
-            <a:r>
-              <a:rPr lang="en-IN" sz="2000" b="0" dirty="0">
-                <a:solidFill>
-                  <a:srgbClr val="3165BB"/>
-                </a:solidFill>
-                <a:effectLst/>
-                <a:highlight>
-                  <a:srgbClr val="FFFFFF"/>
-                </a:highlight>
-                <a:latin typeface="Consolas" panose="020B0609020204030204" pitchFamily="49" charset="0"/>
-              </a:rPr>
-              <a:t>DIVIDE</a:t>
-            </a:r>
-            <a:r>
-              <a:rPr lang="en-IN" sz="2000" b="0" dirty="0">
-                <a:solidFill>
-                  <a:srgbClr val="000000"/>
-                </a:solidFill>
-                <a:effectLst/>
-                <a:highlight>
-                  <a:srgbClr val="FFFFFF"/>
-                </a:highlight>
-                <a:latin typeface="Consolas" panose="020B0609020204030204" pitchFamily="49" charset="0"/>
-              </a:rPr>
-              <a:t>(</a:t>
-            </a:r>
-            <a:r>
-              <a:rPr lang="en-IN" sz="2000" b="0" dirty="0">
-                <a:solidFill>
-                  <a:srgbClr val="68349C"/>
-                </a:solidFill>
-                <a:effectLst/>
-                <a:highlight>
-                  <a:srgbClr val="FFFFFF"/>
-                </a:highlight>
-                <a:latin typeface="Consolas" panose="020B0609020204030204" pitchFamily="49" charset="0"/>
-              </a:rPr>
-              <a:t>[Total Votes]</a:t>
-            </a:r>
-            <a:r>
-              <a:rPr lang="en-IN" sz="2000" b="0" dirty="0">
-                <a:solidFill>
-                  <a:srgbClr val="000000"/>
-                </a:solidFill>
-                <a:effectLst/>
-                <a:highlight>
-                  <a:srgbClr val="FFFFFF"/>
-                </a:highlight>
-                <a:latin typeface="Consolas" panose="020B0609020204030204" pitchFamily="49" charset="0"/>
-              </a:rPr>
-              <a:t>,</a:t>
-            </a:r>
-            <a:r>
-              <a:rPr lang="en-IN" sz="2000" b="0" dirty="0">
-                <a:solidFill>
-                  <a:srgbClr val="68349C"/>
-                </a:solidFill>
-                <a:effectLst/>
-                <a:highlight>
-                  <a:srgbClr val="FFFFFF"/>
-                </a:highlight>
-                <a:latin typeface="Consolas" panose="020B0609020204030204" pitchFamily="49" charset="0"/>
-              </a:rPr>
-              <a:t>[Total Electors]</a:t>
-            </a:r>
-            <a:r>
-              <a:rPr lang="en-IN" sz="2000" b="0" dirty="0">
-                <a:solidFill>
-                  <a:srgbClr val="000000"/>
-                </a:solidFill>
-                <a:effectLst/>
-                <a:highlight>
-                  <a:srgbClr val="FFFFFF"/>
-                </a:highlight>
-                <a:latin typeface="Consolas" panose="020B0609020204030204" pitchFamily="49" charset="0"/>
-              </a:rPr>
-              <a:t>,</a:t>
-            </a:r>
-            <a:r>
-              <a:rPr lang="en-IN" sz="2000" b="0" dirty="0">
-                <a:solidFill>
-                  <a:srgbClr val="098658"/>
-                </a:solidFill>
-                <a:effectLst/>
-                <a:highlight>
-                  <a:srgbClr val="FFFFFF"/>
-                </a:highlight>
-                <a:latin typeface="Consolas" panose="020B0609020204030204" pitchFamily="49" charset="0"/>
-              </a:rPr>
-              <a:t>0</a:t>
-            </a:r>
-            <a:r>
-              <a:rPr lang="en-IN" sz="2000" b="0" dirty="0">
-                <a:solidFill>
-                  <a:srgbClr val="000000"/>
-                </a:solidFill>
-                <a:effectLst/>
-                <a:highlight>
-                  <a:srgbClr val="FFFFFF"/>
-                </a:highlight>
-                <a:latin typeface="Consolas" panose="020B0609020204030204" pitchFamily="49" charset="0"/>
-              </a:rPr>
-              <a:t>)</a:t>
-            </a:r>
-            <a:endParaRPr lang="en-IN" sz="2000" b="1" dirty="0">
-              <a:solidFill>
-                <a:schemeClr val="bg1"/>
-              </a:solidFill>
-            </a:endParaRPr>
-          </a:p>
-          <a:p>
-            <a:pPr marL="457200" indent="-457200">
-              <a:buFont typeface="Arial" panose="020B0604020202020204" pitchFamily="34" charset="0"/>
-              <a:buChar char="•"/>
-            </a:pPr>
-            <a:endParaRPr lang="en-IN" sz="2000" b="1" dirty="0">
-              <a:solidFill>
-                <a:schemeClr val="bg1"/>
-              </a:solidFill>
-            </a:endParaRPr>
-          </a:p>
-          <a:p>
-            <a:pPr marL="457200" indent="-457200">
-              <a:buFont typeface="Arial" panose="020B0604020202020204" pitchFamily="34" charset="0"/>
-              <a:buChar char="•"/>
-            </a:pPr>
-            <a:r>
-              <a:rPr lang="en-IN" sz="2000" b="1" dirty="0">
-                <a:solidFill>
-                  <a:schemeClr val="bg1"/>
-                </a:solidFill>
-              </a:rPr>
-              <a:t>The North-eastern parts of India have shown the highest polling percentage in both the elections.</a:t>
-            </a:r>
-          </a:p>
-          <a:p>
-            <a:pPr marL="457200" indent="-457200">
-              <a:buFont typeface="Arial" panose="020B0604020202020204" pitchFamily="34" charset="0"/>
-              <a:buChar char="•"/>
-            </a:pPr>
-            <a:endParaRPr lang="en-IN" sz="2000" b="1" dirty="0">
-              <a:solidFill>
-                <a:schemeClr val="bg1"/>
-              </a:solidFill>
-            </a:endParaRPr>
-          </a:p>
-          <a:p>
-            <a:pPr marL="457200" indent="-457200">
-              <a:buFont typeface="Arial" panose="020B0604020202020204" pitchFamily="34" charset="0"/>
-              <a:buChar char="•"/>
-            </a:pPr>
-            <a:r>
-              <a:rPr lang="en-IN" sz="2000" b="1" dirty="0">
-                <a:solidFill>
-                  <a:schemeClr val="bg1"/>
-                </a:solidFill>
-              </a:rPr>
-              <a:t>Dhubri and Bishnupur have consistently been in the top 5 in the Voter Turnout in both the elections.</a:t>
-            </a:r>
-          </a:p>
-          <a:p>
-            <a:pPr marL="457200" indent="-457200">
-              <a:buFont typeface="Arial" panose="020B0604020202020204" pitchFamily="34" charset="0"/>
-              <a:buChar char="•"/>
-            </a:pPr>
-            <a:endParaRPr lang="en-IN" sz="2000" b="1" dirty="0">
-              <a:solidFill>
-                <a:schemeClr val="bg1"/>
-              </a:solidFill>
-            </a:endParaRPr>
-          </a:p>
-          <a:p>
-            <a:pPr marL="457200" indent="-457200">
-              <a:buFont typeface="Arial" panose="020B0604020202020204" pitchFamily="34" charset="0"/>
-              <a:buChar char="•"/>
-            </a:pPr>
-            <a:r>
-              <a:rPr lang="en-IN" sz="2000" b="1" dirty="0">
-                <a:solidFill>
-                  <a:schemeClr val="bg1"/>
-                </a:solidFill>
-              </a:rPr>
-              <a:t>The densely populated states of India have shown a lesser polling percentage comparatively like Bihar, Uttar Pradesh, Maharashtra  and the contrary is also true.</a:t>
-            </a:r>
-          </a:p>
-          <a:p>
-            <a:pPr marL="457200" indent="-457200">
-              <a:buFont typeface="Arial" panose="020B0604020202020204" pitchFamily="34" charset="0"/>
-              <a:buChar char="•"/>
-            </a:pPr>
-            <a:endParaRPr lang="en-IN" sz="2000" b="1" dirty="0">
-              <a:solidFill>
-                <a:schemeClr val="bg1"/>
-              </a:solidFill>
-            </a:endParaRPr>
-          </a:p>
-          <a:p>
-            <a:pPr marL="457200" indent="-457200">
-              <a:buFont typeface="Arial" panose="020B0604020202020204" pitchFamily="34" charset="0"/>
-              <a:buChar char="•"/>
-            </a:pPr>
-            <a:r>
-              <a:rPr lang="en-IN" sz="2000" b="1" dirty="0">
-                <a:solidFill>
-                  <a:schemeClr val="bg1"/>
-                </a:solidFill>
-              </a:rPr>
-              <a:t>In 2014, the overall polling % was 66.1 % and 2019 was 67.3 % .</a:t>
-            </a:r>
-          </a:p>
-          <a:p>
-            <a:pPr marL="457200" indent="-457200">
-              <a:buFont typeface="Arial" panose="020B0604020202020204" pitchFamily="34" charset="0"/>
-              <a:buChar char="•"/>
-            </a:pPr>
-            <a:endParaRPr lang="en-IN" sz="2000" b="1" dirty="0">
-              <a:solidFill>
-                <a:schemeClr val="bg1"/>
-              </a:solidFill>
-            </a:endParaRPr>
-          </a:p>
-          <a:p>
-            <a:pPr marL="457200" indent="-457200">
-              <a:buFont typeface="Arial" panose="020B0604020202020204" pitchFamily="34" charset="0"/>
-              <a:buChar char="•"/>
-            </a:pPr>
-            <a:endParaRPr lang="en-IN" sz="2000" b="1" dirty="0">
-              <a:solidFill>
-                <a:schemeClr val="bg1"/>
-              </a:solidFill>
-            </a:endParaRPr>
-          </a:p>
-          <a:p>
-            <a:pPr marL="457200" indent="-457200">
-              <a:buFont typeface="Arial" panose="020B0604020202020204" pitchFamily="34" charset="0"/>
-              <a:buChar char="•"/>
-            </a:pPr>
-            <a:endParaRPr lang="en-IN" sz="2000" b="1" dirty="0">
-              <a:solidFill>
-                <a:schemeClr val="bg1"/>
-              </a:solidFill>
-            </a:endParaRPr>
-          </a:p>
-          <a:p>
-            <a:pPr marL="457200" indent="-457200">
-              <a:buFont typeface="Arial" panose="020B0604020202020204" pitchFamily="34" charset="0"/>
-              <a:buChar char="•"/>
-            </a:pPr>
-            <a:endParaRPr lang="en-IN" sz="2000" b="1" dirty="0">
-              <a:solidFill>
-                <a:schemeClr val="bg1"/>
-              </a:solidFill>
-            </a:endParaRPr>
-          </a:p>
-          <a:p>
-            <a:pPr marL="457200" indent="-457200">
-              <a:buFont typeface="Arial" panose="020B0604020202020204" pitchFamily="34" charset="0"/>
-              <a:buChar char="•"/>
-            </a:pPr>
-            <a:endParaRPr lang="en-IN" sz="3200" b="1" dirty="0">
-              <a:solidFill>
-                <a:schemeClr val="bg1"/>
-              </a:solidFill>
-            </a:endParaRPr>
-          </a:p>
-          <a:p>
-            <a:pPr marL="457200" indent="-457200">
-              <a:buFont typeface="Arial" panose="020B0604020202020204" pitchFamily="34" charset="0"/>
-              <a:buChar char="•"/>
-            </a:pPr>
-            <a:endParaRPr lang="en-IN" sz="3200" b="1" dirty="0">
-              <a:solidFill>
-                <a:schemeClr val="bg1"/>
-              </a:solidFill>
-            </a:endParaRPr>
-          </a:p>
-          <a:p>
-            <a:pPr marL="457200" indent="-457200">
-              <a:buFont typeface="Arial" panose="020B0604020202020204" pitchFamily="34" charset="0"/>
-              <a:buChar char="•"/>
-            </a:pPr>
-            <a:endParaRPr lang="en-IN" sz="3200" b="1" dirty="0">
-              <a:solidFill>
-                <a:schemeClr val="bg1"/>
-              </a:solidFill>
-            </a:endParaRPr>
-          </a:p>
-          <a:p>
-            <a:pPr marL="457200" indent="-457200">
-              <a:buFont typeface="Arial" panose="020B0604020202020204" pitchFamily="34" charset="0"/>
-              <a:buChar char="•"/>
-            </a:pPr>
-            <a:endParaRPr lang="en-IN" sz="3200" b="1" dirty="0">
-              <a:solidFill>
-                <a:schemeClr val="bg1"/>
-              </a:solidFill>
-            </a:endParaRPr>
-          </a:p>
-          <a:p>
-            <a:pPr marL="457200" indent="-457200">
-              <a:buFont typeface="Arial" panose="020B0604020202020204" pitchFamily="34" charset="0"/>
-              <a:buChar char="•"/>
-            </a:pPr>
-            <a:endParaRPr lang="en-IN" sz="3200" b="1" dirty="0">
-              <a:solidFill>
-                <a:schemeClr val="bg1"/>
-              </a:solidFill>
-            </a:endParaRPr>
-          </a:p>
-          <a:p>
-            <a:pPr marL="457200" indent="-457200">
-              <a:buFont typeface="Arial" panose="020B0604020202020204" pitchFamily="34" charset="0"/>
-              <a:buChar char="•"/>
-            </a:pPr>
-            <a:endParaRPr lang="en-IN" sz="3200" b="1" dirty="0">
-              <a:solidFill>
-                <a:schemeClr val="bg1"/>
-              </a:solidFill>
-            </a:endParaRPr>
-          </a:p>
-          <a:p>
-            <a:pPr marL="457200" indent="-457200">
-              <a:buFont typeface="Arial" panose="020B0604020202020204" pitchFamily="34" charset="0"/>
-              <a:buChar char="•"/>
-            </a:pPr>
-            <a:endParaRPr lang="en-IN" sz="3200" b="1" dirty="0">
-              <a:solidFill>
-                <a:schemeClr val="bg1"/>
-              </a:solidFill>
-            </a:endParaRPr>
-          </a:p>
-          <a:p>
-            <a:pPr marL="457200" indent="-457200">
-              <a:buFont typeface="Arial" panose="020B0604020202020204" pitchFamily="34" charset="0"/>
-              <a:buChar char="•"/>
-            </a:pPr>
-            <a:endParaRPr lang="en-IN" sz="3200" b="1" dirty="0">
-              <a:solidFill>
-                <a:schemeClr val="bg1"/>
-              </a:solidFill>
-            </a:endParaRPr>
-          </a:p>
-          <a:p>
-            <a:pPr marL="457200" indent="-457200">
-              <a:buFont typeface="Arial" panose="020B0604020202020204" pitchFamily="34" charset="0"/>
-              <a:buChar char="•"/>
-            </a:pPr>
-            <a:endParaRPr lang="en-IN" sz="3200" dirty="0">
-              <a:solidFill>
-                <a:schemeClr val="bg1"/>
-              </a:solidFill>
-            </a:endParaRPr>
+              <a:t>This includes BJP – 239 constituencies (71%) and INC – 19 constituencies (5.6%) winning again.</a:t>
+            </a:r>
           </a:p>
         </p:txBody>
       </p:sp>
     </p:spTree>
     <p:extLst>
       <p:ext uri="{BB962C8B-B14F-4D97-AF65-F5344CB8AC3E}">
-        <p14:creationId xmlns:p14="http://schemas.microsoft.com/office/powerpoint/2010/main" val="3412412337"/>
+        <p14:creationId xmlns:p14="http://schemas.microsoft.com/office/powerpoint/2010/main" val="4202413869"/>
       </p:ext>
     </p:extLst>
   </p:cSld>
@@ -12416,7 +12195,7 @@
                   <a:schemeClr val="bg1"/>
                 </a:solidFill>
               </a:rPr>
-              <a:t>3. Which constituencies have the elected the same party for two consecutive elections, rank them by % of votes to that winning party in 2019 </a:t>
+              <a:t>4. Which constituencies have the elected for different parties in two elections (list top 10 based on winner  vote % in two elections</a:t>
             </a:r>
             <a:endParaRPr lang="en-IN" sz="3200" dirty="0">
               <a:solidFill>
@@ -12428,7 +12207,7 @@
       </p:sp>
       <p:pic>
         <p:nvPicPr>
-          <p:cNvPr id="6" name="Picture 5" descr="A screenshot of a computer&#10;&#10;Description automatically generated">
+          <p:cNvPr id="6" name="Picture 5">
             <a:extLst>
               <a:ext uri="{FF2B5EF4-FFF2-40B4-BE49-F238E27FC236}">
                 <a16:creationId xmlns:a16="http://schemas.microsoft.com/office/drawing/2014/main" id="{AF98F0CA-91BE-C962-234D-44F40B7FBF3F}"/>
@@ -12448,14 +12227,13 @@
               </a:ext>
             </a:extLst>
           </a:blip>
-          <a:stretch>
-            <a:fillRect/>
-          </a:stretch>
+          <a:srcRect/>
+          <a:stretch/>
         </p:blipFill>
         <p:spPr>
           <a:xfrm>
-            <a:off x="2497306" y="1200051"/>
-            <a:ext cx="6057414" cy="3468865"/>
+            <a:off x="2743366" y="1324072"/>
+            <a:ext cx="5262714" cy="3465898"/>
           </a:xfrm>
           <a:prstGeom prst="rect">
             <a:avLst/>
@@ -12464,10 +12242,10 @@
       </p:pic>
       <p:sp>
         <p:nvSpPr>
-          <p:cNvPr id="10" name="TextBox 9">
-            <a:extLst>
-              <a:ext uri="{FF2B5EF4-FFF2-40B4-BE49-F238E27FC236}">
-                <a16:creationId xmlns:a16="http://schemas.microsoft.com/office/drawing/2014/main" id="{A252F443-B13E-ED50-8BF6-7C11DB58CB2B}"/>
+          <p:cNvPr id="3" name="TextBox 2">
+            <a:extLst>
+              <a:ext uri="{FF2B5EF4-FFF2-40B4-BE49-F238E27FC236}">
+                <a16:creationId xmlns:a16="http://schemas.microsoft.com/office/drawing/2014/main" id="{8317C327-A65A-B44C-9C99-E5594C9C9C20}"/>
               </a:ext>
             </a:extLst>
           </p:cNvPr>
@@ -12500,7 +12278,7 @@
                   <a:schemeClr val="bg1"/>
                 </a:solidFill>
               </a:rPr>
-              <a:t>336 constituencies have elected the same party in 2014 and 2019. </a:t>
+              <a:t>175 constituencies have voted for a change in the 2019 elections. </a:t>
             </a:r>
           </a:p>
           <a:p>
@@ -12521,7 +12299,7 @@
                   <a:schemeClr val="bg1"/>
                 </a:solidFill>
               </a:rPr>
-              <a:t>This includes BJP – 239 constituencies (71%) and INC – 19 constituencies (5.6%) winning again.</a:t>
+              <a:t>Out of which 45 constituencies have elected for BJP (25%) and 30 constituencies to INC (17%) in 2019.</a:t>
             </a:r>
           </a:p>
         </p:txBody>
@@ -12529,7 +12307,7 @@
     </p:spTree>
     <p:extLst>
       <p:ext uri="{BB962C8B-B14F-4D97-AF65-F5344CB8AC3E}">
-        <p14:creationId xmlns:p14="http://schemas.microsoft.com/office/powerpoint/2010/main" val="4202413869"/>
+        <p14:creationId xmlns:p14="http://schemas.microsoft.com/office/powerpoint/2010/main" val="1538785580"/>
       </p:ext>
     </p:extLst>
   </p:cSld>
@@ -12626,7 +12404,7 @@
                   <a:schemeClr val="bg1"/>
                 </a:solidFill>
               </a:rPr>
-              <a:t>5. Which constituencies have the elected for different parties in two elections (list top 10 based on winner  vote % in two elections</a:t>
+              <a:t>5. List top 5 candidates based on margin difference with runners in 2014 and 2019</a:t>
             </a:r>
             <a:endParaRPr lang="en-IN" sz="3200" dirty="0">
               <a:solidFill>
@@ -12638,10 +12416,10 @@
       </p:sp>
       <p:pic>
         <p:nvPicPr>
-          <p:cNvPr id="6" name="Picture 5">
-            <a:extLst>
-              <a:ext uri="{FF2B5EF4-FFF2-40B4-BE49-F238E27FC236}">
-                <a16:creationId xmlns:a16="http://schemas.microsoft.com/office/drawing/2014/main" id="{AF98F0CA-91BE-C962-234D-44F40B7FBF3F}"/>
+          <p:cNvPr id="8" name="Picture 7">
+            <a:extLst>
+              <a:ext uri="{FF2B5EF4-FFF2-40B4-BE49-F238E27FC236}">
+                <a16:creationId xmlns:a16="http://schemas.microsoft.com/office/drawing/2014/main" id="{4C014A21-A9B2-39AB-E4A8-93A628A25043}"/>
               </a:ext>
             </a:extLst>
           </p:cNvPr>
@@ -12663,20 +12441,55 @@
         </p:blipFill>
         <p:spPr>
           <a:xfrm>
-            <a:off x="2743366" y="1324072"/>
-            <a:ext cx="5262714" cy="3465898"/>
+            <a:off x="129484" y="2057798"/>
+            <a:ext cx="6139236" cy="2351642"/>
           </a:xfrm>
           <a:prstGeom prst="rect">
             <a:avLst/>
           </a:prstGeom>
         </p:spPr>
       </p:pic>
-      <p:sp>
-        <p:nvSpPr>
-          <p:cNvPr id="3" name="TextBox 2">
-            <a:extLst>
-              <a:ext uri="{FF2B5EF4-FFF2-40B4-BE49-F238E27FC236}">
-                <a16:creationId xmlns:a16="http://schemas.microsoft.com/office/drawing/2014/main" id="{8317C327-A65A-B44C-9C99-E5594C9C9C20}"/>
+      <p:pic>
+        <p:nvPicPr>
+          <p:cNvPr id="10" name="Picture 9">
+            <a:extLst>
+              <a:ext uri="{FF2B5EF4-FFF2-40B4-BE49-F238E27FC236}">
+                <a16:creationId xmlns:a16="http://schemas.microsoft.com/office/drawing/2014/main" id="{E4028D3B-365C-8765-E33C-D1CE189592B2}"/>
+              </a:ext>
+            </a:extLst>
+          </p:cNvPr>
+          <p:cNvPicPr>
+            <a:picLocks noChangeAspect="1"/>
+          </p:cNvPicPr>
+          <p:nvPr/>
+        </p:nvPicPr>
+        <p:blipFill>
+          <a:blip r:embed="rId4">
+            <a:extLst>
+              <a:ext uri="{28A0092B-C50C-407E-A947-70E740481C1C}">
+                <a14:useLocalDpi xmlns:a14="http://schemas.microsoft.com/office/drawing/2010/main" val="0"/>
+              </a:ext>
+            </a:extLst>
+          </a:blip>
+          <a:srcRect/>
+          <a:stretch/>
+        </p:blipFill>
+        <p:spPr>
+          <a:xfrm>
+            <a:off x="6449004" y="2057797"/>
+            <a:ext cx="5672490" cy="2351643"/>
+          </a:xfrm>
+          <a:prstGeom prst="rect">
+            <a:avLst/>
+          </a:prstGeom>
+        </p:spPr>
+      </p:pic>
+      <p:sp>
+        <p:nvSpPr>
+          <p:cNvPr id="11" name="TextBox 10">
+            <a:extLst>
+              <a:ext uri="{FF2B5EF4-FFF2-40B4-BE49-F238E27FC236}">
+                <a16:creationId xmlns:a16="http://schemas.microsoft.com/office/drawing/2014/main" id="{8B607492-DF50-692E-8123-1AB108787731}"/>
               </a:ext>
             </a:extLst>
           </p:cNvPr>
@@ -12685,8 +12498,8 @@
         </p:nvSpPr>
         <p:spPr>
           <a:xfrm>
-            <a:off x="294640" y="5008880"/>
-            <a:ext cx="11592560" cy="1015663"/>
+            <a:off x="774871" y="1384439"/>
+            <a:ext cx="1727200" cy="369332"/>
           </a:xfrm>
           <a:prstGeom prst="rect">
             <a:avLst/>
@@ -12699,6 +12512,84 @@
           </a:bodyPr>
           <a:lstStyle/>
           <a:p>
+            <a:r>
+              <a:rPr lang="en-IN" dirty="0">
+                <a:solidFill>
+                  <a:schemeClr val="bg1"/>
+                </a:solidFill>
+              </a:rPr>
+              <a:t>For 2014,</a:t>
+            </a:r>
+          </a:p>
+        </p:txBody>
+      </p:sp>
+      <p:sp>
+        <p:nvSpPr>
+          <p:cNvPr id="12" name="TextBox 11">
+            <a:extLst>
+              <a:ext uri="{FF2B5EF4-FFF2-40B4-BE49-F238E27FC236}">
+                <a16:creationId xmlns:a16="http://schemas.microsoft.com/office/drawing/2014/main" id="{37ED711C-F838-A113-8A68-7DBF14922088}"/>
+              </a:ext>
+            </a:extLst>
+          </p:cNvPr>
+          <p:cNvSpPr txBox="1"/>
+          <p:nvPr/>
+        </p:nvSpPr>
+        <p:spPr>
+          <a:xfrm>
+            <a:off x="6731342" y="1266737"/>
+            <a:ext cx="1727200" cy="369332"/>
+          </a:xfrm>
+          <a:prstGeom prst="rect">
+            <a:avLst/>
+          </a:prstGeom>
+          <a:noFill/>
+        </p:spPr>
+        <p:txBody>
+          <a:bodyPr wrap="square" rtlCol="0">
+            <a:spAutoFit/>
+          </a:bodyPr>
+          <a:lstStyle/>
+          <a:p>
+            <a:r>
+              <a:rPr lang="en-IN" dirty="0">
+                <a:solidFill>
+                  <a:schemeClr val="bg1"/>
+                </a:solidFill>
+              </a:rPr>
+              <a:t>For 2019,</a:t>
+            </a:r>
+          </a:p>
+        </p:txBody>
+      </p:sp>
+      <p:sp>
+        <p:nvSpPr>
+          <p:cNvPr id="15" name="TextBox 14">
+            <a:extLst>
+              <a:ext uri="{FF2B5EF4-FFF2-40B4-BE49-F238E27FC236}">
+                <a16:creationId xmlns:a16="http://schemas.microsoft.com/office/drawing/2014/main" id="{C9906F25-98DB-0925-3716-D71FA629ECBA}"/>
+              </a:ext>
+            </a:extLst>
+          </p:cNvPr>
+          <p:cNvSpPr txBox="1"/>
+          <p:nvPr/>
+        </p:nvSpPr>
+        <p:spPr>
+          <a:xfrm>
+            <a:off x="294640" y="4713467"/>
+            <a:ext cx="11592560" cy="1631216"/>
+          </a:xfrm>
+          <a:prstGeom prst="rect">
+            <a:avLst/>
+          </a:prstGeom>
+          <a:noFill/>
+        </p:spPr>
+        <p:txBody>
+          <a:bodyPr wrap="square" rtlCol="0">
+            <a:spAutoFit/>
+          </a:bodyPr>
+          <a:lstStyle/>
+          <a:p>
             <a:pPr marL="285750" indent="-285750">
               <a:buFont typeface="Arial" panose="020B0604020202020204" pitchFamily="34" charset="0"/>
               <a:buChar char="•"/>
@@ -12709,10 +12600,14 @@
                   <a:schemeClr val="bg1"/>
                 </a:solidFill>
               </a:rPr>
-              <a:t>175 constituencies have voted for a change in the 2019 elections. </a:t>
-            </a:r>
-          </a:p>
-          <a:p>
+              <a:t>C. R. Patil has won significantly in both the elections for the constituency of Navsari. This may be due to his strong political base , party affiliations with BJP etc.</a:t>
+            </a:r>
+          </a:p>
+          <a:p>
+            <a:pPr marL="285750" indent="-285750">
+              <a:buFont typeface="Arial" panose="020B0604020202020204" pitchFamily="34" charset="0"/>
+              <a:buChar char="•"/>
+            </a:pPr>
             <a:endParaRPr lang="en-IN" sz="2000" dirty="0">
               <a:solidFill>
                 <a:schemeClr val="bg1"/>
@@ -12730,15 +12625,26 @@
                   <a:schemeClr val="bg1"/>
                 </a:solidFill>
               </a:rPr>
-              <a:t>Out of which 45 constituencies have elected for BJP (25%) and 30 constituencies to INC (17%) in 2019.</a:t>
-            </a:r>
+              <a:t> Narendra Modi has won with the greatest margin of 0.57 million votes.</a:t>
+            </a:r>
+          </a:p>
+          <a:p>
+            <a:pPr marL="285750" indent="-285750">
+              <a:buFont typeface="Arial" panose="020B0604020202020204" pitchFamily="34" charset="0"/>
+              <a:buChar char="•"/>
+            </a:pPr>
+            <a:endParaRPr lang="en-IN" sz="2000" dirty="0">
+              <a:solidFill>
+                <a:schemeClr val="bg1"/>
+              </a:solidFill>
+            </a:endParaRPr>
           </a:p>
         </p:txBody>
       </p:sp>
     </p:spTree>
     <p:extLst>
       <p:ext uri="{BB962C8B-B14F-4D97-AF65-F5344CB8AC3E}">
-        <p14:creationId xmlns:p14="http://schemas.microsoft.com/office/powerpoint/2010/main" val="1538785580"/>
+        <p14:creationId xmlns:p14="http://schemas.microsoft.com/office/powerpoint/2010/main" val="1975367219"/>
       </p:ext>
     </p:extLst>
   </p:cSld>
@@ -12816,7 +12722,7 @@
         <p:spPr>
           <a:xfrm>
             <a:off x="294640" y="369054"/>
-            <a:ext cx="10728960" cy="830997"/>
+            <a:ext cx="10728960" cy="461665"/>
           </a:xfrm>
           <a:prstGeom prst="rect">
             <a:avLst/>
@@ -12835,7 +12741,7 @@
                   <a:schemeClr val="bg1"/>
                 </a:solidFill>
               </a:rPr>
-              <a:t>5. List top 5 candidates based on margin difference with runners in 2014 and 2019</a:t>
+              <a:t>6.  % split of votes of parties between 2014, 2019 at national level</a:t>
             </a:r>
             <a:endParaRPr lang="en-IN" sz="3200" dirty="0">
               <a:solidFill>
@@ -12845,82 +12751,12 @@
           </a:p>
         </p:txBody>
       </p:sp>
-      <p:pic>
-        <p:nvPicPr>
-          <p:cNvPr id="8" name="Picture 7">
-            <a:extLst>
-              <a:ext uri="{FF2B5EF4-FFF2-40B4-BE49-F238E27FC236}">
-                <a16:creationId xmlns:a16="http://schemas.microsoft.com/office/drawing/2014/main" id="{4C014A21-A9B2-39AB-E4A8-93A628A25043}"/>
-              </a:ext>
-            </a:extLst>
-          </p:cNvPr>
-          <p:cNvPicPr>
-            <a:picLocks noChangeAspect="1"/>
-          </p:cNvPicPr>
-          <p:nvPr/>
-        </p:nvPicPr>
-        <p:blipFill>
-          <a:blip r:embed="rId3">
-            <a:extLst>
-              <a:ext uri="{28A0092B-C50C-407E-A947-70E740481C1C}">
-                <a14:useLocalDpi xmlns:a14="http://schemas.microsoft.com/office/drawing/2010/main" val="0"/>
-              </a:ext>
-            </a:extLst>
-          </a:blip>
-          <a:srcRect/>
-          <a:stretch/>
-        </p:blipFill>
-        <p:spPr>
-          <a:xfrm>
-            <a:off x="129484" y="2057798"/>
-            <a:ext cx="6139236" cy="2351642"/>
-          </a:xfrm>
-          <a:prstGeom prst="rect">
-            <a:avLst/>
-          </a:prstGeom>
-        </p:spPr>
-      </p:pic>
-      <p:pic>
-        <p:nvPicPr>
-          <p:cNvPr id="10" name="Picture 9">
-            <a:extLst>
-              <a:ext uri="{FF2B5EF4-FFF2-40B4-BE49-F238E27FC236}">
-                <a16:creationId xmlns:a16="http://schemas.microsoft.com/office/drawing/2014/main" id="{E4028D3B-365C-8765-E33C-D1CE189592B2}"/>
-              </a:ext>
-            </a:extLst>
-          </p:cNvPr>
-          <p:cNvPicPr>
-            <a:picLocks noChangeAspect="1"/>
-          </p:cNvPicPr>
-          <p:nvPr/>
-        </p:nvPicPr>
-        <p:blipFill>
-          <a:blip r:embed="rId4">
-            <a:extLst>
-              <a:ext uri="{28A0092B-C50C-407E-A947-70E740481C1C}">
-                <a14:useLocalDpi xmlns:a14="http://schemas.microsoft.com/office/drawing/2010/main" val="0"/>
-              </a:ext>
-            </a:extLst>
-          </a:blip>
-          <a:srcRect/>
-          <a:stretch/>
-        </p:blipFill>
-        <p:spPr>
-          <a:xfrm>
-            <a:off x="6449004" y="2057797"/>
-            <a:ext cx="5672490" cy="2351643"/>
-          </a:xfrm>
-          <a:prstGeom prst="rect">
-            <a:avLst/>
-          </a:prstGeom>
-        </p:spPr>
-      </p:pic>
-      <p:sp>
-        <p:nvSpPr>
-          <p:cNvPr id="11" name="TextBox 10">
-            <a:extLst>
-              <a:ext uri="{FF2B5EF4-FFF2-40B4-BE49-F238E27FC236}">
-                <a16:creationId xmlns:a16="http://schemas.microsoft.com/office/drawing/2014/main" id="{8B607492-DF50-692E-8123-1AB108787731}"/>
+      <p:sp>
+        <p:nvSpPr>
+          <p:cNvPr id="3" name="TextBox 2">
+            <a:extLst>
+              <a:ext uri="{FF2B5EF4-FFF2-40B4-BE49-F238E27FC236}">
+                <a16:creationId xmlns:a16="http://schemas.microsoft.com/office/drawing/2014/main" id="{F32012AF-9C42-DD74-7F94-01FFDCD41C93}"/>
               </a:ext>
             </a:extLst>
           </p:cNvPr>
@@ -12929,8 +12765,8 @@
         </p:nvSpPr>
         <p:spPr>
           <a:xfrm>
-            <a:off x="774871" y="1384439"/>
-            <a:ext cx="1727200" cy="369332"/>
+            <a:off x="121920" y="1656544"/>
+            <a:ext cx="11968480" cy="2031325"/>
           </a:xfrm>
           <a:prstGeom prst="rect">
             <a:avLst/>
@@ -12949,17 +12785,59 @@
                   <a:schemeClr val="bg1"/>
                 </a:solidFill>
               </a:rPr>
-              <a:t>For 2014,</a:t>
-            </a:r>
-          </a:p>
-        </p:txBody>
-      </p:sp>
-      <p:sp>
-        <p:nvSpPr>
-          <p:cNvPr id="12" name="TextBox 11">
-            <a:extLst>
-              <a:ext uri="{FF2B5EF4-FFF2-40B4-BE49-F238E27FC236}">
-                <a16:creationId xmlns:a16="http://schemas.microsoft.com/office/drawing/2014/main" id="{37ED711C-F838-A113-8A68-7DBF14922088}"/>
+              <a:t>  </a:t>
+            </a:r>
+          </a:p>
+          <a:p>
+            <a:endParaRPr lang="en-IN" dirty="0">
+              <a:solidFill>
+                <a:schemeClr val="bg1"/>
+              </a:solidFill>
+            </a:endParaRPr>
+          </a:p>
+          <a:p>
+            <a:endParaRPr lang="en-IN" dirty="0">
+              <a:solidFill>
+                <a:schemeClr val="bg1"/>
+              </a:solidFill>
+            </a:endParaRPr>
+          </a:p>
+          <a:p>
+            <a:endParaRPr lang="en-IN" dirty="0">
+              <a:solidFill>
+                <a:schemeClr val="bg1"/>
+              </a:solidFill>
+            </a:endParaRPr>
+          </a:p>
+          <a:p>
+            <a:endParaRPr lang="en-IN" dirty="0">
+              <a:solidFill>
+                <a:schemeClr val="bg1"/>
+              </a:solidFill>
+            </a:endParaRPr>
+          </a:p>
+          <a:p>
+            <a:endParaRPr lang="en-IN" dirty="0">
+              <a:solidFill>
+                <a:schemeClr val="bg1"/>
+              </a:solidFill>
+            </a:endParaRPr>
+          </a:p>
+          <a:p>
+            <a:endParaRPr lang="en-IN" dirty="0">
+              <a:solidFill>
+                <a:schemeClr val="bg1"/>
+              </a:solidFill>
+            </a:endParaRPr>
+          </a:p>
+        </p:txBody>
+      </p:sp>
+      <p:sp>
+        <p:nvSpPr>
+          <p:cNvPr id="5" name="TextBox 4">
+            <a:extLst>
+              <a:ext uri="{FF2B5EF4-FFF2-40B4-BE49-F238E27FC236}">
+                <a16:creationId xmlns:a16="http://schemas.microsoft.com/office/drawing/2014/main" id="{8539D763-A1F2-9F73-78EA-CB42C7C10499}"/>
               </a:ext>
             </a:extLst>
           </p:cNvPr>
@@ -12968,8 +12846,8 @@
         </p:nvSpPr>
         <p:spPr>
           <a:xfrm>
-            <a:off x="6731342" y="1266737"/>
-            <a:ext cx="1727200" cy="369332"/>
+            <a:off x="450334" y="909034"/>
+            <a:ext cx="1706880" cy="461665"/>
           </a:xfrm>
           <a:prstGeom prst="rect">
             <a:avLst/>
@@ -12983,22 +12861,23 @@
           <a:lstStyle/>
           <a:p>
             <a:r>
-              <a:rPr lang="en-IN" dirty="0">
+              <a:rPr lang="en-IN" sz="2400" dirty="0">
                 <a:solidFill>
                   <a:schemeClr val="bg1"/>
                 </a:solidFill>
               </a:rPr>
-              <a:t>For 2019,</a:t>
-            </a:r>
-          </a:p>
-        </p:txBody>
-      </p:sp>
-      <p:sp>
-        <p:nvSpPr>
-          <p:cNvPr id="15" name="TextBox 14">
-            <a:extLst>
-              <a:ext uri="{FF2B5EF4-FFF2-40B4-BE49-F238E27FC236}">
-                <a16:creationId xmlns:a16="http://schemas.microsoft.com/office/drawing/2014/main" id="{C9906F25-98DB-0925-3716-D71FA629ECBA}"/>
+              <a:t>For 2014,</a:t>
+            </a:r>
+            <a:endParaRPr lang="en-IN" sz="2400" dirty="0"/>
+          </a:p>
+        </p:txBody>
+      </p:sp>
+      <p:sp>
+        <p:nvSpPr>
+          <p:cNvPr id="6" name="TextBox 5">
+            <a:extLst>
+              <a:ext uri="{FF2B5EF4-FFF2-40B4-BE49-F238E27FC236}">
+                <a16:creationId xmlns:a16="http://schemas.microsoft.com/office/drawing/2014/main" id="{C585130E-3C23-4858-DF4C-FF24C82D30F4}"/>
               </a:ext>
             </a:extLst>
           </p:cNvPr>
@@ -13007,8 +12886,8 @@
         </p:nvSpPr>
         <p:spPr>
           <a:xfrm>
-            <a:off x="294640" y="4713467"/>
-            <a:ext cx="11592560" cy="1631216"/>
+            <a:off x="6321167" y="909033"/>
+            <a:ext cx="1706880" cy="461665"/>
           </a:xfrm>
           <a:prstGeom prst="rect">
             <a:avLst/>
@@ -13021,6 +12900,46 @@
           </a:bodyPr>
           <a:lstStyle/>
           <a:p>
+            <a:r>
+              <a:rPr lang="en-IN" sz="2400" dirty="0">
+                <a:solidFill>
+                  <a:schemeClr val="bg1"/>
+                </a:solidFill>
+              </a:rPr>
+              <a:t>For 2019,</a:t>
+            </a:r>
+            <a:endParaRPr lang="en-IN" sz="2400" dirty="0"/>
+          </a:p>
+        </p:txBody>
+      </p:sp>
+      <p:sp>
+        <p:nvSpPr>
+          <p:cNvPr id="15" name="TextBox 14">
+            <a:extLst>
+              <a:ext uri="{FF2B5EF4-FFF2-40B4-BE49-F238E27FC236}">
+                <a16:creationId xmlns:a16="http://schemas.microsoft.com/office/drawing/2014/main" id="{9DDB7654-7356-F5D5-F347-378DD86D5F82}"/>
+              </a:ext>
+            </a:extLst>
+          </p:cNvPr>
+          <p:cNvSpPr txBox="1"/>
+          <p:nvPr/>
+        </p:nvSpPr>
+        <p:spPr>
+          <a:xfrm>
+            <a:off x="309880" y="4097196"/>
+            <a:ext cx="11592560" cy="1938992"/>
+          </a:xfrm>
+          <a:prstGeom prst="rect">
+            <a:avLst/>
+          </a:prstGeom>
+          <a:noFill/>
+        </p:spPr>
+        <p:txBody>
+          <a:bodyPr wrap="square" rtlCol="0">
+            <a:spAutoFit/>
+          </a:bodyPr>
+          <a:lstStyle/>
+          <a:p>
             <a:pPr marL="285750" indent="-285750">
               <a:buFont typeface="Arial" panose="020B0604020202020204" pitchFamily="34" charset="0"/>
               <a:buChar char="•"/>
@@ -13031,7 +12950,7 @@
                   <a:schemeClr val="bg1"/>
                 </a:solidFill>
               </a:rPr>
-              <a:t>C. R. Patil has won significantly in both the elections for the constituency of Navsari. This may be due to his strong political base , party affiliations with BJP etc.</a:t>
+              <a:t>BJP, INC have remained the major national parties in India in both the elections.</a:t>
             </a:r>
           </a:p>
           <a:p>
@@ -13056,7 +12975,7 @@
                   <a:schemeClr val="bg1"/>
                 </a:solidFill>
               </a:rPr>
-              <a:t> Narendra Modi has won with the greatest margin of 0.57 million votes.</a:t>
+              <a:t>BJP has gained its vote share by nearly 6.3% in 2019 while INC has gained nearly 0.8% vote share at national level.</a:t>
             </a:r>
           </a:p>
           <a:p>
@@ -13070,12 +12989,98 @@
               </a:solidFill>
             </a:endParaRPr>
           </a:p>
-        </p:txBody>
-      </p:sp>
+          <a:p>
+            <a:pPr marL="285750" indent="-285750">
+              <a:buFont typeface="Arial" panose="020B0604020202020204" pitchFamily="34" charset="0"/>
+              <a:buChar char="•"/>
+            </a:pPr>
+            <a:r>
+              <a:rPr lang="en-IN" sz="2000" dirty="0">
+                <a:solidFill>
+                  <a:schemeClr val="bg1"/>
+                </a:solidFill>
+              </a:rPr>
+              <a:t>Together they contributed to more than 50% vote share in both the elections.</a:t>
+            </a:r>
+          </a:p>
+        </p:txBody>
+      </p:sp>
+      <p:pic>
+        <p:nvPicPr>
+          <p:cNvPr id="21" name="Picture 20" descr="A blue circle with numbers and text">
+            <a:extLst>
+              <a:ext uri="{FF2B5EF4-FFF2-40B4-BE49-F238E27FC236}">
+                <a16:creationId xmlns:a16="http://schemas.microsoft.com/office/drawing/2014/main" id="{5480E80C-DDAF-92A5-C67E-0CE8583D3FF0}"/>
+              </a:ext>
+            </a:extLst>
+          </p:cNvPr>
+          <p:cNvPicPr>
+            <a:picLocks noChangeAspect="1"/>
+          </p:cNvPicPr>
+          <p:nvPr/>
+        </p:nvPicPr>
+        <p:blipFill>
+          <a:blip r:embed="rId3">
+            <a:extLst>
+              <a:ext uri="{28A0092B-C50C-407E-A947-70E740481C1C}">
+                <a14:useLocalDpi xmlns:a14="http://schemas.microsoft.com/office/drawing/2010/main" val="0"/>
+              </a:ext>
+            </a:extLst>
+          </a:blip>
+          <a:stretch>
+            <a:fillRect/>
+          </a:stretch>
+        </p:blipFill>
+        <p:spPr>
+          <a:xfrm>
+            <a:off x="6290608" y="1253492"/>
+            <a:ext cx="4732992" cy="2818493"/>
+          </a:xfrm>
+          <a:prstGeom prst="rect">
+            <a:avLst/>
+          </a:prstGeom>
+        </p:spPr>
+      </p:pic>
+      <p:pic>
+        <p:nvPicPr>
+          <p:cNvPr id="23" name="Picture 22" descr="A blue circle with numbers and a number of numbers">
+            <a:extLst>
+              <a:ext uri="{FF2B5EF4-FFF2-40B4-BE49-F238E27FC236}">
+                <a16:creationId xmlns:a16="http://schemas.microsoft.com/office/drawing/2014/main" id="{16EDA394-CB85-EF53-FBE3-6EBAC92714AC}"/>
+              </a:ext>
+            </a:extLst>
+          </p:cNvPr>
+          <p:cNvPicPr>
+            <a:picLocks noChangeAspect="1"/>
+          </p:cNvPicPr>
+          <p:nvPr/>
+        </p:nvPicPr>
+        <p:blipFill>
+          <a:blip r:embed="rId4">
+            <a:extLst>
+              <a:ext uri="{28A0092B-C50C-407E-A947-70E740481C1C}">
+                <a14:useLocalDpi xmlns:a14="http://schemas.microsoft.com/office/drawing/2010/main" val="0"/>
+              </a:ext>
+            </a:extLst>
+          </a:blip>
+          <a:stretch>
+            <a:fillRect/>
+          </a:stretch>
+        </p:blipFill>
+        <p:spPr>
+          <a:xfrm>
+            <a:off x="1105620" y="1253492"/>
+            <a:ext cx="4554559" cy="2705980"/>
+          </a:xfrm>
+          <a:prstGeom prst="rect">
+            <a:avLst/>
+          </a:prstGeom>
+        </p:spPr>
+      </p:pic>
     </p:spTree>
     <p:extLst>
       <p:ext uri="{BB962C8B-B14F-4D97-AF65-F5344CB8AC3E}">
-        <p14:creationId xmlns:p14="http://schemas.microsoft.com/office/powerpoint/2010/main" val="1975367219"/>
+        <p14:creationId xmlns:p14="http://schemas.microsoft.com/office/powerpoint/2010/main" val="807998175"/>
       </p:ext>
     </p:extLst>
   </p:cSld>
